--- a/adidas/7June2019_putting.pptx
+++ b/adidas/7June2019_putting.pptx
@@ -5,10 +5,10 @@
     <p:sldMasterId id="2147484028" r:id="rId1"/>
   </p:sldMasterIdLst>
   <p:notesMasterIdLst>
-    <p:notesMasterId r:id="rId13"/>
+    <p:notesMasterId r:id="rId15"/>
   </p:notesMasterIdLst>
   <p:handoutMasterIdLst>
-    <p:handoutMasterId r:id="rId14"/>
+    <p:handoutMasterId r:id="rId16"/>
   </p:handoutMasterIdLst>
   <p:sldIdLst>
     <p:sldId id="684" r:id="rId2"/>
@@ -16,17 +16,19 @@
     <p:sldId id="686" r:id="rId4"/>
     <p:sldId id="687" r:id="rId5"/>
     <p:sldId id="688" r:id="rId6"/>
-    <p:sldId id="689" r:id="rId7"/>
-    <p:sldId id="692" r:id="rId8"/>
-    <p:sldId id="690" r:id="rId9"/>
-    <p:sldId id="693" r:id="rId10"/>
+    <p:sldId id="696" r:id="rId7"/>
+    <p:sldId id="695" r:id="rId8"/>
+    <p:sldId id="689" r:id="rId9"/>
+    <p:sldId id="692" r:id="rId10"/>
     <p:sldId id="694" r:id="rId11"/>
-    <p:sldId id="691" r:id="rId12"/>
+    <p:sldId id="693" r:id="rId12"/>
+    <p:sldId id="690" r:id="rId13"/>
+    <p:sldId id="691" r:id="rId14"/>
   </p:sldIdLst>
   <p:sldSz cx="9144000" cy="5143500" type="screen16x9"/>
   <p:notesSz cx="6805613" cy="9939338"/>
   <p:custDataLst>
-    <p:tags r:id="rId15"/>
+    <p:tags r:id="rId17"/>
   </p:custDataLst>
   <p:defaultTextStyle>
     <a:defPPr>
@@ -133,11 +135,13 @@
             <p14:sldId id="686"/>
             <p14:sldId id="687"/>
             <p14:sldId id="688"/>
+            <p14:sldId id="696"/>
+            <p14:sldId id="695"/>
             <p14:sldId id="689"/>
             <p14:sldId id="692"/>
+            <p14:sldId id="694"/>
+            <p14:sldId id="693"/>
             <p14:sldId id="690"/>
-            <p14:sldId id="693"/>
-            <p14:sldId id="694"/>
             <p14:sldId id="691"/>
           </p14:sldIdLst>
         </p14:section>
@@ -297,7 +301,7 @@
               <a:rPr lang="en-US" smtClean="0">
                 <a:latin typeface="AdihausDIN" panose="020B0506020101010102" pitchFamily="34" charset="0"/>
               </a:rPr>
-              <a:t>6/7/19</a:t>
+              <a:t>6/21/19</a:t>
             </a:fld>
             <a:endParaRPr lang="en-US" dirty="0">
               <a:latin typeface="AdihausDIN" panose="020B0506020101010102" pitchFamily="34" charset="0"/>
@@ -1547,7 +1551,7 @@
           <a:graphicData uri="http://schemas.openxmlformats.org/presentationml/2006/ole">
             <mc:AlternateContent xmlns:mc="http://schemas.openxmlformats.org/markup-compatibility/2006">
               <mc:Choice xmlns:v="urn:schemas-microsoft-com:vml" Requires="v">
-                <p:oleObj spid="_x0000_s39787" name="think-cell Slide" r:id="rId4" imgW="270" imgH="270" progId="TCLayout.ActiveDocument.1">
+                <p:oleObj spid="_x0000_s39824" name="think-cell Slide" r:id="rId4" imgW="270" imgH="270" progId="TCLayout.ActiveDocument.1">
                   <p:embed/>
                 </p:oleObj>
               </mc:Choice>
@@ -2195,7 +2199,7 @@
           <a:graphicData uri="http://schemas.openxmlformats.org/presentationml/2006/ole">
             <mc:AlternateContent xmlns:mc="http://schemas.openxmlformats.org/markup-compatibility/2006">
               <mc:Choice xmlns:v="urn:schemas-microsoft-com:vml" Requires="v">
-                <p:oleObj spid="_x0000_s79621" name="think-cell Slide" r:id="rId4" imgW="270" imgH="270" progId="TCLayout.ActiveDocument.1">
+                <p:oleObj spid="_x0000_s79658" name="think-cell Slide" r:id="rId4" imgW="270" imgH="270" progId="TCLayout.ActiveDocument.1">
                   <p:embed/>
                 </p:oleObj>
               </mc:Choice>
@@ -4048,7 +4052,7 @@
           <a:graphicData uri="http://schemas.openxmlformats.org/presentationml/2006/ole">
             <mc:AlternateContent xmlns:mc="http://schemas.openxmlformats.org/markup-compatibility/2006">
               <mc:Choice xmlns:v="urn:schemas-microsoft-com:vml" Requires="v">
-                <p:oleObj spid="_x0000_s1933" name="think-cell Slide" r:id="rId13" imgW="270" imgH="270" progId="TCLayout.ActiveDocument.1">
+                <p:oleObj spid="_x0000_s1970" name="think-cell Slide" r:id="rId13" imgW="270" imgH="270" progId="TCLayout.ActiveDocument.1">
                   <p:embed/>
                 </p:oleObj>
               </mc:Choice>
@@ -6801,7 +6805,7 @@
             <a:r>
               <a:rPr lang="en-US" sz="2400" dirty="0">
                 <a:solidFill>
-                  <a:schemeClr val="accent6"/>
+                  <a:srgbClr val="C00000"/>
                 </a:solidFill>
               </a:rPr>
               <a:t>optimizing overestimation</a:t>
@@ -6896,6 +6900,9 @@
               <a:lnSpc>
                 <a:spcPct val="200000"/>
               </a:lnSpc>
+              <a:buClr>
+                <a:srgbClr val="C00000"/>
+              </a:buClr>
             </a:pPr>
             <a:r>
               <a:rPr lang="en-US" sz="1400" dirty="0"/>
@@ -6907,6 +6914,9 @@
               <a:lnSpc>
                 <a:spcPct val="200000"/>
               </a:lnSpc>
+              <a:buClr>
+                <a:srgbClr val="C00000"/>
+              </a:buClr>
             </a:pPr>
             <a:r>
               <a:rPr lang="en-US" sz="1400" dirty="0"/>
@@ -6922,10 +6932,13 @@
               <a:lnSpc>
                 <a:spcPct val="200000"/>
               </a:lnSpc>
+              <a:buClr>
+                <a:srgbClr val="C00000"/>
+              </a:buClr>
             </a:pPr>
             <a:r>
               <a:rPr lang="en-US" sz="1400" dirty="0"/>
-              <a:t>We can quantify and incorporate uncertainty</a:t>
+              <a:t>We can quantify and should incorporate uncertainty</a:t>
             </a:r>
           </a:p>
           <a:p>
@@ -6933,6 +6946,9 @@
               <a:lnSpc>
                 <a:spcPct val="200000"/>
               </a:lnSpc>
+              <a:buClr>
+                <a:srgbClr val="C00000"/>
+              </a:buClr>
             </a:pPr>
             <a:r>
               <a:rPr lang="en-US" sz="1400" dirty="0">
@@ -6946,6 +6962,9 @@
               <a:lnSpc>
                 <a:spcPct val="200000"/>
               </a:lnSpc>
+              <a:buClr>
+                <a:srgbClr val="C00000"/>
+              </a:buClr>
             </a:pPr>
             <a:r>
               <a:rPr lang="en-US" sz="1400" dirty="0">
@@ -6959,6 +6978,9 @@
               <a:lnSpc>
                 <a:spcPct val="200000"/>
               </a:lnSpc>
+              <a:buClr>
+                <a:srgbClr val="C00000"/>
+              </a:buClr>
             </a:pPr>
             <a:r>
               <a:rPr lang="en-US" sz="1400" dirty="0">
@@ -7013,36 +7035,6 @@
           </a:p>
         </p:txBody>
       </p:sp>
-      <p:pic>
-        <p:nvPicPr>
-          <p:cNvPr id="9" name="Picture 8">
-            <a:extLst>
-              <a:ext uri="{FF2B5EF4-FFF2-40B4-BE49-F238E27FC236}">
-                <a16:creationId xmlns:a16="http://schemas.microsoft.com/office/drawing/2014/main" id="{53BE5608-784F-DE47-9538-13D573C9E6A1}"/>
-              </a:ext>
-            </a:extLst>
-          </p:cNvPr>
-          <p:cNvPicPr>
-            <a:picLocks noChangeAspect="1"/>
-          </p:cNvPicPr>
-          <p:nvPr/>
-        </p:nvPicPr>
-        <p:blipFill>
-          <a:blip r:embed="rId2"/>
-          <a:stretch>
-            <a:fillRect/>
-          </a:stretch>
-        </p:blipFill>
-        <p:spPr>
-          <a:xfrm>
-            <a:off x="6116614" y="1161279"/>
-            <a:ext cx="2668609" cy="2374817"/>
-          </a:xfrm>
-          <a:prstGeom prst="rect">
-            <a:avLst/>
-          </a:prstGeom>
-        </p:spPr>
-      </p:pic>
     </p:spTree>
     <p:extLst>
       <p:ext uri="{BB962C8B-B14F-4D97-AF65-F5344CB8AC3E}">
@@ -7107,7 +7099,7 @@
             <a:pPr algn="ctr"/>
             <a:r>
               <a:rPr lang="en-US" sz="2400" dirty="0"/>
-              <a:t>Demand forecasting</a:t>
+              <a:t>Framework extensions</a:t>
             </a:r>
             <a:br>
               <a:rPr lang="en-US" sz="2400" dirty="0"/>
@@ -7115,21 +7107,21 @@
             <a:r>
               <a:rPr lang="en-US" sz="2400" dirty="0">
                 <a:solidFill>
-                  <a:schemeClr val="accent6"/>
+                  <a:srgbClr val="C00000"/>
                 </a:solidFill>
               </a:rPr>
-              <a:t>Distribution framework</a:t>
+              <a:t>skewed prediction distributions</a:t>
             </a:r>
             <a:br>
               <a:rPr lang="en-US" sz="2400" dirty="0">
                 <a:solidFill>
-                  <a:schemeClr val="accent6"/>
+                  <a:srgbClr val="C00000"/>
                 </a:solidFill>
               </a:rPr>
             </a:br>
             <a:endParaRPr lang="en-US" sz="2400" dirty="0">
               <a:solidFill>
-                <a:schemeClr val="accent6"/>
+                <a:srgbClr val="C00000"/>
               </a:solidFill>
             </a:endParaRPr>
           </a:p>
@@ -7188,8 +7180,8 @@
         </p:nvSpPr>
         <p:spPr>
           <a:xfrm>
-            <a:off x="582660" y="1047750"/>
-            <a:ext cx="7430189" cy="4038600"/>
+            <a:off x="152400" y="1047750"/>
+            <a:ext cx="7860449" cy="4038600"/>
           </a:xfrm>
         </p:spPr>
         <p:txBody>
@@ -7202,6 +7194,9 @@
               <a:lnSpc>
                 <a:spcPct val="100000"/>
               </a:lnSpc>
+              <a:buClr>
+                <a:srgbClr val="C00000"/>
+              </a:buClr>
             </a:pPr>
             <a:endParaRPr lang="en-US" sz="1400" dirty="0"/>
           </a:p>
@@ -7210,6 +7205,9 @@
               <a:lnSpc>
                 <a:spcPct val="150000"/>
               </a:lnSpc>
+              <a:buClr>
+                <a:srgbClr val="C00000"/>
+              </a:buClr>
             </a:pPr>
             <a:r>
               <a:rPr lang="en-US" sz="1400" dirty="0">
@@ -7223,12 +7221,15 @@
               <a:lnSpc>
                 <a:spcPct val="150000"/>
               </a:lnSpc>
+              <a:buClr>
+                <a:srgbClr val="C00000"/>
+              </a:buClr>
             </a:pPr>
             <a:r>
               <a:rPr lang="en-US" sz="1400" dirty="0">
                 <a:sym typeface="Wingdings" pitchFamily="2" charset="2"/>
               </a:rPr>
-              <a:t>e.g. marketing campaign – large upside</a:t>
+              <a:t>e.g. marketing campaign – large potential upside</a:t>
             </a:r>
           </a:p>
           <a:p>
@@ -7236,12 +7237,15 @@
               <a:lnSpc>
                 <a:spcPct val="150000"/>
               </a:lnSpc>
+              <a:buClr>
+                <a:srgbClr val="C00000"/>
+              </a:buClr>
             </a:pPr>
             <a:r>
               <a:rPr lang="en-US" sz="1400" dirty="0">
                 <a:sym typeface="Wingdings" pitchFamily="2" charset="2"/>
               </a:rPr>
-              <a:t>Distribution can capture small probability of large impact</a:t>
+              <a:t>Distribution can capture increased upside; e.g. gamma</a:t>
             </a:r>
           </a:p>
           <a:p>
@@ -7249,12 +7253,15 @@
               <a:lnSpc>
                 <a:spcPct val="150000"/>
               </a:lnSpc>
+              <a:buClr>
+                <a:srgbClr val="C00000"/>
+              </a:buClr>
             </a:pPr>
             <a:r>
               <a:rPr lang="en-US" sz="1400" dirty="0">
                 <a:sym typeface="Wingdings" pitchFamily="2" charset="2"/>
               </a:rPr>
-              <a:t>Mean: 1000 units</a:t>
+              <a:t>Mean: 38000 units</a:t>
             </a:r>
           </a:p>
           <a:p>
@@ -7262,12 +7269,31 @@
               <a:lnSpc>
                 <a:spcPct val="150000"/>
               </a:lnSpc>
+              <a:buClr>
+                <a:srgbClr val="C00000"/>
+              </a:buClr>
             </a:pPr>
             <a:r>
               <a:rPr lang="en-US" sz="1400" dirty="0">
                 <a:sym typeface="Wingdings" pitchFamily="2" charset="2"/>
               </a:rPr>
-              <a:t>Buy 1200 units</a:t>
+              <a:t>Optimal buy: 45700 units</a:t>
+            </a:r>
+          </a:p>
+          <a:p>
+            <a:pPr lvl="2">
+              <a:lnSpc>
+                <a:spcPct val="150000"/>
+              </a:lnSpc>
+              <a:buClr>
+                <a:srgbClr val="C00000"/>
+              </a:buClr>
+            </a:pPr>
+            <a:r>
+              <a:rPr lang="en-US" sz="1400" dirty="0">
+                <a:sym typeface="Wingdings" pitchFamily="2" charset="2"/>
+              </a:rPr>
+              <a:t>Virtually identical to ‘20% buffer’ approach</a:t>
             </a:r>
           </a:p>
           <a:p>
@@ -7275,6 +7301,9 @@
               <a:lnSpc>
                 <a:spcPct val="150000"/>
               </a:lnSpc>
+              <a:buClr>
+                <a:srgbClr val="C00000"/>
+              </a:buClr>
             </a:pPr>
             <a:endParaRPr lang="en-US" sz="1400" dirty="0">
               <a:sym typeface="Wingdings" pitchFamily="2" charset="2"/>
@@ -7328,10 +7357,10 @@
       </p:sp>
       <p:pic>
         <p:nvPicPr>
-          <p:cNvPr id="11" name="Picture 10">
+          <p:cNvPr id="7" name="Picture 6">
             <a:extLst>
               <a:ext uri="{FF2B5EF4-FFF2-40B4-BE49-F238E27FC236}">
-                <a16:creationId xmlns:a16="http://schemas.microsoft.com/office/drawing/2014/main" id="{4327569F-6849-F04D-8845-3070F41F1BC9}"/>
+                <a16:creationId xmlns:a16="http://schemas.microsoft.com/office/drawing/2014/main" id="{CACF11AD-771F-0D4A-A279-AA243AB8B5B8}"/>
               </a:ext>
             </a:extLst>
           </p:cNvPr>
@@ -7348,8 +7377,8 @@
         </p:blipFill>
         <p:spPr>
           <a:xfrm>
-            <a:off x="3429000" y="2724150"/>
-            <a:ext cx="3021806" cy="2212819"/>
+            <a:off x="3810000" y="3163962"/>
+            <a:ext cx="2795587" cy="1833703"/>
           </a:xfrm>
           <a:prstGeom prst="rect">
             <a:avLst/>
@@ -7358,10 +7387,10 @@
       </p:pic>
       <p:pic>
         <p:nvPicPr>
-          <p:cNvPr id="13" name="Picture 12">
+          <p:cNvPr id="9" name="Picture 8">
             <a:extLst>
               <a:ext uri="{FF2B5EF4-FFF2-40B4-BE49-F238E27FC236}">
-                <a16:creationId xmlns:a16="http://schemas.microsoft.com/office/drawing/2014/main" id="{EEAB6A44-F076-8743-BEE4-A5A6564330FA}"/>
+                <a16:creationId xmlns:a16="http://schemas.microsoft.com/office/drawing/2014/main" id="{AAFB3C1F-F761-4C44-8DEF-1D6DEEFFC91D}"/>
               </a:ext>
             </a:extLst>
           </p:cNvPr>
@@ -7378,8 +7407,8 @@
         </p:blipFill>
         <p:spPr>
           <a:xfrm>
-            <a:off x="5867400" y="965304"/>
-            <a:ext cx="3169203" cy="2227224"/>
+            <a:off x="5334000" y="842963"/>
+            <a:ext cx="3589588" cy="2312785"/>
           </a:xfrm>
           <a:prstGeom prst="rect">
             <a:avLst/>
@@ -7450,7 +7479,7 @@
             <a:pPr algn="ctr"/>
             <a:r>
               <a:rPr lang="en-US" sz="2400" dirty="0"/>
-              <a:t>Demand forecasting</a:t>
+              <a:t>Framework extensions</a:t>
             </a:r>
             <a:br>
               <a:rPr lang="en-US" sz="2400" dirty="0"/>
@@ -7458,25 +7487,10 @@
             <a:r>
               <a:rPr lang="en-US" sz="2400" dirty="0">
                 <a:solidFill>
-                  <a:schemeClr val="accent6"/>
+                  <a:srgbClr val="C00000"/>
                 </a:solidFill>
               </a:rPr>
-              <a:t>optimizing overestimation</a:t>
-            </a:r>
-            <a:br>
-              <a:rPr lang="en-US" sz="2400" dirty="0">
-                <a:solidFill>
-                  <a:schemeClr val="accent6"/>
-                </a:solidFill>
-              </a:rPr>
-            </a:br>
-            <a:r>
-              <a:rPr lang="en-US" sz="2400" dirty="0">
-                <a:solidFill>
-                  <a:schemeClr val="accent6"/>
-                </a:solidFill>
-              </a:rPr>
-              <a:t>(SUPPLEMENTAL SLIDE)</a:t>
+              <a:t>integrative prediction distributions</a:t>
             </a:r>
             <a:br>
               <a:rPr lang="en-US" sz="2400" dirty="0">
@@ -7535,390 +7549,93 @@
           </a:p>
         </p:txBody>
       </p:sp>
-      <mc:AlternateContent xmlns:mc="http://schemas.openxmlformats.org/markup-compatibility/2006">
-        <mc:Choice xmlns:a14="http://schemas.microsoft.com/office/drawing/2010/main" Requires="a14">
-          <p:sp>
-            <p:nvSpPr>
-              <p:cNvPr id="4" name="Text Placeholder 3">
-                <a:extLst>
-                  <a:ext uri="{FF2B5EF4-FFF2-40B4-BE49-F238E27FC236}">
-                    <a16:creationId xmlns:a16="http://schemas.microsoft.com/office/drawing/2014/main" id="{E5CA33FE-16F9-7F48-BA4D-F8CA50A6E268}"/>
-                  </a:ext>
-                </a:extLst>
-              </p:cNvPr>
-              <p:cNvSpPr>
-                <a:spLocks noGrp="1"/>
-              </p:cNvSpPr>
-              <p:nvPr>
-                <p:ph type="body" sz="quarter" idx="25"/>
-              </p:nvPr>
-            </p:nvSpPr>
-            <p:spPr>
-              <a:xfrm>
-                <a:off x="582660" y="1047750"/>
-                <a:ext cx="7430189" cy="4038600"/>
-              </a:xfrm>
-            </p:spPr>
-            <p:txBody>
-              <a:bodyPr numCol="2">
-                <a:normAutofit/>
-              </a:bodyPr>
-              <a:lstStyle/>
-              <a:p>
-                <a:pPr>
-                  <a:lnSpc>
-                    <a:spcPct val="100000"/>
-                  </a:lnSpc>
-                </a:pPr>
-                <a:endParaRPr lang="en-US" sz="1400" dirty="0"/>
-              </a:p>
-              <a:p>
-                <a:pPr>
-                  <a:lnSpc>
-                    <a:spcPct val="150000"/>
-                  </a:lnSpc>
-                </a:pPr>
-                <a:r>
-                  <a:rPr lang="en-US" sz="1400" dirty="0">
-                    <a:sym typeface="Wingdings" pitchFamily="2" charset="2"/>
-                  </a:rPr>
-                  <a:t>Minimize </a:t>
-                </a:r>
-                <a14:m>
-                  <m:oMath xmlns:m="http://schemas.openxmlformats.org/officeDocument/2006/math">
-                    <m:r>
-                      <m:rPr>
-                        <m:sty m:val="p"/>
-                      </m:rPr>
-                      <a:rPr lang="en-US" sz="1400" b="0" i="0" smtClean="0">
-                        <a:latin typeface="Cambria Math" panose="02040503050406030204" pitchFamily="18" charset="0"/>
-                        <a:sym typeface="Wingdings" pitchFamily="2" charset="2"/>
-                      </a:rPr>
-                      <m:t>E</m:t>
-                    </m:r>
-                    <m:d>
-                      <m:dPr>
-                        <m:begChr m:val="["/>
-                        <m:endChr m:val="]"/>
-                        <m:ctrlPr>
-                          <a:rPr lang="en-US" sz="1400" b="0" i="0" smtClean="0">
-                            <a:latin typeface="Cambria Math" panose="02040503050406030204" pitchFamily="18" charset="0"/>
-                            <a:sym typeface="Wingdings" pitchFamily="2" charset="2"/>
-                          </a:rPr>
-                        </m:ctrlPr>
-                      </m:dPr>
-                      <m:e>
-                        <m:r>
-                          <m:rPr>
-                            <m:sty m:val="p"/>
-                          </m:rPr>
-                          <a:rPr lang="en-US" sz="1400" b="0" i="0" smtClean="0">
-                            <a:latin typeface="Cambria Math" panose="02040503050406030204" pitchFamily="18" charset="0"/>
-                            <a:sym typeface="Wingdings" pitchFamily="2" charset="2"/>
-                          </a:rPr>
-                          <m:t>L</m:t>
-                        </m:r>
-                      </m:e>
-                      <m:e>
-                        <m:r>
-                          <a:rPr lang="en-US" sz="1400" b="0" i="1" smtClean="0">
-                            <a:latin typeface="Cambria Math" panose="02040503050406030204" pitchFamily="18" charset="0"/>
-                            <a:sym typeface="Wingdings" pitchFamily="2" charset="2"/>
-                          </a:rPr>
-                          <m:t>𝑏</m:t>
-                        </m:r>
-                      </m:e>
-                    </m:d>
-                  </m:oMath>
-                </a14:m>
-                <a:r>
-                  <a:rPr lang="en-US" sz="1400" dirty="0">
-                    <a:sym typeface="Wingdings" pitchFamily="2" charset="2"/>
-                  </a:rPr>
-                  <a:t>. --- expected value of loss function --- over all b</a:t>
-                </a:r>
-              </a:p>
-              <a:p>
-                <a:pPr>
-                  <a:lnSpc>
-                    <a:spcPct val="150000"/>
-                  </a:lnSpc>
-                </a:pPr>
-                <a:r>
-                  <a:rPr lang="en-US" sz="1400" dirty="0">
-                    <a:sym typeface="Wingdings" pitchFamily="2" charset="2"/>
-                  </a:rPr>
-                  <a:t>Normal density f</a:t>
-                </a:r>
-              </a:p>
-              <a:p>
-                <a:pPr lvl="1">
-                  <a:lnSpc>
-                    <a:spcPct val="150000"/>
-                  </a:lnSpc>
-                </a:pPr>
-                <a:r>
-                  <a:rPr lang="en-US" sz="1400" dirty="0">
-                    <a:sym typeface="Wingdings" pitchFamily="2" charset="2"/>
-                  </a:rPr>
-                  <a:t>Mean </a:t>
-                </a:r>
-                <a14:m>
-                  <m:oMath xmlns:m="http://schemas.openxmlformats.org/officeDocument/2006/math">
-                    <m:sSub>
-                      <m:sSubPr>
-                        <m:ctrlPr>
-                          <a:rPr lang="en-US" sz="1400" b="0" i="1" smtClean="0">
-                            <a:latin typeface="Cambria Math" panose="02040503050406030204" pitchFamily="18" charset="0"/>
-                            <a:sym typeface="Wingdings" pitchFamily="2" charset="2"/>
-                          </a:rPr>
-                        </m:ctrlPr>
-                      </m:sSubPr>
-                      <m:e>
-                        <m:r>
-                          <a:rPr lang="en-US" sz="1400" b="0" i="1" smtClean="0">
-                            <a:latin typeface="Cambria Math" panose="02040503050406030204" pitchFamily="18" charset="0"/>
-                            <a:sym typeface="Wingdings" pitchFamily="2" charset="2"/>
-                          </a:rPr>
-                          <m:t>𝜇</m:t>
-                        </m:r>
-                      </m:e>
-                      <m:sub>
-                        <m:r>
-                          <a:rPr lang="en-US" sz="1400" b="0" i="1" smtClean="0">
-                            <a:latin typeface="Cambria Math" panose="02040503050406030204" pitchFamily="18" charset="0"/>
-                            <a:sym typeface="Wingdings" pitchFamily="2" charset="2"/>
-                          </a:rPr>
-                          <m:t>0</m:t>
-                        </m:r>
-                      </m:sub>
-                    </m:sSub>
-                  </m:oMath>
-                </a14:m>
-                <a:r>
-                  <a:rPr lang="en-US" sz="1400" dirty="0">
-                    <a:sym typeface="Wingdings" pitchFamily="2" charset="2"/>
-                  </a:rPr>
-                  <a:t> (our prediction)</a:t>
-                </a:r>
-              </a:p>
-              <a:p>
-                <a:pPr lvl="1">
-                  <a:lnSpc>
-                    <a:spcPct val="150000"/>
-                  </a:lnSpc>
-                </a:pPr>
-                <a:r>
-                  <a:rPr lang="en-US" sz="1400" dirty="0">
-                    <a:sym typeface="Wingdings" pitchFamily="2" charset="2"/>
-                  </a:rPr>
-                  <a:t>Confidence-informed </a:t>
-                </a:r>
-                <a14:m>
-                  <m:oMath xmlns:m="http://schemas.openxmlformats.org/officeDocument/2006/math">
-                    <m:sSub>
-                      <m:sSubPr>
-                        <m:ctrlPr>
-                          <a:rPr lang="en-US" sz="1400" b="0" i="1" smtClean="0">
-                            <a:latin typeface="Cambria Math" panose="02040503050406030204" pitchFamily="18" charset="0"/>
-                            <a:sym typeface="Wingdings" pitchFamily="2" charset="2"/>
-                          </a:rPr>
-                        </m:ctrlPr>
-                      </m:sSubPr>
-                      <m:e>
-                        <m:r>
-                          <a:rPr lang="en-US" sz="1400" b="0" i="1" smtClean="0">
-                            <a:latin typeface="Cambria Math" panose="02040503050406030204" pitchFamily="18" charset="0"/>
-                            <a:sym typeface="Wingdings" pitchFamily="2" charset="2"/>
-                          </a:rPr>
-                          <m:t>𝜎</m:t>
-                        </m:r>
-                      </m:e>
-                      <m:sub>
-                        <m:r>
-                          <a:rPr lang="en-US" sz="1400" b="0" i="1" smtClean="0">
-                            <a:latin typeface="Cambria Math" panose="02040503050406030204" pitchFamily="18" charset="0"/>
-                            <a:sym typeface="Wingdings" pitchFamily="2" charset="2"/>
-                          </a:rPr>
-                          <m:t>0</m:t>
-                        </m:r>
-                      </m:sub>
-                    </m:sSub>
-                  </m:oMath>
-                </a14:m>
-                <a:r>
-                  <a:rPr lang="en-US" sz="1400" dirty="0">
-                    <a:sym typeface="Wingdings" pitchFamily="2" charset="2"/>
-                  </a:rPr>
-                  <a:t>, </a:t>
-                </a:r>
-              </a:p>
-              <a:p>
-                <a:pPr>
-                  <a:lnSpc>
-                    <a:spcPct val="150000"/>
-                  </a:lnSpc>
-                </a:pPr>
-                <a:r>
-                  <a:rPr lang="en-US" sz="1400" dirty="0">
-                    <a:sym typeface="Wingdings" pitchFamily="2" charset="2"/>
-                  </a:rPr>
-                  <a:t>Expected value of loss function:</a:t>
-                </a:r>
-              </a:p>
-              <a:p>
-                <a:pPr>
-                  <a:lnSpc>
-                    <a:spcPct val="150000"/>
-                  </a:lnSpc>
-                </a:pPr>
-                <a:endParaRPr lang="en-US" sz="1400" dirty="0">
-                  <a:sym typeface="Wingdings" pitchFamily="2" charset="2"/>
-                </a:endParaRPr>
-              </a:p>
-              <a:p>
-                <a:pPr>
-                  <a:lnSpc>
-                    <a:spcPct val="150000"/>
-                  </a:lnSpc>
-                </a:pPr>
-                <a:endParaRPr lang="en-US" sz="1400" dirty="0">
-                  <a:sym typeface="Wingdings" pitchFamily="2" charset="2"/>
-                </a:endParaRPr>
-              </a:p>
-              <a:p>
-                <a:pPr>
-                  <a:lnSpc>
-                    <a:spcPct val="150000"/>
-                  </a:lnSpc>
-                </a:pPr>
-                <a:r>
-                  <a:rPr lang="en-US" sz="1400" dirty="0">
-                    <a:sym typeface="Wingdings" pitchFamily="2" charset="2"/>
-                  </a:rPr>
-                  <a:t>Minimize over buy quantity </a:t>
-                </a:r>
-                <a14:m>
-                  <m:oMath xmlns:m="http://schemas.openxmlformats.org/officeDocument/2006/math">
-                    <m:sSub>
-                      <m:sSubPr>
-                        <m:ctrlPr>
-                          <a:rPr lang="en-US" sz="1400" b="0" i="1" smtClean="0">
-                            <a:latin typeface="Cambria Math" panose="02040503050406030204" pitchFamily="18" charset="0"/>
-                            <a:sym typeface="Wingdings" pitchFamily="2" charset="2"/>
-                          </a:rPr>
-                        </m:ctrlPr>
-                      </m:sSubPr>
-                      <m:e>
-                        <m:r>
-                          <a:rPr lang="en-US" sz="1400" b="0" i="1" smtClean="0">
-                            <a:latin typeface="Cambria Math" panose="02040503050406030204" pitchFamily="18" charset="0"/>
-                            <a:sym typeface="Wingdings" pitchFamily="2" charset="2"/>
-                          </a:rPr>
-                          <m:t>𝑏</m:t>
-                        </m:r>
-                      </m:e>
-                      <m:sub>
-                        <m:r>
-                          <a:rPr lang="en-US" sz="1400" b="0" i="1" smtClean="0">
-                            <a:latin typeface="Cambria Math" panose="02040503050406030204" pitchFamily="18" charset="0"/>
-                            <a:sym typeface="Wingdings" pitchFamily="2" charset="2"/>
-                          </a:rPr>
-                          <m:t>0</m:t>
-                        </m:r>
-                      </m:sub>
-                    </m:sSub>
-                  </m:oMath>
-                </a14:m>
-                <a:endParaRPr lang="en-US" sz="1400" dirty="0">
-                  <a:sym typeface="Wingdings" pitchFamily="2" charset="2"/>
-                </a:endParaRPr>
-              </a:p>
-              <a:p>
-                <a:pPr>
-                  <a:lnSpc>
-                    <a:spcPct val="150000"/>
-                  </a:lnSpc>
-                </a:pPr>
-                <a:r>
-                  <a:rPr lang="en-US" sz="1400" dirty="0">
-                    <a:sym typeface="Wingdings" pitchFamily="2" charset="2"/>
-                  </a:rPr>
-                  <a:t>Suppose we predict </a:t>
-                </a:r>
-                <a:r>
-                  <a:rPr lang="en-US" sz="1400" dirty="0" err="1">
-                    <a:sym typeface="Wingdings" pitchFamily="2" charset="2"/>
-                  </a:rPr>
-                  <a:t>net_qty</a:t>
-                </a:r>
-                <a:r>
-                  <a:rPr lang="en-US" sz="1400" dirty="0">
-                    <a:sym typeface="Wingdings" pitchFamily="2" charset="2"/>
-                  </a:rPr>
-                  <a:t> ~ N(1000, 100), and margin = 80, cost = 20.</a:t>
-                </a:r>
-              </a:p>
-              <a:p>
-                <a:pPr>
-                  <a:lnSpc>
-                    <a:spcPct val="150000"/>
-                  </a:lnSpc>
-                </a:pPr>
-                <a:r>
-                  <a:rPr lang="en-US" sz="1400" dirty="0">
-                    <a:sym typeface="Wingdings" pitchFamily="2" charset="2"/>
-                  </a:rPr>
-                  <a:t>Then we buy 1077 units.</a:t>
-                </a:r>
-              </a:p>
-            </p:txBody>
-          </p:sp>
-        </mc:Choice>
-        <mc:Fallback>
-          <p:sp>
-            <p:nvSpPr>
-              <p:cNvPr id="4" name="Text Placeholder 3">
-                <a:extLst>
-                  <a:ext uri="{FF2B5EF4-FFF2-40B4-BE49-F238E27FC236}">
-                    <a16:creationId xmlns:a16="http://schemas.microsoft.com/office/drawing/2014/main" id="{E5CA33FE-16F9-7F48-BA4D-F8CA50A6E268}"/>
-                  </a:ext>
-                </a:extLst>
-              </p:cNvPr>
-              <p:cNvSpPr>
-                <a:spLocks noGrp="1" noRot="1" noChangeAspect="1" noMove="1" noResize="1" noEditPoints="1" noAdjustHandles="1" noChangeArrowheads="1" noChangeShapeType="1" noTextEdit="1"/>
-              </p:cNvSpPr>
-              <p:nvPr>
-                <p:ph type="body" sz="quarter" idx="25"/>
-              </p:nvPr>
-            </p:nvSpPr>
-            <p:spPr>
-              <a:xfrm>
-                <a:off x="582660" y="1047750"/>
-                <a:ext cx="7430189" cy="4038600"/>
-              </a:xfrm>
-              <a:blipFill>
-                <a:blip r:embed="rId2"/>
-                <a:stretch>
-                  <a:fillRect l="-683" r="-341"/>
-                </a:stretch>
-              </a:blipFill>
-            </p:spPr>
-            <p:txBody>
-              <a:bodyPr/>
-              <a:lstStyle/>
-              <a:p>
-                <a:r>
-                  <a:rPr lang="en-US">
-                    <a:noFill/>
-                  </a:rPr>
-                  <a:t> </a:t>
-                </a:r>
-              </a:p>
-            </p:txBody>
-          </p:sp>
-        </mc:Fallback>
-      </mc:AlternateContent>
+      <p:sp>
+        <p:nvSpPr>
+          <p:cNvPr id="4" name="Text Placeholder 3">
+            <a:extLst>
+              <a:ext uri="{FF2B5EF4-FFF2-40B4-BE49-F238E27FC236}">
+                <a16:creationId xmlns:a16="http://schemas.microsoft.com/office/drawing/2014/main" id="{E5CA33FE-16F9-7F48-BA4D-F8CA50A6E268}"/>
+              </a:ext>
+            </a:extLst>
+          </p:cNvPr>
+          <p:cNvSpPr>
+            <a:spLocks noGrp="1"/>
+          </p:cNvSpPr>
+          <p:nvPr>
+            <p:ph type="body" sz="quarter" idx="25"/>
+          </p:nvPr>
+        </p:nvSpPr>
+        <p:spPr>
+          <a:xfrm>
+            <a:off x="582660" y="971550"/>
+            <a:ext cx="7430189" cy="4114800"/>
+          </a:xfrm>
+        </p:spPr>
+        <p:txBody>
+          <a:bodyPr numCol="1">
+            <a:normAutofit/>
+          </a:bodyPr>
+          <a:lstStyle/>
+          <a:p>
+            <a:pPr>
+              <a:lnSpc>
+                <a:spcPct val="100000"/>
+              </a:lnSpc>
+              <a:buClr>
+                <a:srgbClr val="C00000"/>
+              </a:buClr>
+            </a:pPr>
+            <a:endParaRPr lang="en-US" sz="1400" dirty="0"/>
+          </a:p>
+          <a:p>
+            <a:pPr lvl="1">
+              <a:lnSpc>
+                <a:spcPct val="150000"/>
+              </a:lnSpc>
+              <a:buClr>
+                <a:srgbClr val="C00000"/>
+              </a:buClr>
+            </a:pPr>
+            <a:r>
+              <a:rPr lang="en-US" sz="1400" dirty="0">
+                <a:sym typeface="Wingdings" pitchFamily="2" charset="2"/>
+              </a:rPr>
+              <a:t>Incorporate disparate information streams into prediction </a:t>
+            </a:r>
+            <a:r>
+              <a:rPr lang="en-US" sz="1400" i="1" dirty="0">
+                <a:sym typeface="Wingdings" pitchFamily="2" charset="2"/>
+              </a:rPr>
+              <a:t>distributions</a:t>
+            </a:r>
+          </a:p>
+          <a:p>
+            <a:pPr lvl="2">
+              <a:lnSpc>
+                <a:spcPct val="150000"/>
+              </a:lnSpc>
+              <a:buClr>
+                <a:srgbClr val="C00000"/>
+              </a:buClr>
+            </a:pPr>
+            <a:r>
+              <a:rPr lang="en-US" sz="1400" dirty="0">
+                <a:sym typeface="Wingdings" pitchFamily="2" charset="2"/>
+              </a:rPr>
+              <a:t>Translate probabilistically into buy and </a:t>
+            </a:r>
+            <a:r>
+              <a:rPr lang="en-US" sz="1400" dirty="0">
+                <a:solidFill>
+                  <a:srgbClr val="C00000"/>
+                </a:solidFill>
+                <a:sym typeface="Wingdings" pitchFamily="2" charset="2"/>
+              </a:rPr>
+              <a:t>confidence intervals</a:t>
+            </a:r>
+          </a:p>
+        </p:txBody>
+      </p:sp>
       <p:sp>
         <p:nvSpPr>
           <p:cNvPr id="5" name="TextBox 4">
@@ -7963,12 +7680,109 @@
           </a:p>
         </p:txBody>
       </p:sp>
+      <p:sp>
+        <p:nvSpPr>
+          <p:cNvPr id="14" name="Right Arrow 13">
+            <a:extLst>
+              <a:ext uri="{FF2B5EF4-FFF2-40B4-BE49-F238E27FC236}">
+                <a16:creationId xmlns:a16="http://schemas.microsoft.com/office/drawing/2014/main" id="{F270A535-08A7-834A-B86E-9A9544DAEBBB}"/>
+              </a:ext>
+            </a:extLst>
+          </p:cNvPr>
+          <p:cNvSpPr/>
+          <p:nvPr/>
+        </p:nvSpPr>
+        <p:spPr bwMode="gray">
+          <a:xfrm>
+            <a:off x="4134031" y="3257550"/>
+            <a:ext cx="1066800" cy="609600"/>
+          </a:xfrm>
+          <a:prstGeom prst="rightArrow">
+            <a:avLst/>
+          </a:prstGeom>
+          <a:solidFill>
+            <a:srgbClr val="2CD5C4"/>
+          </a:solidFill>
+          <a:ln w="12700" cap="sq">
+            <a:noFill/>
+            <a:miter lim="800000"/>
+          </a:ln>
+          <a:effectLst/>
+        </p:spPr>
+        <p:style>
+          <a:lnRef idx="3">
+            <a:schemeClr val="lt1"/>
+          </a:lnRef>
+          <a:fillRef idx="1">
+            <a:schemeClr val="accent1"/>
+          </a:fillRef>
+          <a:effectRef idx="1">
+            <a:schemeClr val="accent1"/>
+          </a:effectRef>
+          <a:fontRef idx="minor">
+            <a:schemeClr val="lt1"/>
+          </a:fontRef>
+        </p:style>
+        <p:txBody>
+          <a:bodyPr rot="0" spcFirstLastPara="0" vertOverflow="overflow" horzOverflow="overflow" vert="horz" wrap="square" lIns="72000" tIns="72000" rIns="72000" bIns="72000" numCol="1" spcCol="0" rtlCol="0" fromWordArt="0" anchor="ctr" anchorCtr="0" forceAA="0" compatLnSpc="1">
+            <a:prstTxWarp prst="textNoShape">
+              <a:avLst/>
+            </a:prstTxWarp>
+            <a:noAutofit/>
+          </a:bodyPr>
+          <a:lstStyle/>
+          <a:p>
+            <a:pPr algn="ctr">
+              <a:lnSpc>
+                <a:spcPct val="90000"/>
+              </a:lnSpc>
+              <a:spcBef>
+                <a:spcPts val="0"/>
+              </a:spcBef>
+            </a:pPr>
+            <a:endParaRPr lang="en-US" sz="1400" cap="all" dirty="0">
+              <a:latin typeface="+mj-lt"/>
+              <a:cs typeface="AdihausDIN" panose="020B0504020101020102" pitchFamily="34" charset="0"/>
+            </a:endParaRPr>
+          </a:p>
+        </p:txBody>
+      </p:sp>
       <p:pic>
         <p:nvPicPr>
-          <p:cNvPr id="9" name="Picture 8">
+          <p:cNvPr id="18" name="Picture 17">
             <a:extLst>
               <a:ext uri="{FF2B5EF4-FFF2-40B4-BE49-F238E27FC236}">
-                <a16:creationId xmlns:a16="http://schemas.microsoft.com/office/drawing/2014/main" id="{8D034438-E481-DB4C-BC65-6DE6CB2FDDE7}"/>
+                <a16:creationId xmlns:a16="http://schemas.microsoft.com/office/drawing/2014/main" id="{A23E68C3-DDB1-C141-9A3D-F202C4DA4769}"/>
+              </a:ext>
+            </a:extLst>
+          </p:cNvPr>
+          <p:cNvPicPr>
+            <a:picLocks noChangeAspect="1"/>
+          </p:cNvPicPr>
+          <p:nvPr/>
+        </p:nvPicPr>
+        <p:blipFill>
+          <a:blip r:embed="rId2"/>
+          <a:stretch>
+            <a:fillRect/>
+          </a:stretch>
+        </p:blipFill>
+        <p:spPr>
+          <a:xfrm>
+            <a:off x="5334000" y="2114550"/>
+            <a:ext cx="3667904" cy="2737603"/>
+          </a:xfrm>
+          <a:prstGeom prst="rect">
+            <a:avLst/>
+          </a:prstGeom>
+        </p:spPr>
+      </p:pic>
+      <p:pic>
+        <p:nvPicPr>
+          <p:cNvPr id="22" name="Picture 21">
+            <a:extLst>
+              <a:ext uri="{FF2B5EF4-FFF2-40B4-BE49-F238E27FC236}">
+                <a16:creationId xmlns:a16="http://schemas.microsoft.com/office/drawing/2014/main" id="{2AAB1E92-9622-5E44-AF31-E889A5153A78}"/>
               </a:ext>
             </a:extLst>
           </p:cNvPr>
@@ -7985,38 +7799,8 @@
         </p:blipFill>
         <p:spPr>
           <a:xfrm>
-            <a:off x="914400" y="3562350"/>
-            <a:ext cx="2698750" cy="856600"/>
-          </a:xfrm>
-          <a:prstGeom prst="rect">
-            <a:avLst/>
-          </a:prstGeom>
-        </p:spPr>
-      </p:pic>
-      <p:pic>
-        <p:nvPicPr>
-          <p:cNvPr id="11" name="Picture 10">
-            <a:extLst>
-              <a:ext uri="{FF2B5EF4-FFF2-40B4-BE49-F238E27FC236}">
-                <a16:creationId xmlns:a16="http://schemas.microsoft.com/office/drawing/2014/main" id="{3E91CB83-D636-C94F-B920-4DEFEEB65940}"/>
-              </a:ext>
-            </a:extLst>
-          </p:cNvPr>
-          <p:cNvPicPr>
-            <a:picLocks noChangeAspect="1"/>
-          </p:cNvPicPr>
-          <p:nvPr/>
-        </p:nvPicPr>
-        <p:blipFill>
-          <a:blip r:embed="rId4"/>
-          <a:stretch>
-            <a:fillRect/>
-          </a:stretch>
-        </p:blipFill>
-        <p:spPr>
-          <a:xfrm>
-            <a:off x="4343400" y="2266950"/>
-            <a:ext cx="3733800" cy="2702902"/>
+            <a:off x="270646" y="2114550"/>
+            <a:ext cx="3665618" cy="2751657"/>
           </a:xfrm>
           <a:prstGeom prst="rect">
             <a:avLst/>
@@ -8026,7 +7810,7 @@
     </p:spTree>
     <p:extLst>
       <p:ext uri="{BB962C8B-B14F-4D97-AF65-F5344CB8AC3E}">
-        <p14:creationId xmlns:p14="http://schemas.microsoft.com/office/powerpoint/2010/main" val="1229577492"/>
+        <p14:creationId xmlns:p14="http://schemas.microsoft.com/office/powerpoint/2010/main" val="2068027882"/>
       </p:ext>
     </p:extLst>
   </p:cSld>
@@ -8039,7 +7823,7 @@
 </p:sld>
 </file>
 
-<file path=ppt/slides/slide2.xml><?xml version="1.0" encoding="utf-8"?>
+<file path=ppt/slides/slide12.xml><?xml version="1.0" encoding="utf-8"?>
 <p:sld xmlns:a="http://schemas.openxmlformats.org/drawingml/2006/main" xmlns:r="http://schemas.openxmlformats.org/officeDocument/2006/relationships" xmlns:p="http://schemas.openxmlformats.org/presentationml/2006/main">
   <p:cSld>
     <p:spTree>
@@ -8087,7 +7871,7 @@
             <a:pPr algn="ctr"/>
             <a:r>
               <a:rPr lang="en-US" sz="2400" dirty="0"/>
-              <a:t>Demand forecasting</a:t>
+              <a:t>Framework extensions</a:t>
             </a:r>
             <a:br>
               <a:rPr lang="en-US" sz="2400" dirty="0"/>
@@ -8095,11 +7879,18 @@
             <a:r>
               <a:rPr lang="en-US" sz="2400" dirty="0">
                 <a:solidFill>
+                  <a:srgbClr val="C00000"/>
+                </a:solidFill>
+              </a:rPr>
+              <a:t>Evaluate prediction distributions</a:t>
+            </a:r>
+            <a:br>
+              <a:rPr lang="en-US" sz="2400" dirty="0">
+                <a:solidFill>
                   <a:schemeClr val="accent6"/>
                 </a:solidFill>
               </a:rPr>
-              <a:t>optimizing overestimation</a:t>
-            </a:r>
+            </a:br>
             <a:br>
               <a:rPr lang="en-US" sz="2400" dirty="0">
                 <a:solidFill>
@@ -8144,612 +7935,7 @@
               <a:pPr>
                 <a:defRPr/>
               </a:pPr>
-              <a:t>2</a:t>
-            </a:fld>
-            <a:endParaRPr lang="en-US" dirty="0"/>
-          </a:p>
-        </p:txBody>
-      </p:sp>
-      <p:sp>
-        <p:nvSpPr>
-          <p:cNvPr id="4" name="Text Placeholder 3">
-            <a:extLst>
-              <a:ext uri="{FF2B5EF4-FFF2-40B4-BE49-F238E27FC236}">
-                <a16:creationId xmlns:a16="http://schemas.microsoft.com/office/drawing/2014/main" id="{E5CA33FE-16F9-7F48-BA4D-F8CA50A6E268}"/>
-              </a:ext>
-            </a:extLst>
-          </p:cNvPr>
-          <p:cNvSpPr>
-            <a:spLocks noGrp="1"/>
-          </p:cNvSpPr>
-          <p:nvPr>
-            <p:ph type="body" sz="quarter" idx="25"/>
-          </p:nvPr>
-        </p:nvSpPr>
-        <p:spPr>
-          <a:xfrm>
-            <a:off x="582660" y="1047750"/>
-            <a:ext cx="7430189" cy="4038600"/>
-          </a:xfrm>
-        </p:spPr>
-        <p:txBody>
-          <a:bodyPr numCol="1">
-            <a:normAutofit/>
-          </a:bodyPr>
-          <a:lstStyle/>
-          <a:p>
-            <a:pPr>
-              <a:lnSpc>
-                <a:spcPct val="100000"/>
-              </a:lnSpc>
-            </a:pPr>
-            <a:endParaRPr lang="en-US" sz="1400" dirty="0"/>
-          </a:p>
-          <a:p>
-            <a:pPr>
-              <a:lnSpc>
-                <a:spcPct val="150000"/>
-              </a:lnSpc>
-            </a:pPr>
-            <a:r>
-              <a:rPr lang="en-US" sz="1400" dirty="0">
-                <a:sym typeface="Wingdings" pitchFamily="2" charset="2"/>
-              </a:rPr>
-              <a:t>How can we maximize profits per article given cost/margin asymmetry? </a:t>
-            </a:r>
-          </a:p>
-          <a:p>
-            <a:pPr>
-              <a:lnSpc>
-                <a:spcPct val="150000"/>
-              </a:lnSpc>
-            </a:pPr>
-            <a:r>
-              <a:rPr lang="en-US" sz="1400" dirty="0">
-                <a:sym typeface="Wingdings" pitchFamily="2" charset="2"/>
-              </a:rPr>
-              <a:t>I propose a framework and solution to answer this important question</a:t>
-            </a:r>
-          </a:p>
-          <a:p>
-            <a:pPr lvl="1">
-              <a:lnSpc>
-                <a:spcPct val="150000"/>
-              </a:lnSpc>
-            </a:pPr>
-            <a:r>
-              <a:rPr lang="en-US" sz="1400" dirty="0">
-                <a:sym typeface="Wingdings" pitchFamily="2" charset="2"/>
-              </a:rPr>
-              <a:t>Incorporate our prediction </a:t>
-            </a:r>
-          </a:p>
-          <a:p>
-            <a:pPr lvl="1">
-              <a:lnSpc>
-                <a:spcPct val="150000"/>
-              </a:lnSpc>
-            </a:pPr>
-            <a:r>
-              <a:rPr lang="en-US" sz="1400" dirty="0">
-                <a:sym typeface="Wingdings" pitchFamily="2" charset="2"/>
-              </a:rPr>
-              <a:t>Incorporate our degree of uncertainty</a:t>
-            </a:r>
-          </a:p>
-          <a:p>
-            <a:pPr lvl="1">
-              <a:lnSpc>
-                <a:spcPct val="150000"/>
-              </a:lnSpc>
-            </a:pPr>
-            <a:r>
-              <a:rPr lang="en-US" sz="1400" dirty="0">
-                <a:sym typeface="Wingdings" pitchFamily="2" charset="2"/>
-              </a:rPr>
-              <a:t>Incorporate article margin</a:t>
-            </a:r>
-          </a:p>
-          <a:p>
-            <a:pPr lvl="1">
-              <a:lnSpc>
-                <a:spcPct val="150000"/>
-              </a:lnSpc>
-            </a:pPr>
-            <a:r>
-              <a:rPr lang="en-US" sz="1400" dirty="0">
-                <a:sym typeface="Wingdings" pitchFamily="2" charset="2"/>
-              </a:rPr>
-              <a:t>Incorporate article cost</a:t>
-            </a:r>
-            <a:endParaRPr lang="en-US" sz="1400" dirty="0"/>
-          </a:p>
-        </p:txBody>
-      </p:sp>
-      <p:sp>
-        <p:nvSpPr>
-          <p:cNvPr id="5" name="TextBox 4">
-            <a:extLst>
-              <a:ext uri="{FF2B5EF4-FFF2-40B4-BE49-F238E27FC236}">
-                <a16:creationId xmlns:a16="http://schemas.microsoft.com/office/drawing/2014/main" id="{80C9E4D3-A261-AD46-AD50-86C8FF7A981A}"/>
-              </a:ext>
-            </a:extLst>
-          </p:cNvPr>
-          <p:cNvSpPr txBox="1"/>
-          <p:nvPr/>
-        </p:nvSpPr>
-        <p:spPr bwMode="gray">
-          <a:xfrm>
-            <a:off x="1030514" y="493486"/>
-            <a:ext cx="0" cy="0"/>
-          </a:xfrm>
-          <a:prstGeom prst="rect">
-            <a:avLst/>
-          </a:prstGeom>
-          <a:noFill/>
-          <a:ln w="12700" cap="sq">
-            <a:noFill/>
-            <a:miter lim="800000"/>
-          </a:ln>
-        </p:spPr>
-        <p:txBody>
-          <a:bodyPr vert="horz" wrap="none" lIns="0" tIns="0" rIns="0" bIns="0" rtlCol="0" anchor="t" anchorCtr="0">
-            <a:noAutofit/>
-          </a:bodyPr>
-          <a:lstStyle/>
-          <a:p>
-            <a:pPr>
-              <a:lnSpc>
-                <a:spcPct val="90000"/>
-              </a:lnSpc>
-            </a:pPr>
-            <a:endParaRPr lang="en-US" sz="1200" dirty="0">
-              <a:latin typeface="AdihausDIN" panose="020B0504020101020102" pitchFamily="34" charset="0"/>
-              <a:cs typeface="AdihausDIN" panose="020B0504020101020102" pitchFamily="34" charset="0"/>
-            </a:endParaRPr>
-          </a:p>
-        </p:txBody>
-      </p:sp>
-      <p:pic>
-        <p:nvPicPr>
-          <p:cNvPr id="9" name="Picture 8">
-            <a:extLst>
-              <a:ext uri="{FF2B5EF4-FFF2-40B4-BE49-F238E27FC236}">
-                <a16:creationId xmlns:a16="http://schemas.microsoft.com/office/drawing/2014/main" id="{1C4CB302-0564-C040-B511-DB59CBF7F8E2}"/>
-              </a:ext>
-            </a:extLst>
-          </p:cNvPr>
-          <p:cNvPicPr>
-            <a:picLocks noChangeAspect="1"/>
-          </p:cNvPicPr>
-          <p:nvPr/>
-        </p:nvPicPr>
-        <p:blipFill>
-          <a:blip r:embed="rId2"/>
-          <a:stretch>
-            <a:fillRect/>
-          </a:stretch>
-        </p:blipFill>
-        <p:spPr>
-          <a:xfrm>
-            <a:off x="6858000" y="990600"/>
-            <a:ext cx="1748059" cy="1555613"/>
-          </a:xfrm>
-          <a:prstGeom prst="rect">
-            <a:avLst/>
-          </a:prstGeom>
-        </p:spPr>
-      </p:pic>
-    </p:spTree>
-    <p:extLst>
-      <p:ext uri="{BB962C8B-B14F-4D97-AF65-F5344CB8AC3E}">
-        <p14:creationId xmlns:p14="http://schemas.microsoft.com/office/powerpoint/2010/main" val="830774238"/>
-      </p:ext>
-    </p:extLst>
-  </p:cSld>
-  <p:clrMapOvr>
-    <a:masterClrMapping/>
-  </p:clrMapOvr>
-  <p:transition spd="med">
-    <p:fade/>
-  </p:transition>
-</p:sld>
-</file>
-
-<file path=ppt/slides/slide3.xml><?xml version="1.0" encoding="utf-8"?>
-<p:sld xmlns:a="http://schemas.openxmlformats.org/drawingml/2006/main" xmlns:r="http://schemas.openxmlformats.org/officeDocument/2006/relationships" xmlns:p="http://schemas.openxmlformats.org/presentationml/2006/main">
-  <p:cSld>
-    <p:spTree>
-      <p:nvGrpSpPr>
-        <p:cNvPr id="1" name=""/>
-        <p:cNvGrpSpPr/>
-        <p:nvPr/>
-      </p:nvGrpSpPr>
-      <p:grpSpPr>
-        <a:xfrm>
-          <a:off x="0" y="0"/>
-          <a:ext cx="0" cy="0"/>
-          <a:chOff x="0" y="0"/>
-          <a:chExt cx="0" cy="0"/>
-        </a:xfrm>
-      </p:grpSpPr>
-      <p:sp>
-        <p:nvSpPr>
-          <p:cNvPr id="2" name="Title 1">
-            <a:extLst>
-              <a:ext uri="{FF2B5EF4-FFF2-40B4-BE49-F238E27FC236}">
-                <a16:creationId xmlns:a16="http://schemas.microsoft.com/office/drawing/2014/main" id="{CAF613A6-9041-5F44-BE61-463E01BC016F}"/>
-              </a:ext>
-            </a:extLst>
-          </p:cNvPr>
-          <p:cNvSpPr>
-            <a:spLocks noGrp="1"/>
-          </p:cNvSpPr>
-          <p:nvPr>
-            <p:ph type="title"/>
-          </p:nvPr>
-        </p:nvSpPr>
-        <p:spPr>
-          <a:xfrm>
-            <a:off x="358775" y="303213"/>
-            <a:ext cx="8426450" cy="539750"/>
-          </a:xfrm>
-        </p:spPr>
-        <p:txBody>
-          <a:bodyPr>
-            <a:normAutofit fontScale="90000"/>
-          </a:bodyPr>
-          <a:lstStyle/>
-          <a:p>
-            <a:pPr algn="ctr"/>
-            <a:r>
-              <a:rPr lang="en-US" sz="2400" dirty="0"/>
-              <a:t>Demand forecasting</a:t>
-            </a:r>
-            <a:br>
-              <a:rPr lang="en-US" sz="2400" dirty="0"/>
-            </a:br>
-            <a:r>
-              <a:rPr lang="en-US" sz="2400" dirty="0">
-                <a:solidFill>
-                  <a:schemeClr val="accent6"/>
-                </a:solidFill>
-              </a:rPr>
-              <a:t>optimizing overestimation</a:t>
-            </a:r>
-            <a:br>
-              <a:rPr lang="en-US" sz="2400" dirty="0">
-                <a:solidFill>
-                  <a:schemeClr val="accent6"/>
-                </a:solidFill>
-              </a:rPr>
-            </a:br>
-            <a:endParaRPr lang="en-US" sz="2400" dirty="0">
-              <a:solidFill>
-                <a:schemeClr val="accent6"/>
-              </a:solidFill>
-            </a:endParaRPr>
-          </a:p>
-        </p:txBody>
-      </p:sp>
-      <p:sp>
-        <p:nvSpPr>
-          <p:cNvPr id="3" name="Slide Number Placeholder 2">
-            <a:extLst>
-              <a:ext uri="{FF2B5EF4-FFF2-40B4-BE49-F238E27FC236}">
-                <a16:creationId xmlns:a16="http://schemas.microsoft.com/office/drawing/2014/main" id="{A14C6C5B-4153-C24D-8FD1-BFD92F4AFFFF}"/>
-              </a:ext>
-            </a:extLst>
-          </p:cNvPr>
-          <p:cNvSpPr>
-            <a:spLocks noGrp="1"/>
-          </p:cNvSpPr>
-          <p:nvPr>
-            <p:ph type="sldNum" sz="quarter" idx="24"/>
-          </p:nvPr>
-        </p:nvSpPr>
-        <p:spPr/>
-        <p:txBody>
-          <a:bodyPr/>
-          <a:lstStyle/>
-          <a:p>
-            <a:pPr>
-              <a:defRPr/>
-            </a:pPr>
-            <a:fld id="{66C8B3C2-955F-42B1-8DED-EE47D723596C}" type="slidenum">
-              <a:rPr lang="en-US" smtClean="0"/>
-              <a:pPr>
-                <a:defRPr/>
-              </a:pPr>
-              <a:t>3</a:t>
-            </a:fld>
-            <a:endParaRPr lang="en-US" dirty="0"/>
-          </a:p>
-        </p:txBody>
-      </p:sp>
-      <p:sp>
-        <p:nvSpPr>
-          <p:cNvPr id="4" name="Text Placeholder 3">
-            <a:extLst>
-              <a:ext uri="{FF2B5EF4-FFF2-40B4-BE49-F238E27FC236}">
-                <a16:creationId xmlns:a16="http://schemas.microsoft.com/office/drawing/2014/main" id="{E5CA33FE-16F9-7F48-BA4D-F8CA50A6E268}"/>
-              </a:ext>
-            </a:extLst>
-          </p:cNvPr>
-          <p:cNvSpPr>
-            <a:spLocks noGrp="1"/>
-          </p:cNvSpPr>
-          <p:nvPr>
-            <p:ph type="body" sz="quarter" idx="25"/>
-          </p:nvPr>
-        </p:nvSpPr>
-        <p:spPr>
-          <a:xfrm>
-            <a:off x="582660" y="842963"/>
-            <a:ext cx="7430189" cy="4243387"/>
-          </a:xfrm>
-        </p:spPr>
-        <p:txBody>
-          <a:bodyPr numCol="1">
-            <a:normAutofit/>
-          </a:bodyPr>
-          <a:lstStyle/>
-          <a:p>
-            <a:pPr>
-              <a:lnSpc>
-                <a:spcPct val="100000"/>
-              </a:lnSpc>
-            </a:pPr>
-            <a:endParaRPr lang="en-US" sz="1400" dirty="0"/>
-          </a:p>
-          <a:p>
-            <a:pPr>
-              <a:lnSpc>
-                <a:spcPct val="150000"/>
-              </a:lnSpc>
-            </a:pPr>
-            <a:r>
-              <a:rPr lang="en-US" sz="1400" dirty="0">
-                <a:sym typeface="Wingdings" pitchFamily="2" charset="2"/>
-              </a:rPr>
-              <a:t>Suppose we predict Boost Icon 4 cleats will sell 1000 units</a:t>
-            </a:r>
-          </a:p>
-          <a:p>
-            <a:pPr>
-              <a:lnSpc>
-                <a:spcPct val="150000"/>
-              </a:lnSpc>
-            </a:pPr>
-            <a:r>
-              <a:rPr lang="en-US" sz="1400" dirty="0">
-                <a:sym typeface="Wingdings" pitchFamily="2" charset="2"/>
-              </a:rPr>
-              <a:t>We characterize our prediction with a distribution</a:t>
-            </a:r>
-          </a:p>
-          <a:p>
-            <a:pPr>
-              <a:lnSpc>
-                <a:spcPct val="150000"/>
-              </a:lnSpc>
-            </a:pPr>
-            <a:r>
-              <a:rPr lang="en-US" sz="1400" dirty="0">
-                <a:sym typeface="Wingdings" pitchFamily="2" charset="2"/>
-              </a:rPr>
-              <a:t>A distribution incorporates our degree of confidence</a:t>
-            </a:r>
-          </a:p>
-          <a:p>
-            <a:pPr marL="40050" indent="0">
-              <a:lnSpc>
-                <a:spcPct val="150000"/>
-              </a:lnSpc>
-              <a:buNone/>
-            </a:pPr>
-            <a:endParaRPr lang="en-US" sz="1400" dirty="0">
-              <a:sym typeface="Wingdings" pitchFamily="2" charset="2"/>
-            </a:endParaRPr>
-          </a:p>
-        </p:txBody>
-      </p:sp>
-      <p:sp>
-        <p:nvSpPr>
-          <p:cNvPr id="5" name="TextBox 4">
-            <a:extLst>
-              <a:ext uri="{FF2B5EF4-FFF2-40B4-BE49-F238E27FC236}">
-                <a16:creationId xmlns:a16="http://schemas.microsoft.com/office/drawing/2014/main" id="{80C9E4D3-A261-AD46-AD50-86C8FF7A981A}"/>
-              </a:ext>
-            </a:extLst>
-          </p:cNvPr>
-          <p:cNvSpPr txBox="1"/>
-          <p:nvPr/>
-        </p:nvSpPr>
-        <p:spPr bwMode="gray">
-          <a:xfrm>
-            <a:off x="1030514" y="493486"/>
-            <a:ext cx="0" cy="0"/>
-          </a:xfrm>
-          <a:prstGeom prst="rect">
-            <a:avLst/>
-          </a:prstGeom>
-          <a:noFill/>
-          <a:ln w="12700" cap="sq">
-            <a:noFill/>
-            <a:miter lim="800000"/>
-          </a:ln>
-        </p:spPr>
-        <p:txBody>
-          <a:bodyPr vert="horz" wrap="none" lIns="0" tIns="0" rIns="0" bIns="0" rtlCol="0" anchor="t" anchorCtr="0">
-            <a:noAutofit/>
-          </a:bodyPr>
-          <a:lstStyle/>
-          <a:p>
-            <a:pPr>
-              <a:lnSpc>
-                <a:spcPct val="90000"/>
-              </a:lnSpc>
-            </a:pPr>
-            <a:endParaRPr lang="en-US" sz="1200" dirty="0">
-              <a:latin typeface="AdihausDIN" panose="020B0504020101020102" pitchFamily="34" charset="0"/>
-              <a:cs typeface="AdihausDIN" panose="020B0504020101020102" pitchFamily="34" charset="0"/>
-            </a:endParaRPr>
-          </a:p>
-        </p:txBody>
-      </p:sp>
-      <p:pic>
-        <p:nvPicPr>
-          <p:cNvPr id="7" name="Picture 6">
-            <a:extLst>
-              <a:ext uri="{FF2B5EF4-FFF2-40B4-BE49-F238E27FC236}">
-                <a16:creationId xmlns:a16="http://schemas.microsoft.com/office/drawing/2014/main" id="{15E47E84-F574-5B45-B254-651510AEC9C0}"/>
-              </a:ext>
-            </a:extLst>
-          </p:cNvPr>
-          <p:cNvPicPr>
-            <a:picLocks noChangeAspect="1"/>
-          </p:cNvPicPr>
-          <p:nvPr/>
-        </p:nvPicPr>
-        <p:blipFill>
-          <a:blip r:embed="rId2"/>
-          <a:stretch>
-            <a:fillRect/>
-          </a:stretch>
-        </p:blipFill>
-        <p:spPr>
-          <a:xfrm>
-            <a:off x="2590800" y="2845883"/>
-            <a:ext cx="3962400" cy="2092036"/>
-          </a:xfrm>
-          <a:prstGeom prst="rect">
-            <a:avLst/>
-          </a:prstGeom>
-        </p:spPr>
-      </p:pic>
-    </p:spTree>
-    <p:extLst>
-      <p:ext uri="{BB962C8B-B14F-4D97-AF65-F5344CB8AC3E}">
-        <p14:creationId xmlns:p14="http://schemas.microsoft.com/office/powerpoint/2010/main" val="1082324226"/>
-      </p:ext>
-    </p:extLst>
-  </p:cSld>
-  <p:clrMapOvr>
-    <a:masterClrMapping/>
-  </p:clrMapOvr>
-  <p:transition spd="med">
-    <p:fade/>
-  </p:transition>
-</p:sld>
-</file>
-
-<file path=ppt/slides/slide4.xml><?xml version="1.0" encoding="utf-8"?>
-<p:sld xmlns:a="http://schemas.openxmlformats.org/drawingml/2006/main" xmlns:r="http://schemas.openxmlformats.org/officeDocument/2006/relationships" xmlns:p="http://schemas.openxmlformats.org/presentationml/2006/main">
-  <p:cSld>
-    <p:spTree>
-      <p:nvGrpSpPr>
-        <p:cNvPr id="1" name=""/>
-        <p:cNvGrpSpPr/>
-        <p:nvPr/>
-      </p:nvGrpSpPr>
-      <p:grpSpPr>
-        <a:xfrm>
-          <a:off x="0" y="0"/>
-          <a:ext cx="0" cy="0"/>
-          <a:chOff x="0" y="0"/>
-          <a:chExt cx="0" cy="0"/>
-        </a:xfrm>
-      </p:grpSpPr>
-      <p:sp>
-        <p:nvSpPr>
-          <p:cNvPr id="2" name="Title 1">
-            <a:extLst>
-              <a:ext uri="{FF2B5EF4-FFF2-40B4-BE49-F238E27FC236}">
-                <a16:creationId xmlns:a16="http://schemas.microsoft.com/office/drawing/2014/main" id="{CAF613A6-9041-5F44-BE61-463E01BC016F}"/>
-              </a:ext>
-            </a:extLst>
-          </p:cNvPr>
-          <p:cNvSpPr>
-            <a:spLocks noGrp="1"/>
-          </p:cNvSpPr>
-          <p:nvPr>
-            <p:ph type="title"/>
-          </p:nvPr>
-        </p:nvSpPr>
-        <p:spPr>
-          <a:xfrm>
-            <a:off x="358775" y="303213"/>
-            <a:ext cx="8426450" cy="539750"/>
-          </a:xfrm>
-        </p:spPr>
-        <p:txBody>
-          <a:bodyPr>
-            <a:normAutofit fontScale="90000"/>
-          </a:bodyPr>
-          <a:lstStyle/>
-          <a:p>
-            <a:pPr algn="ctr"/>
-            <a:r>
-              <a:rPr lang="en-US" sz="2400" dirty="0"/>
-              <a:t>Demand forecasting</a:t>
-            </a:r>
-            <a:br>
-              <a:rPr lang="en-US" sz="2400" dirty="0"/>
-            </a:br>
-            <a:r>
-              <a:rPr lang="en-US" sz="2400" dirty="0">
-                <a:solidFill>
-                  <a:schemeClr val="accent6"/>
-                </a:solidFill>
-              </a:rPr>
-              <a:t>optimizing overestimation</a:t>
-            </a:r>
-            <a:br>
-              <a:rPr lang="en-US" sz="2400" dirty="0">
-                <a:solidFill>
-                  <a:schemeClr val="accent6"/>
-                </a:solidFill>
-              </a:rPr>
-            </a:br>
-            <a:endParaRPr lang="en-US" sz="2400" dirty="0">
-              <a:solidFill>
-                <a:schemeClr val="accent6"/>
-              </a:solidFill>
-            </a:endParaRPr>
-          </a:p>
-        </p:txBody>
-      </p:sp>
-      <p:sp>
-        <p:nvSpPr>
-          <p:cNvPr id="3" name="Slide Number Placeholder 2">
-            <a:extLst>
-              <a:ext uri="{FF2B5EF4-FFF2-40B4-BE49-F238E27FC236}">
-                <a16:creationId xmlns:a16="http://schemas.microsoft.com/office/drawing/2014/main" id="{A14C6C5B-4153-C24D-8FD1-BFD92F4AFFFF}"/>
-              </a:ext>
-            </a:extLst>
-          </p:cNvPr>
-          <p:cNvSpPr>
-            <a:spLocks noGrp="1"/>
-          </p:cNvSpPr>
-          <p:nvPr>
-            <p:ph type="sldNum" sz="quarter" idx="24"/>
-          </p:nvPr>
-        </p:nvSpPr>
-        <p:spPr/>
-        <p:txBody>
-          <a:bodyPr/>
-          <a:lstStyle/>
-          <a:p>
-            <a:pPr>
-              <a:defRPr/>
-            </a:pPr>
-            <a:fld id="{66C8B3C2-955F-42B1-8DED-EE47D723596C}" type="slidenum">
-              <a:rPr lang="en-US" smtClean="0"/>
-              <a:pPr>
-                <a:defRPr/>
-              </a:pPr>
-              <a:t>4</a:t>
+              <a:t>12</a:t>
             </a:fld>
             <a:endParaRPr lang="en-US" dirty="0"/>
           </a:p>
@@ -8785,1378 +7971,11 @@
           <a:p>
             <a:pPr>
               <a:lnSpc>
-                <a:spcPct val="100000"/>
-              </a:lnSpc>
-            </a:pPr>
-            <a:endParaRPr lang="en-US" sz="1400" dirty="0"/>
-          </a:p>
-          <a:p>
-            <a:pPr>
-              <a:lnSpc>
                 <a:spcPct val="150000"/>
               </a:lnSpc>
-            </a:pPr>
-            <a:r>
-              <a:rPr lang="en-US" sz="1400" dirty="0">
-                <a:sym typeface="Wingdings" pitchFamily="2" charset="2"/>
-              </a:rPr>
-              <a:t>Our prediction as the mean.</a:t>
-            </a:r>
-          </a:p>
-          <a:p>
-            <a:pPr>
-              <a:lnSpc>
-                <a:spcPct val="150000"/>
-              </a:lnSpc>
-            </a:pPr>
-            <a:r>
-              <a:rPr lang="en-US" sz="1400" dirty="0">
-                <a:sym typeface="Wingdings" pitchFamily="2" charset="2"/>
-              </a:rPr>
-              <a:t>Standard deviation reflects confidence</a:t>
-            </a:r>
-          </a:p>
-          <a:p>
-            <a:pPr lvl="1">
-              <a:lnSpc>
-                <a:spcPct val="150000"/>
-              </a:lnSpc>
-            </a:pPr>
-            <a:r>
-              <a:rPr lang="en-US" sz="1400" dirty="0">
-                <a:sym typeface="Wingdings" pitchFamily="2" charset="2"/>
-              </a:rPr>
-              <a:t>Base on model, buyers, article, etc.</a:t>
-            </a:r>
-          </a:p>
-          <a:p>
-            <a:pPr>
-              <a:lnSpc>
-                <a:spcPct val="150000"/>
-              </a:lnSpc>
-            </a:pPr>
-            <a:r>
-              <a:rPr lang="en-US" sz="1400" dirty="0">
-                <a:sym typeface="Wingdings" pitchFamily="2" charset="2"/>
-              </a:rPr>
-              <a:t>Here: Normal(1000, 100)</a:t>
-            </a:r>
-          </a:p>
-          <a:p>
-            <a:pPr lvl="1">
-              <a:lnSpc>
-                <a:spcPct val="150000"/>
-              </a:lnSpc>
-            </a:pPr>
-            <a:r>
-              <a:rPr lang="en-US" sz="1400" dirty="0">
-                <a:sym typeface="Wingdings" pitchFamily="2" charset="2"/>
-              </a:rPr>
-              <a:t> 95% confident net demand qty will be between 800 and 1200.</a:t>
-            </a:r>
-          </a:p>
-          <a:p>
-            <a:pPr>
-              <a:lnSpc>
-                <a:spcPct val="150000"/>
-              </a:lnSpc>
-            </a:pPr>
-            <a:r>
-              <a:rPr lang="en-US" sz="1400" dirty="0">
-                <a:sym typeface="Wingdings" pitchFamily="2" charset="2"/>
-              </a:rPr>
-              <a:t>Flexibility/versatility in choosing distribution, mean, and variance.</a:t>
-            </a:r>
-          </a:p>
-          <a:p>
-            <a:pPr marL="40050" indent="0">
-              <a:lnSpc>
-                <a:spcPct val="150000"/>
-              </a:lnSpc>
-              <a:buNone/>
-            </a:pPr>
-            <a:endParaRPr lang="en-US" sz="1400" dirty="0">
-              <a:sym typeface="Wingdings" pitchFamily="2" charset="2"/>
-            </a:endParaRPr>
-          </a:p>
-          <a:p>
-            <a:pPr>
-              <a:lnSpc>
-                <a:spcPct val="150000"/>
-              </a:lnSpc>
-            </a:pPr>
-            <a:endParaRPr lang="en-US" sz="1400" dirty="0">
-              <a:sym typeface="Wingdings" pitchFamily="2" charset="2"/>
-            </a:endParaRPr>
-          </a:p>
-          <a:p>
-            <a:pPr marL="40050" indent="0">
-              <a:lnSpc>
-                <a:spcPct val="150000"/>
-              </a:lnSpc>
-              <a:buNone/>
-            </a:pPr>
-            <a:endParaRPr lang="en-US" sz="1400" dirty="0">
-              <a:sym typeface="Wingdings" pitchFamily="2" charset="2"/>
-            </a:endParaRPr>
-          </a:p>
-        </p:txBody>
-      </p:sp>
-      <p:sp>
-        <p:nvSpPr>
-          <p:cNvPr id="5" name="TextBox 4">
-            <a:extLst>
-              <a:ext uri="{FF2B5EF4-FFF2-40B4-BE49-F238E27FC236}">
-                <a16:creationId xmlns:a16="http://schemas.microsoft.com/office/drawing/2014/main" id="{80C9E4D3-A261-AD46-AD50-86C8FF7A981A}"/>
-              </a:ext>
-            </a:extLst>
-          </p:cNvPr>
-          <p:cNvSpPr txBox="1"/>
-          <p:nvPr/>
-        </p:nvSpPr>
-        <p:spPr bwMode="gray">
-          <a:xfrm>
-            <a:off x="1030514" y="493486"/>
-            <a:ext cx="0" cy="0"/>
-          </a:xfrm>
-          <a:prstGeom prst="rect">
-            <a:avLst/>
-          </a:prstGeom>
-          <a:noFill/>
-          <a:ln w="12700" cap="sq">
-            <a:noFill/>
-            <a:miter lim="800000"/>
-          </a:ln>
-        </p:spPr>
-        <p:txBody>
-          <a:bodyPr vert="horz" wrap="none" lIns="0" tIns="0" rIns="0" bIns="0" rtlCol="0" anchor="t" anchorCtr="0">
-            <a:noAutofit/>
-          </a:bodyPr>
-          <a:lstStyle/>
-          <a:p>
-            <a:pPr>
-              <a:lnSpc>
-                <a:spcPct val="90000"/>
-              </a:lnSpc>
-            </a:pPr>
-            <a:endParaRPr lang="en-US" sz="1200" dirty="0">
-              <a:latin typeface="AdihausDIN" panose="020B0504020101020102" pitchFamily="34" charset="0"/>
-              <a:cs typeface="AdihausDIN" panose="020B0504020101020102" pitchFamily="34" charset="0"/>
-            </a:endParaRPr>
-          </a:p>
-        </p:txBody>
-      </p:sp>
-      <p:pic>
-        <p:nvPicPr>
-          <p:cNvPr id="7" name="Picture 6">
-            <a:extLst>
-              <a:ext uri="{FF2B5EF4-FFF2-40B4-BE49-F238E27FC236}">
-                <a16:creationId xmlns:a16="http://schemas.microsoft.com/office/drawing/2014/main" id="{15E47E84-F574-5B45-B254-651510AEC9C0}"/>
-              </a:ext>
-            </a:extLst>
-          </p:cNvPr>
-          <p:cNvPicPr>
-            <a:picLocks noChangeAspect="1"/>
-          </p:cNvPicPr>
-          <p:nvPr/>
-        </p:nvPicPr>
-        <p:blipFill>
-          <a:blip r:embed="rId2"/>
-          <a:stretch>
-            <a:fillRect/>
-          </a:stretch>
-        </p:blipFill>
-        <p:spPr>
-          <a:xfrm>
-            <a:off x="4328984" y="1641318"/>
-            <a:ext cx="4648200" cy="2454120"/>
-          </a:xfrm>
-          <a:prstGeom prst="rect">
-            <a:avLst/>
-          </a:prstGeom>
-        </p:spPr>
-      </p:pic>
-    </p:spTree>
-    <p:extLst>
-      <p:ext uri="{BB962C8B-B14F-4D97-AF65-F5344CB8AC3E}">
-        <p14:creationId xmlns:p14="http://schemas.microsoft.com/office/powerpoint/2010/main" val="1382453640"/>
-      </p:ext>
-    </p:extLst>
-  </p:cSld>
-  <p:clrMapOvr>
-    <a:masterClrMapping/>
-  </p:clrMapOvr>
-  <p:transition spd="med">
-    <p:fade/>
-  </p:transition>
-</p:sld>
-</file>
-
-<file path=ppt/slides/slide5.xml><?xml version="1.0" encoding="utf-8"?>
-<p:sld xmlns:a="http://schemas.openxmlformats.org/drawingml/2006/main" xmlns:r="http://schemas.openxmlformats.org/officeDocument/2006/relationships" xmlns:p="http://schemas.openxmlformats.org/presentationml/2006/main">
-  <p:cSld>
-    <p:spTree>
-      <p:nvGrpSpPr>
-        <p:cNvPr id="1" name=""/>
-        <p:cNvGrpSpPr/>
-        <p:nvPr/>
-      </p:nvGrpSpPr>
-      <p:grpSpPr>
-        <a:xfrm>
-          <a:off x="0" y="0"/>
-          <a:ext cx="0" cy="0"/>
-          <a:chOff x="0" y="0"/>
-          <a:chExt cx="0" cy="0"/>
-        </a:xfrm>
-      </p:grpSpPr>
-      <p:sp>
-        <p:nvSpPr>
-          <p:cNvPr id="2" name="Title 1">
-            <a:extLst>
-              <a:ext uri="{FF2B5EF4-FFF2-40B4-BE49-F238E27FC236}">
-                <a16:creationId xmlns:a16="http://schemas.microsoft.com/office/drawing/2014/main" id="{CAF613A6-9041-5F44-BE61-463E01BC016F}"/>
-              </a:ext>
-            </a:extLst>
-          </p:cNvPr>
-          <p:cNvSpPr>
-            <a:spLocks noGrp="1"/>
-          </p:cNvSpPr>
-          <p:nvPr>
-            <p:ph type="title"/>
-          </p:nvPr>
-        </p:nvSpPr>
-        <p:spPr>
-          <a:xfrm>
-            <a:off x="358775" y="303213"/>
-            <a:ext cx="8426450" cy="539750"/>
-          </a:xfrm>
-        </p:spPr>
-        <p:txBody>
-          <a:bodyPr>
-            <a:normAutofit fontScale="90000"/>
-          </a:bodyPr>
-          <a:lstStyle/>
-          <a:p>
-            <a:pPr algn="ctr"/>
-            <a:r>
-              <a:rPr lang="en-US" sz="2400" dirty="0"/>
-              <a:t>Demand forecasting</a:t>
-            </a:r>
-            <a:br>
-              <a:rPr lang="en-US" sz="2400" dirty="0"/>
-            </a:br>
-            <a:r>
-              <a:rPr lang="en-US" sz="2400" dirty="0">
-                <a:solidFill>
-                  <a:schemeClr val="accent6"/>
-                </a:solidFill>
-              </a:rPr>
-              <a:t>optimizing overestimation</a:t>
-            </a:r>
-            <a:br>
-              <a:rPr lang="en-US" sz="2400" dirty="0">
-                <a:solidFill>
-                  <a:schemeClr val="accent6"/>
-                </a:solidFill>
-              </a:rPr>
-            </a:br>
-            <a:endParaRPr lang="en-US" sz="2400" dirty="0">
-              <a:solidFill>
-                <a:schemeClr val="accent6"/>
-              </a:solidFill>
-            </a:endParaRPr>
-          </a:p>
-        </p:txBody>
-      </p:sp>
-      <p:sp>
-        <p:nvSpPr>
-          <p:cNvPr id="3" name="Slide Number Placeholder 2">
-            <a:extLst>
-              <a:ext uri="{FF2B5EF4-FFF2-40B4-BE49-F238E27FC236}">
-                <a16:creationId xmlns:a16="http://schemas.microsoft.com/office/drawing/2014/main" id="{A14C6C5B-4153-C24D-8FD1-BFD92F4AFFFF}"/>
-              </a:ext>
-            </a:extLst>
-          </p:cNvPr>
-          <p:cNvSpPr>
-            <a:spLocks noGrp="1"/>
-          </p:cNvSpPr>
-          <p:nvPr>
-            <p:ph type="sldNum" sz="quarter" idx="24"/>
-          </p:nvPr>
-        </p:nvSpPr>
-        <p:spPr/>
-        <p:txBody>
-          <a:bodyPr/>
-          <a:lstStyle/>
-          <a:p>
-            <a:pPr>
-              <a:defRPr/>
-            </a:pPr>
-            <a:fld id="{66C8B3C2-955F-42B1-8DED-EE47D723596C}" type="slidenum">
-              <a:rPr lang="en-US" smtClean="0"/>
-              <a:pPr>
-                <a:defRPr/>
-              </a:pPr>
-              <a:t>5</a:t>
-            </a:fld>
-            <a:endParaRPr lang="en-US" dirty="0"/>
-          </a:p>
-        </p:txBody>
-      </p:sp>
-      <p:sp>
-        <p:nvSpPr>
-          <p:cNvPr id="4" name="Text Placeholder 3">
-            <a:extLst>
-              <a:ext uri="{FF2B5EF4-FFF2-40B4-BE49-F238E27FC236}">
-                <a16:creationId xmlns:a16="http://schemas.microsoft.com/office/drawing/2014/main" id="{E5CA33FE-16F9-7F48-BA4D-F8CA50A6E268}"/>
-              </a:ext>
-            </a:extLst>
-          </p:cNvPr>
-          <p:cNvSpPr>
-            <a:spLocks noGrp="1"/>
-          </p:cNvSpPr>
-          <p:nvPr>
-            <p:ph type="body" sz="quarter" idx="25"/>
-          </p:nvPr>
-        </p:nvSpPr>
-        <p:spPr>
-          <a:xfrm>
-            <a:off x="582660" y="1047750"/>
-            <a:ext cx="7430189" cy="4038600"/>
-          </a:xfrm>
-        </p:spPr>
-        <p:txBody>
-          <a:bodyPr numCol="2">
-            <a:normAutofit/>
-          </a:bodyPr>
-          <a:lstStyle/>
-          <a:p>
-            <a:pPr marL="40050" indent="0">
-              <a:lnSpc>
-                <a:spcPct val="150000"/>
-              </a:lnSpc>
-              <a:buNone/>
-            </a:pPr>
-            <a:endParaRPr lang="en-US" sz="1400" dirty="0">
-              <a:sym typeface="Wingdings" pitchFamily="2" charset="2"/>
-            </a:endParaRPr>
-          </a:p>
-          <a:p>
-            <a:pPr>
-              <a:lnSpc>
-                <a:spcPct val="150000"/>
-              </a:lnSpc>
-            </a:pPr>
-            <a:r>
-              <a:rPr lang="en-US" sz="1400" dirty="0">
-                <a:sym typeface="Wingdings" pitchFamily="2" charset="2"/>
-              </a:rPr>
-              <a:t>Buy: b units</a:t>
-            </a:r>
-          </a:p>
-          <a:p>
-            <a:pPr>
-              <a:lnSpc>
-                <a:spcPct val="150000"/>
-              </a:lnSpc>
-            </a:pPr>
-            <a:r>
-              <a:rPr lang="en-US" sz="1400" dirty="0">
-                <a:sym typeface="Wingdings" pitchFamily="2" charset="2"/>
-              </a:rPr>
-              <a:t>Demand: d units</a:t>
-            </a:r>
-          </a:p>
-          <a:p>
-            <a:pPr>
-              <a:lnSpc>
-                <a:spcPct val="150000"/>
-              </a:lnSpc>
-            </a:pPr>
-            <a:r>
-              <a:rPr lang="en-US" sz="1400" dirty="0">
-                <a:sym typeface="Wingdings" pitchFamily="2" charset="2"/>
-              </a:rPr>
-              <a:t>Define Loss function:</a:t>
-            </a:r>
-          </a:p>
-          <a:p>
-            <a:pPr lvl="1">
-              <a:lnSpc>
-                <a:spcPct val="150000"/>
-              </a:lnSpc>
-            </a:pPr>
-            <a:endParaRPr lang="en-US" sz="1400" dirty="0">
-              <a:sym typeface="Wingdings" pitchFamily="2" charset="2"/>
-            </a:endParaRPr>
-          </a:p>
-          <a:p>
-            <a:pPr marL="400050" lvl="1" indent="0">
-              <a:lnSpc>
-                <a:spcPct val="150000"/>
-              </a:lnSpc>
-              <a:buNone/>
-            </a:pPr>
-            <a:endParaRPr lang="en-US" sz="1400" dirty="0">
-              <a:sym typeface="Wingdings" pitchFamily="2" charset="2"/>
-            </a:endParaRPr>
-          </a:p>
-          <a:p>
-            <a:pPr marL="40050" indent="0">
-              <a:lnSpc>
-                <a:spcPct val="150000"/>
-              </a:lnSpc>
-              <a:buNone/>
-            </a:pPr>
-            <a:endParaRPr lang="en-US" sz="1400" dirty="0">
-              <a:sym typeface="Wingdings" pitchFamily="2" charset="2"/>
-            </a:endParaRPr>
-          </a:p>
-          <a:p>
-            <a:pPr>
-              <a:lnSpc>
-                <a:spcPct val="150000"/>
-              </a:lnSpc>
-            </a:pPr>
-            <a:endParaRPr lang="en-US" sz="1400" dirty="0">
-              <a:sym typeface="Wingdings" pitchFamily="2" charset="2"/>
-            </a:endParaRPr>
-          </a:p>
-          <a:p>
-            <a:pPr marL="40050" indent="0">
-              <a:lnSpc>
-                <a:spcPct val="150000"/>
-              </a:lnSpc>
-              <a:buNone/>
-            </a:pPr>
-            <a:endParaRPr lang="en-US" sz="1400" dirty="0">
-              <a:sym typeface="Wingdings" pitchFamily="2" charset="2"/>
-            </a:endParaRPr>
-          </a:p>
-        </p:txBody>
-      </p:sp>
-      <p:sp>
-        <p:nvSpPr>
-          <p:cNvPr id="5" name="TextBox 4">
-            <a:extLst>
-              <a:ext uri="{FF2B5EF4-FFF2-40B4-BE49-F238E27FC236}">
-                <a16:creationId xmlns:a16="http://schemas.microsoft.com/office/drawing/2014/main" id="{80C9E4D3-A261-AD46-AD50-86C8FF7A981A}"/>
-              </a:ext>
-            </a:extLst>
-          </p:cNvPr>
-          <p:cNvSpPr txBox="1"/>
-          <p:nvPr/>
-        </p:nvSpPr>
-        <p:spPr bwMode="gray">
-          <a:xfrm>
-            <a:off x="1030514" y="493486"/>
-            <a:ext cx="0" cy="0"/>
-          </a:xfrm>
-          <a:prstGeom prst="rect">
-            <a:avLst/>
-          </a:prstGeom>
-          <a:noFill/>
-          <a:ln w="12700" cap="sq">
-            <a:noFill/>
-            <a:miter lim="800000"/>
-          </a:ln>
-        </p:spPr>
-        <p:txBody>
-          <a:bodyPr vert="horz" wrap="none" lIns="0" tIns="0" rIns="0" bIns="0" rtlCol="0" anchor="t" anchorCtr="0">
-            <a:noAutofit/>
-          </a:bodyPr>
-          <a:lstStyle/>
-          <a:p>
-            <a:pPr>
-              <a:lnSpc>
-                <a:spcPct val="90000"/>
-              </a:lnSpc>
-            </a:pPr>
-            <a:endParaRPr lang="en-US" sz="1200" dirty="0">
-              <a:latin typeface="AdihausDIN" panose="020B0504020101020102" pitchFamily="34" charset="0"/>
-              <a:cs typeface="AdihausDIN" panose="020B0504020101020102" pitchFamily="34" charset="0"/>
-            </a:endParaRPr>
-          </a:p>
-        </p:txBody>
-      </p:sp>
-      <p:pic>
-        <p:nvPicPr>
-          <p:cNvPr id="7" name="Picture 6">
-            <a:extLst>
-              <a:ext uri="{FF2B5EF4-FFF2-40B4-BE49-F238E27FC236}">
-                <a16:creationId xmlns:a16="http://schemas.microsoft.com/office/drawing/2014/main" id="{15E47E84-F574-5B45-B254-651510AEC9C0}"/>
-              </a:ext>
-            </a:extLst>
-          </p:cNvPr>
-          <p:cNvPicPr>
-            <a:picLocks noChangeAspect="1"/>
-          </p:cNvPicPr>
-          <p:nvPr/>
-        </p:nvPicPr>
-        <p:blipFill>
-          <a:blip r:embed="rId2"/>
-          <a:stretch>
-            <a:fillRect/>
-          </a:stretch>
-        </p:blipFill>
-        <p:spPr>
-          <a:xfrm>
-            <a:off x="4842500" y="1657350"/>
-            <a:ext cx="3912399" cy="2065637"/>
-          </a:xfrm>
-          <a:prstGeom prst="rect">
-            <a:avLst/>
-          </a:prstGeom>
-        </p:spPr>
-      </p:pic>
-      <p:pic>
-        <p:nvPicPr>
-          <p:cNvPr id="8" name="Picture 7">
-            <a:extLst>
-              <a:ext uri="{FF2B5EF4-FFF2-40B4-BE49-F238E27FC236}">
-                <a16:creationId xmlns:a16="http://schemas.microsoft.com/office/drawing/2014/main" id="{EE0A7B3F-29C3-B048-B06D-2B4580640133}"/>
-              </a:ext>
-            </a:extLst>
-          </p:cNvPr>
-          <p:cNvPicPr>
-            <a:picLocks noChangeAspect="1"/>
-          </p:cNvPicPr>
-          <p:nvPr/>
-        </p:nvPicPr>
-        <p:blipFill>
-          <a:blip r:embed="rId3"/>
-          <a:stretch>
-            <a:fillRect/>
-          </a:stretch>
-        </p:blipFill>
-        <p:spPr>
-          <a:xfrm>
-            <a:off x="762000" y="2690168"/>
-            <a:ext cx="3477322" cy="805481"/>
-          </a:xfrm>
-          <a:prstGeom prst="rect">
-            <a:avLst/>
-          </a:prstGeom>
-        </p:spPr>
-      </p:pic>
-    </p:spTree>
-    <p:extLst>
-      <p:ext uri="{BB962C8B-B14F-4D97-AF65-F5344CB8AC3E}">
-        <p14:creationId xmlns:p14="http://schemas.microsoft.com/office/powerpoint/2010/main" val="778679889"/>
-      </p:ext>
-    </p:extLst>
-  </p:cSld>
-  <p:clrMapOvr>
-    <a:masterClrMapping/>
-  </p:clrMapOvr>
-  <p:transition spd="med">
-    <p:fade/>
-  </p:transition>
-</p:sld>
-</file>
-
-<file path=ppt/slides/slide6.xml><?xml version="1.0" encoding="utf-8"?>
-<p:sld xmlns:a="http://schemas.openxmlformats.org/drawingml/2006/main" xmlns:r="http://schemas.openxmlformats.org/officeDocument/2006/relationships" xmlns:p="http://schemas.openxmlformats.org/presentationml/2006/main">
-  <p:cSld>
-    <p:spTree>
-      <p:nvGrpSpPr>
-        <p:cNvPr id="1" name=""/>
-        <p:cNvGrpSpPr/>
-        <p:nvPr/>
-      </p:nvGrpSpPr>
-      <p:grpSpPr>
-        <a:xfrm>
-          <a:off x="0" y="0"/>
-          <a:ext cx="0" cy="0"/>
-          <a:chOff x="0" y="0"/>
-          <a:chExt cx="0" cy="0"/>
-        </a:xfrm>
-      </p:grpSpPr>
-      <p:sp>
-        <p:nvSpPr>
-          <p:cNvPr id="2" name="Title 1">
-            <a:extLst>
-              <a:ext uri="{FF2B5EF4-FFF2-40B4-BE49-F238E27FC236}">
-                <a16:creationId xmlns:a16="http://schemas.microsoft.com/office/drawing/2014/main" id="{CAF613A6-9041-5F44-BE61-463E01BC016F}"/>
-              </a:ext>
-            </a:extLst>
-          </p:cNvPr>
-          <p:cNvSpPr>
-            <a:spLocks noGrp="1"/>
-          </p:cNvSpPr>
-          <p:nvPr>
-            <p:ph type="title"/>
-          </p:nvPr>
-        </p:nvSpPr>
-        <p:spPr>
-          <a:xfrm>
-            <a:off x="358775" y="303213"/>
-            <a:ext cx="8426450" cy="539750"/>
-          </a:xfrm>
-        </p:spPr>
-        <p:txBody>
-          <a:bodyPr>
-            <a:normAutofit fontScale="90000"/>
-          </a:bodyPr>
-          <a:lstStyle/>
-          <a:p>
-            <a:pPr algn="ctr"/>
-            <a:r>
-              <a:rPr lang="en-US" sz="2400" dirty="0"/>
-              <a:t>Demand forecasting</a:t>
-            </a:r>
-            <a:br>
-              <a:rPr lang="en-US" sz="2400" dirty="0"/>
-            </a:br>
-            <a:r>
-              <a:rPr lang="en-US" sz="2400" dirty="0">
-                <a:solidFill>
-                  <a:schemeClr val="accent6"/>
-                </a:solidFill>
-              </a:rPr>
-              <a:t>optimizing overestimation</a:t>
-            </a:r>
-            <a:br>
-              <a:rPr lang="en-US" sz="2400" dirty="0">
-                <a:solidFill>
-                  <a:schemeClr val="accent6"/>
-                </a:solidFill>
-              </a:rPr>
-            </a:br>
-            <a:endParaRPr lang="en-US" sz="2400" dirty="0">
-              <a:solidFill>
-                <a:schemeClr val="accent6"/>
-              </a:solidFill>
-            </a:endParaRPr>
-          </a:p>
-        </p:txBody>
-      </p:sp>
-      <p:sp>
-        <p:nvSpPr>
-          <p:cNvPr id="3" name="Slide Number Placeholder 2">
-            <a:extLst>
-              <a:ext uri="{FF2B5EF4-FFF2-40B4-BE49-F238E27FC236}">
-                <a16:creationId xmlns:a16="http://schemas.microsoft.com/office/drawing/2014/main" id="{A14C6C5B-4153-C24D-8FD1-BFD92F4AFFFF}"/>
-              </a:ext>
-            </a:extLst>
-          </p:cNvPr>
-          <p:cNvSpPr>
-            <a:spLocks noGrp="1"/>
-          </p:cNvSpPr>
-          <p:nvPr>
-            <p:ph type="sldNum" sz="quarter" idx="24"/>
-          </p:nvPr>
-        </p:nvSpPr>
-        <p:spPr/>
-        <p:txBody>
-          <a:bodyPr/>
-          <a:lstStyle/>
-          <a:p>
-            <a:pPr>
-              <a:defRPr/>
-            </a:pPr>
-            <a:fld id="{66C8B3C2-955F-42B1-8DED-EE47D723596C}" type="slidenum">
-              <a:rPr lang="en-US" smtClean="0"/>
-              <a:pPr>
-                <a:defRPr/>
-              </a:pPr>
-              <a:t>6</a:t>
-            </a:fld>
-            <a:endParaRPr lang="en-US" dirty="0"/>
-          </a:p>
-        </p:txBody>
-      </p:sp>
-      <p:sp>
-        <p:nvSpPr>
-          <p:cNvPr id="4" name="Text Placeholder 3">
-            <a:extLst>
-              <a:ext uri="{FF2B5EF4-FFF2-40B4-BE49-F238E27FC236}">
-                <a16:creationId xmlns:a16="http://schemas.microsoft.com/office/drawing/2014/main" id="{E5CA33FE-16F9-7F48-BA4D-F8CA50A6E268}"/>
-              </a:ext>
-            </a:extLst>
-          </p:cNvPr>
-          <p:cNvSpPr>
-            <a:spLocks noGrp="1"/>
-          </p:cNvSpPr>
-          <p:nvPr>
-            <p:ph type="body" sz="quarter" idx="25"/>
-          </p:nvPr>
-        </p:nvSpPr>
-        <p:spPr>
-          <a:xfrm>
-            <a:off x="582660" y="1047750"/>
-            <a:ext cx="7430189" cy="4038600"/>
-          </a:xfrm>
-        </p:spPr>
-        <p:txBody>
-          <a:bodyPr numCol="2">
-            <a:normAutofit/>
-          </a:bodyPr>
-          <a:lstStyle/>
-          <a:p>
-            <a:pPr>
-              <a:lnSpc>
-                <a:spcPct val="100000"/>
-              </a:lnSpc>
-            </a:pPr>
-            <a:endParaRPr lang="en-US" sz="1400" dirty="0"/>
-          </a:p>
-          <a:p>
-            <a:pPr>
-              <a:lnSpc>
-                <a:spcPct val="150000"/>
-              </a:lnSpc>
-            </a:pPr>
-            <a:r>
-              <a:rPr lang="en-US" sz="1400" dirty="0">
-                <a:sym typeface="Wingdings" pitchFamily="2" charset="2"/>
-              </a:rPr>
-              <a:t>We can maximize expected profits!  </a:t>
-            </a:r>
-          </a:p>
-          <a:p>
-            <a:pPr lvl="1">
-              <a:lnSpc>
-                <a:spcPct val="150000"/>
-              </a:lnSpc>
-            </a:pPr>
-            <a:r>
-              <a:rPr lang="en-US" sz="1400" dirty="0">
-                <a:sym typeface="Wingdings" pitchFamily="2" charset="2"/>
-              </a:rPr>
-              <a:t>Choose b to minimize </a:t>
-            </a:r>
-            <a:r>
-              <a:rPr lang="en-US" sz="1400" b="1" dirty="0">
-                <a:sym typeface="Wingdings" pitchFamily="2" charset="2"/>
-              </a:rPr>
-              <a:t>expected</a:t>
-            </a:r>
-            <a:r>
-              <a:rPr lang="en-US" sz="1400" dirty="0">
-                <a:sym typeface="Wingdings" pitchFamily="2" charset="2"/>
-              </a:rPr>
-              <a:t> losses </a:t>
-            </a:r>
-          </a:p>
-          <a:p>
-            <a:pPr>
-              <a:lnSpc>
-                <a:spcPct val="150000"/>
-              </a:lnSpc>
-            </a:pPr>
-            <a:r>
-              <a:rPr lang="en-US" sz="1400" dirty="0">
-                <a:sym typeface="Wingdings" pitchFamily="2" charset="2"/>
-              </a:rPr>
-              <a:t>Suppose we predict: </a:t>
-            </a:r>
-          </a:p>
-          <a:p>
-            <a:pPr lvl="1">
-              <a:lnSpc>
-                <a:spcPct val="150000"/>
-              </a:lnSpc>
-            </a:pPr>
-            <a:r>
-              <a:rPr lang="en-US" sz="1400" dirty="0" err="1">
-                <a:sym typeface="Wingdings" pitchFamily="2" charset="2"/>
-              </a:rPr>
-              <a:t>net_qty</a:t>
-            </a:r>
-            <a:r>
-              <a:rPr lang="en-US" sz="1400" dirty="0">
-                <a:sym typeface="Wingdings" pitchFamily="2" charset="2"/>
-              </a:rPr>
-              <a:t> ~ N(1000, 100)</a:t>
-            </a:r>
-          </a:p>
-          <a:p>
-            <a:pPr>
-              <a:lnSpc>
-                <a:spcPct val="150000"/>
-              </a:lnSpc>
-            </a:pPr>
-            <a:r>
-              <a:rPr lang="en-US" sz="1400" dirty="0">
-                <a:sym typeface="Wingdings" pitchFamily="2" charset="2"/>
-              </a:rPr>
-              <a:t>And know:</a:t>
-            </a:r>
-          </a:p>
-          <a:p>
-            <a:pPr lvl="1">
-              <a:lnSpc>
-                <a:spcPct val="150000"/>
-              </a:lnSpc>
-            </a:pPr>
-            <a:r>
-              <a:rPr lang="en-US" sz="1400" dirty="0">
-                <a:sym typeface="Wingdings" pitchFamily="2" charset="2"/>
-              </a:rPr>
-              <a:t>Margin = 80, cost = 20.</a:t>
-            </a:r>
-          </a:p>
-          <a:p>
-            <a:pPr>
-              <a:lnSpc>
-                <a:spcPct val="150000"/>
-              </a:lnSpc>
-            </a:pPr>
-            <a:r>
-              <a:rPr lang="en-US" sz="1400" dirty="0">
-                <a:sym typeface="Wingdings" pitchFamily="2" charset="2"/>
-              </a:rPr>
-              <a:t>Then we buy 1077 units</a:t>
-            </a:r>
-          </a:p>
-          <a:p>
-            <a:pPr>
-              <a:lnSpc>
-                <a:spcPct val="150000"/>
-              </a:lnSpc>
-            </a:pPr>
-            <a:r>
-              <a:rPr lang="en-US" sz="1400" dirty="0">
-                <a:sym typeface="Wingdings" pitchFamily="2" charset="2"/>
-              </a:rPr>
-              <a:t>123 x 20 = €2460 saved</a:t>
-            </a:r>
-          </a:p>
-        </p:txBody>
-      </p:sp>
-      <p:sp>
-        <p:nvSpPr>
-          <p:cNvPr id="5" name="TextBox 4">
-            <a:extLst>
-              <a:ext uri="{FF2B5EF4-FFF2-40B4-BE49-F238E27FC236}">
-                <a16:creationId xmlns:a16="http://schemas.microsoft.com/office/drawing/2014/main" id="{80C9E4D3-A261-AD46-AD50-86C8FF7A981A}"/>
-              </a:ext>
-            </a:extLst>
-          </p:cNvPr>
-          <p:cNvSpPr txBox="1"/>
-          <p:nvPr/>
-        </p:nvSpPr>
-        <p:spPr bwMode="gray">
-          <a:xfrm>
-            <a:off x="1030514" y="493486"/>
-            <a:ext cx="0" cy="0"/>
-          </a:xfrm>
-          <a:prstGeom prst="rect">
-            <a:avLst/>
-          </a:prstGeom>
-          <a:noFill/>
-          <a:ln w="12700" cap="sq">
-            <a:noFill/>
-            <a:miter lim="800000"/>
-          </a:ln>
-        </p:spPr>
-        <p:txBody>
-          <a:bodyPr vert="horz" wrap="none" lIns="0" tIns="0" rIns="0" bIns="0" rtlCol="0" anchor="t" anchorCtr="0">
-            <a:noAutofit/>
-          </a:bodyPr>
-          <a:lstStyle/>
-          <a:p>
-            <a:pPr>
-              <a:lnSpc>
-                <a:spcPct val="90000"/>
-              </a:lnSpc>
-            </a:pPr>
-            <a:endParaRPr lang="en-US" sz="1200" dirty="0">
-              <a:latin typeface="AdihausDIN" panose="020B0504020101020102" pitchFamily="34" charset="0"/>
-              <a:cs typeface="AdihausDIN" panose="020B0504020101020102" pitchFamily="34" charset="0"/>
-            </a:endParaRPr>
-          </a:p>
-        </p:txBody>
-      </p:sp>
-      <p:pic>
-        <p:nvPicPr>
-          <p:cNvPr id="15" name="Picture 14">
-            <a:extLst>
-              <a:ext uri="{FF2B5EF4-FFF2-40B4-BE49-F238E27FC236}">
-                <a16:creationId xmlns:a16="http://schemas.microsoft.com/office/drawing/2014/main" id="{E167485A-4B55-DF4C-A209-9771F837EF02}"/>
-              </a:ext>
-            </a:extLst>
-          </p:cNvPr>
-          <p:cNvPicPr>
-            <a:picLocks noChangeAspect="1"/>
-          </p:cNvPicPr>
-          <p:nvPr/>
-        </p:nvPicPr>
-        <p:blipFill>
-          <a:blip r:embed="rId2"/>
-          <a:stretch>
-            <a:fillRect/>
-          </a:stretch>
-        </p:blipFill>
-        <p:spPr>
-          <a:xfrm>
-            <a:off x="4267200" y="1123950"/>
-            <a:ext cx="4734689" cy="3327401"/>
-          </a:xfrm>
-          <a:prstGeom prst="rect">
-            <a:avLst/>
-          </a:prstGeom>
-        </p:spPr>
-      </p:pic>
-    </p:spTree>
-    <p:extLst>
-      <p:ext uri="{BB962C8B-B14F-4D97-AF65-F5344CB8AC3E}">
-        <p14:creationId xmlns:p14="http://schemas.microsoft.com/office/powerpoint/2010/main" val="3518833007"/>
-      </p:ext>
-    </p:extLst>
-  </p:cSld>
-  <p:clrMapOvr>
-    <a:masterClrMapping/>
-  </p:clrMapOvr>
-  <p:transition spd="med">
-    <p:fade/>
-  </p:transition>
-</p:sld>
-</file>
-
-<file path=ppt/slides/slide7.xml><?xml version="1.0" encoding="utf-8"?>
-<p:sld xmlns:a="http://schemas.openxmlformats.org/drawingml/2006/main" xmlns:r="http://schemas.openxmlformats.org/officeDocument/2006/relationships" xmlns:p="http://schemas.openxmlformats.org/presentationml/2006/main">
-  <p:cSld>
-    <p:spTree>
-      <p:nvGrpSpPr>
-        <p:cNvPr id="1" name=""/>
-        <p:cNvGrpSpPr/>
-        <p:nvPr/>
-      </p:nvGrpSpPr>
-      <p:grpSpPr>
-        <a:xfrm>
-          <a:off x="0" y="0"/>
-          <a:ext cx="0" cy="0"/>
-          <a:chOff x="0" y="0"/>
-          <a:chExt cx="0" cy="0"/>
-        </a:xfrm>
-      </p:grpSpPr>
-      <p:sp>
-        <p:nvSpPr>
-          <p:cNvPr id="2" name="Title 1">
-            <a:extLst>
-              <a:ext uri="{FF2B5EF4-FFF2-40B4-BE49-F238E27FC236}">
-                <a16:creationId xmlns:a16="http://schemas.microsoft.com/office/drawing/2014/main" id="{CAF613A6-9041-5F44-BE61-463E01BC016F}"/>
-              </a:ext>
-            </a:extLst>
-          </p:cNvPr>
-          <p:cNvSpPr>
-            <a:spLocks noGrp="1"/>
-          </p:cNvSpPr>
-          <p:nvPr>
-            <p:ph type="title"/>
-          </p:nvPr>
-        </p:nvSpPr>
-        <p:spPr>
-          <a:xfrm>
-            <a:off x="358775" y="303213"/>
-            <a:ext cx="8426450" cy="539750"/>
-          </a:xfrm>
-        </p:spPr>
-        <p:txBody>
-          <a:bodyPr>
-            <a:normAutofit fontScale="90000"/>
-          </a:bodyPr>
-          <a:lstStyle/>
-          <a:p>
-            <a:pPr algn="ctr"/>
-            <a:r>
-              <a:rPr lang="en-US" sz="2400" dirty="0"/>
-              <a:t>Demand forecasting</a:t>
-            </a:r>
-            <a:br>
-              <a:rPr lang="en-US" sz="2400" dirty="0"/>
-            </a:br>
-            <a:r>
-              <a:rPr lang="en-US" sz="2400" dirty="0">
-                <a:solidFill>
-                  <a:schemeClr val="accent6"/>
-                </a:solidFill>
-              </a:rPr>
-              <a:t>Distribution framework</a:t>
-            </a:r>
-            <a:br>
-              <a:rPr lang="en-US" sz="2400" dirty="0">
-                <a:solidFill>
-                  <a:schemeClr val="accent6"/>
-                </a:solidFill>
-              </a:rPr>
-            </a:br>
-            <a:endParaRPr lang="en-US" sz="2400" dirty="0">
-              <a:solidFill>
-                <a:schemeClr val="accent6"/>
-              </a:solidFill>
-            </a:endParaRPr>
-          </a:p>
-        </p:txBody>
-      </p:sp>
-      <p:sp>
-        <p:nvSpPr>
-          <p:cNvPr id="3" name="Slide Number Placeholder 2">
-            <a:extLst>
-              <a:ext uri="{FF2B5EF4-FFF2-40B4-BE49-F238E27FC236}">
-                <a16:creationId xmlns:a16="http://schemas.microsoft.com/office/drawing/2014/main" id="{A14C6C5B-4153-C24D-8FD1-BFD92F4AFFFF}"/>
-              </a:ext>
-            </a:extLst>
-          </p:cNvPr>
-          <p:cNvSpPr>
-            <a:spLocks noGrp="1"/>
-          </p:cNvSpPr>
-          <p:nvPr>
-            <p:ph type="sldNum" sz="quarter" idx="24"/>
-          </p:nvPr>
-        </p:nvSpPr>
-        <p:spPr/>
-        <p:txBody>
-          <a:bodyPr/>
-          <a:lstStyle/>
-          <a:p>
-            <a:pPr>
-              <a:defRPr/>
-            </a:pPr>
-            <a:fld id="{66C8B3C2-955F-42B1-8DED-EE47D723596C}" type="slidenum">
-              <a:rPr lang="en-US" smtClean="0"/>
-              <a:pPr>
-                <a:defRPr/>
-              </a:pPr>
-              <a:t>7</a:t>
-            </a:fld>
-            <a:endParaRPr lang="en-US" dirty="0"/>
-          </a:p>
-        </p:txBody>
-      </p:sp>
-      <p:sp>
-        <p:nvSpPr>
-          <p:cNvPr id="4" name="Text Placeholder 3">
-            <a:extLst>
-              <a:ext uri="{FF2B5EF4-FFF2-40B4-BE49-F238E27FC236}">
-                <a16:creationId xmlns:a16="http://schemas.microsoft.com/office/drawing/2014/main" id="{E5CA33FE-16F9-7F48-BA4D-F8CA50A6E268}"/>
-              </a:ext>
-            </a:extLst>
-          </p:cNvPr>
-          <p:cNvSpPr>
-            <a:spLocks noGrp="1"/>
-          </p:cNvSpPr>
-          <p:nvPr>
-            <p:ph type="body" sz="quarter" idx="25"/>
-          </p:nvPr>
-        </p:nvSpPr>
-        <p:spPr>
-          <a:xfrm>
-            <a:off x="582660" y="1047750"/>
-            <a:ext cx="7430189" cy="4038600"/>
-          </a:xfrm>
-        </p:spPr>
-        <p:txBody>
-          <a:bodyPr numCol="1">
-            <a:normAutofit/>
-          </a:bodyPr>
-          <a:lstStyle/>
-          <a:p>
-            <a:pPr>
-              <a:lnSpc>
-                <a:spcPct val="100000"/>
-              </a:lnSpc>
-            </a:pPr>
-            <a:endParaRPr lang="en-US" sz="1400" dirty="0"/>
-          </a:p>
-          <a:p>
-            <a:pPr>
-              <a:lnSpc>
-                <a:spcPct val="150000"/>
-              </a:lnSpc>
-            </a:pPr>
-            <a:r>
-              <a:rPr lang="en-US" sz="1400" dirty="0">
-                <a:sym typeface="Wingdings" pitchFamily="2" charset="2"/>
-              </a:rPr>
-              <a:t>What if we adopt this framework more broadly?</a:t>
-            </a:r>
-          </a:p>
-          <a:p>
-            <a:pPr lvl="1">
-              <a:lnSpc>
-                <a:spcPct val="150000"/>
-              </a:lnSpc>
-            </a:pPr>
-            <a:r>
-              <a:rPr lang="en-US" sz="1400" dirty="0">
-                <a:sym typeface="Wingdings" pitchFamily="2" charset="2"/>
-              </a:rPr>
-              <a:t>All predictions as distributions</a:t>
-            </a:r>
-          </a:p>
-          <a:p>
-            <a:pPr>
-              <a:lnSpc>
-                <a:spcPct val="150000"/>
-              </a:lnSpc>
-            </a:pPr>
-            <a:r>
-              <a:rPr lang="en-US" sz="1400" dirty="0">
-                <a:sym typeface="Wingdings" pitchFamily="2" charset="2"/>
-              </a:rPr>
-              <a:t>Many benefits</a:t>
-            </a:r>
-          </a:p>
-          <a:p>
-            <a:pPr lvl="1">
-              <a:lnSpc>
-                <a:spcPct val="150000"/>
-              </a:lnSpc>
-            </a:pPr>
-            <a:r>
-              <a:rPr lang="en-US" sz="1400" dirty="0">
-                <a:sym typeface="Wingdings" pitchFamily="2" charset="2"/>
-              </a:rPr>
-              <a:t>Evaluation: compare prediction distributions to empirical distributions (statistical methods exist)</a:t>
-            </a:r>
-          </a:p>
-          <a:p>
-            <a:pPr lvl="1">
-              <a:lnSpc>
-                <a:spcPct val="150000"/>
-              </a:lnSpc>
-            </a:pPr>
-            <a:r>
-              <a:rPr lang="en-US" sz="1400" dirty="0">
-                <a:sym typeface="Wingdings" pitchFamily="2" charset="2"/>
-              </a:rPr>
-              <a:t>Easier to incorporate disparate information into single distribution than prediction, and that translates probabilistically into a buy number</a:t>
-            </a:r>
-          </a:p>
-          <a:p>
-            <a:pPr lvl="1">
-              <a:lnSpc>
-                <a:spcPct val="150000"/>
-              </a:lnSpc>
-            </a:pPr>
-            <a:r>
-              <a:rPr lang="en-US" sz="1400" dirty="0">
-                <a:sym typeface="Wingdings" pitchFamily="2" charset="2"/>
-              </a:rPr>
-              <a:t>Asymmetric/skewed distributions</a:t>
-            </a:r>
-          </a:p>
-          <a:p>
-            <a:pPr lvl="2">
-              <a:lnSpc>
-                <a:spcPct val="150000"/>
-              </a:lnSpc>
-            </a:pPr>
-            <a:r>
-              <a:rPr lang="en-US" sz="1400" dirty="0">
-                <a:sym typeface="Wingdings" pitchFamily="2" charset="2"/>
-              </a:rPr>
-              <a:t>e.g. marketing campaign – large upside</a:t>
-            </a:r>
-          </a:p>
-        </p:txBody>
-      </p:sp>
-      <p:sp>
-        <p:nvSpPr>
-          <p:cNvPr id="5" name="TextBox 4">
-            <a:extLst>
-              <a:ext uri="{FF2B5EF4-FFF2-40B4-BE49-F238E27FC236}">
-                <a16:creationId xmlns:a16="http://schemas.microsoft.com/office/drawing/2014/main" id="{80C9E4D3-A261-AD46-AD50-86C8FF7A981A}"/>
-              </a:ext>
-            </a:extLst>
-          </p:cNvPr>
-          <p:cNvSpPr txBox="1"/>
-          <p:nvPr/>
-        </p:nvSpPr>
-        <p:spPr bwMode="gray">
-          <a:xfrm>
-            <a:off x="1030514" y="493486"/>
-            <a:ext cx="0" cy="0"/>
-          </a:xfrm>
-          <a:prstGeom prst="rect">
-            <a:avLst/>
-          </a:prstGeom>
-          <a:noFill/>
-          <a:ln w="12700" cap="sq">
-            <a:noFill/>
-            <a:miter lim="800000"/>
-          </a:ln>
-        </p:spPr>
-        <p:txBody>
-          <a:bodyPr vert="horz" wrap="none" lIns="0" tIns="0" rIns="0" bIns="0" rtlCol="0" anchor="t" anchorCtr="0">
-            <a:noAutofit/>
-          </a:bodyPr>
-          <a:lstStyle/>
-          <a:p>
-            <a:pPr>
-              <a:lnSpc>
-                <a:spcPct val="90000"/>
-              </a:lnSpc>
-            </a:pPr>
-            <a:endParaRPr lang="en-US" sz="1200" dirty="0">
-              <a:latin typeface="AdihausDIN" panose="020B0504020101020102" pitchFamily="34" charset="0"/>
-              <a:cs typeface="AdihausDIN" panose="020B0504020101020102" pitchFamily="34" charset="0"/>
-            </a:endParaRPr>
-          </a:p>
-        </p:txBody>
-      </p:sp>
-    </p:spTree>
-    <p:extLst>
-      <p:ext uri="{BB962C8B-B14F-4D97-AF65-F5344CB8AC3E}">
-        <p14:creationId xmlns:p14="http://schemas.microsoft.com/office/powerpoint/2010/main" val="1712575972"/>
-      </p:ext>
-    </p:extLst>
-  </p:cSld>
-  <p:clrMapOvr>
-    <a:masterClrMapping/>
-  </p:clrMapOvr>
-  <p:transition spd="med">
-    <p:fade/>
-  </p:transition>
-</p:sld>
-</file>
-
-<file path=ppt/slides/slide8.xml><?xml version="1.0" encoding="utf-8"?>
-<p:sld xmlns:a="http://schemas.openxmlformats.org/drawingml/2006/main" xmlns:r="http://schemas.openxmlformats.org/officeDocument/2006/relationships" xmlns:p="http://schemas.openxmlformats.org/presentationml/2006/main">
-  <p:cSld>
-    <p:spTree>
-      <p:nvGrpSpPr>
-        <p:cNvPr id="1" name=""/>
-        <p:cNvGrpSpPr/>
-        <p:nvPr/>
-      </p:nvGrpSpPr>
-      <p:grpSpPr>
-        <a:xfrm>
-          <a:off x="0" y="0"/>
-          <a:ext cx="0" cy="0"/>
-          <a:chOff x="0" y="0"/>
-          <a:chExt cx="0" cy="0"/>
-        </a:xfrm>
-      </p:grpSpPr>
-      <p:sp>
-        <p:nvSpPr>
-          <p:cNvPr id="2" name="Title 1">
-            <a:extLst>
-              <a:ext uri="{FF2B5EF4-FFF2-40B4-BE49-F238E27FC236}">
-                <a16:creationId xmlns:a16="http://schemas.microsoft.com/office/drawing/2014/main" id="{CAF613A6-9041-5F44-BE61-463E01BC016F}"/>
-              </a:ext>
-            </a:extLst>
-          </p:cNvPr>
-          <p:cNvSpPr>
-            <a:spLocks noGrp="1"/>
-          </p:cNvSpPr>
-          <p:nvPr>
-            <p:ph type="title"/>
-          </p:nvPr>
-        </p:nvSpPr>
-        <p:spPr>
-          <a:xfrm>
-            <a:off x="358775" y="303213"/>
-            <a:ext cx="8426450" cy="539750"/>
-          </a:xfrm>
-        </p:spPr>
-        <p:txBody>
-          <a:bodyPr>
-            <a:normAutofit fontScale="90000"/>
-          </a:bodyPr>
-          <a:lstStyle/>
-          <a:p>
-            <a:pPr algn="ctr"/>
-            <a:r>
-              <a:rPr lang="en-US" sz="2400" dirty="0"/>
-              <a:t>Demand forecasting</a:t>
-            </a:r>
-            <a:br>
-              <a:rPr lang="en-US" sz="2400" dirty="0"/>
-            </a:br>
-            <a:r>
-              <a:rPr lang="en-US" sz="2400" dirty="0">
-                <a:solidFill>
-                  <a:schemeClr val="accent6"/>
-                </a:solidFill>
-              </a:rPr>
-              <a:t>Distribution framework: evaluation</a:t>
-            </a:r>
-            <a:br>
-              <a:rPr lang="en-US" sz="2400" dirty="0">
-                <a:solidFill>
-                  <a:schemeClr val="accent6"/>
-                </a:solidFill>
-              </a:rPr>
-            </a:br>
-            <a:endParaRPr lang="en-US" sz="2400" dirty="0">
-              <a:solidFill>
-                <a:schemeClr val="accent6"/>
-              </a:solidFill>
-            </a:endParaRPr>
-          </a:p>
-        </p:txBody>
-      </p:sp>
-      <p:sp>
-        <p:nvSpPr>
-          <p:cNvPr id="3" name="Slide Number Placeholder 2">
-            <a:extLst>
-              <a:ext uri="{FF2B5EF4-FFF2-40B4-BE49-F238E27FC236}">
-                <a16:creationId xmlns:a16="http://schemas.microsoft.com/office/drawing/2014/main" id="{A14C6C5B-4153-C24D-8FD1-BFD92F4AFFFF}"/>
-              </a:ext>
-            </a:extLst>
-          </p:cNvPr>
-          <p:cNvSpPr>
-            <a:spLocks noGrp="1"/>
-          </p:cNvSpPr>
-          <p:nvPr>
-            <p:ph type="sldNum" sz="quarter" idx="24"/>
-          </p:nvPr>
-        </p:nvSpPr>
-        <p:spPr/>
-        <p:txBody>
-          <a:bodyPr/>
-          <a:lstStyle/>
-          <a:p>
-            <a:pPr>
-              <a:defRPr/>
-            </a:pPr>
-            <a:fld id="{66C8B3C2-955F-42B1-8DED-EE47D723596C}" type="slidenum">
-              <a:rPr lang="en-US" smtClean="0"/>
-              <a:pPr>
-                <a:defRPr/>
-              </a:pPr>
-              <a:t>8</a:t>
-            </a:fld>
-            <a:endParaRPr lang="en-US" dirty="0"/>
-          </a:p>
-        </p:txBody>
-      </p:sp>
-      <p:sp>
-        <p:nvSpPr>
-          <p:cNvPr id="4" name="Text Placeholder 3">
-            <a:extLst>
-              <a:ext uri="{FF2B5EF4-FFF2-40B4-BE49-F238E27FC236}">
-                <a16:creationId xmlns:a16="http://schemas.microsoft.com/office/drawing/2014/main" id="{E5CA33FE-16F9-7F48-BA4D-F8CA50A6E268}"/>
-              </a:ext>
-            </a:extLst>
-          </p:cNvPr>
-          <p:cNvSpPr>
-            <a:spLocks noGrp="1"/>
-          </p:cNvSpPr>
-          <p:nvPr>
-            <p:ph type="body" sz="quarter" idx="25"/>
-          </p:nvPr>
-        </p:nvSpPr>
-        <p:spPr>
-          <a:xfrm>
-            <a:off x="582660" y="1047750"/>
-            <a:ext cx="7430189" cy="4038600"/>
-          </a:xfrm>
-        </p:spPr>
-        <p:txBody>
-          <a:bodyPr numCol="2">
-            <a:normAutofit/>
-          </a:bodyPr>
-          <a:lstStyle/>
-          <a:p>
-            <a:pPr>
-              <a:lnSpc>
-                <a:spcPct val="150000"/>
-              </a:lnSpc>
+              <a:buClr>
+                <a:srgbClr val="C00000"/>
+              </a:buClr>
             </a:pPr>
             <a:r>
               <a:rPr lang="en-US" sz="1400" dirty="0">
@@ -10170,6 +7989,9 @@
               <a:lnSpc>
                 <a:spcPct val="150000"/>
               </a:lnSpc>
+              <a:buClr>
+                <a:srgbClr val="C00000"/>
+              </a:buClr>
             </a:pPr>
             <a:r>
               <a:rPr lang="en-US" sz="1400" dirty="0">
@@ -10183,6 +8005,9 @@
               <a:lnSpc>
                 <a:spcPct val="150000"/>
               </a:lnSpc>
+              <a:buClr>
+                <a:srgbClr val="C00000"/>
+              </a:buClr>
             </a:pPr>
             <a:r>
               <a:rPr lang="en-US" sz="1400" dirty="0">
@@ -10196,6 +8021,9 @@
               <a:lnSpc>
                 <a:spcPct val="150000"/>
               </a:lnSpc>
+              <a:buClr>
+                <a:srgbClr val="C00000"/>
+              </a:buClr>
             </a:pPr>
             <a:r>
               <a:rPr lang="en-US" sz="1400" dirty="0">
@@ -10209,6 +8037,9 @@
               <a:lnSpc>
                 <a:spcPct val="150000"/>
               </a:lnSpc>
+              <a:buClr>
+                <a:srgbClr val="C00000"/>
+              </a:buClr>
             </a:pPr>
             <a:r>
               <a:rPr lang="en-US" sz="1400" dirty="0">
@@ -10390,6 +8221,3260 @@
 </p:sld>
 </file>
 
+<file path=ppt/slides/slide13.xml><?xml version="1.0" encoding="utf-8"?>
+<p:sld xmlns:a="http://schemas.openxmlformats.org/drawingml/2006/main" xmlns:r="http://schemas.openxmlformats.org/officeDocument/2006/relationships" xmlns:p="http://schemas.openxmlformats.org/presentationml/2006/main">
+  <p:cSld>
+    <p:spTree>
+      <p:nvGrpSpPr>
+        <p:cNvPr id="1" name=""/>
+        <p:cNvGrpSpPr/>
+        <p:nvPr/>
+      </p:nvGrpSpPr>
+      <p:grpSpPr>
+        <a:xfrm>
+          <a:off x="0" y="0"/>
+          <a:ext cx="0" cy="0"/>
+          <a:chOff x="0" y="0"/>
+          <a:chExt cx="0" cy="0"/>
+        </a:xfrm>
+      </p:grpSpPr>
+      <p:sp>
+        <p:nvSpPr>
+          <p:cNvPr id="2" name="Title 1">
+            <a:extLst>
+              <a:ext uri="{FF2B5EF4-FFF2-40B4-BE49-F238E27FC236}">
+                <a16:creationId xmlns:a16="http://schemas.microsoft.com/office/drawing/2014/main" id="{CAF613A6-9041-5F44-BE61-463E01BC016F}"/>
+              </a:ext>
+            </a:extLst>
+          </p:cNvPr>
+          <p:cNvSpPr>
+            <a:spLocks noGrp="1"/>
+          </p:cNvSpPr>
+          <p:nvPr>
+            <p:ph type="title"/>
+          </p:nvPr>
+        </p:nvSpPr>
+        <p:spPr>
+          <a:xfrm>
+            <a:off x="358775" y="303213"/>
+            <a:ext cx="8426450" cy="539750"/>
+          </a:xfrm>
+        </p:spPr>
+        <p:txBody>
+          <a:bodyPr>
+            <a:normAutofit fontScale="90000"/>
+          </a:bodyPr>
+          <a:lstStyle/>
+          <a:p>
+            <a:pPr algn="ctr"/>
+            <a:r>
+              <a:rPr lang="en-US" sz="2400" dirty="0"/>
+              <a:t>Demand forecasting</a:t>
+            </a:r>
+            <a:br>
+              <a:rPr lang="en-US" sz="2400" dirty="0"/>
+            </a:br>
+            <a:r>
+              <a:rPr lang="en-US" sz="2400" dirty="0">
+                <a:solidFill>
+                  <a:srgbClr val="C00000"/>
+                </a:solidFill>
+              </a:rPr>
+              <a:t>optimizing overestimation</a:t>
+            </a:r>
+            <a:br>
+              <a:rPr lang="en-US" sz="2400" dirty="0">
+                <a:solidFill>
+                  <a:srgbClr val="C00000"/>
+                </a:solidFill>
+              </a:rPr>
+            </a:br>
+            <a:r>
+              <a:rPr lang="en-US" sz="2400" dirty="0">
+                <a:solidFill>
+                  <a:srgbClr val="C00000"/>
+                </a:solidFill>
+              </a:rPr>
+              <a:t>(SUPPLEMENTAL SLIDE)</a:t>
+            </a:r>
+            <a:br>
+              <a:rPr lang="en-US" sz="2400" dirty="0">
+                <a:solidFill>
+                  <a:schemeClr val="accent6"/>
+                </a:solidFill>
+              </a:rPr>
+            </a:br>
+            <a:br>
+              <a:rPr lang="en-US" sz="2400" dirty="0">
+                <a:solidFill>
+                  <a:schemeClr val="accent6"/>
+                </a:solidFill>
+              </a:rPr>
+            </a:br>
+            <a:endParaRPr lang="en-US" sz="2400" dirty="0">
+              <a:solidFill>
+                <a:schemeClr val="accent6"/>
+              </a:solidFill>
+            </a:endParaRPr>
+          </a:p>
+        </p:txBody>
+      </p:sp>
+      <p:sp>
+        <p:nvSpPr>
+          <p:cNvPr id="3" name="Slide Number Placeholder 2">
+            <a:extLst>
+              <a:ext uri="{FF2B5EF4-FFF2-40B4-BE49-F238E27FC236}">
+                <a16:creationId xmlns:a16="http://schemas.microsoft.com/office/drawing/2014/main" id="{A14C6C5B-4153-C24D-8FD1-BFD92F4AFFFF}"/>
+              </a:ext>
+            </a:extLst>
+          </p:cNvPr>
+          <p:cNvSpPr>
+            <a:spLocks noGrp="1"/>
+          </p:cNvSpPr>
+          <p:nvPr>
+            <p:ph type="sldNum" sz="quarter" idx="24"/>
+          </p:nvPr>
+        </p:nvSpPr>
+        <p:spPr/>
+        <p:txBody>
+          <a:bodyPr/>
+          <a:lstStyle/>
+          <a:p>
+            <a:pPr>
+              <a:defRPr/>
+            </a:pPr>
+            <a:fld id="{66C8B3C2-955F-42B1-8DED-EE47D723596C}" type="slidenum">
+              <a:rPr lang="en-US" smtClean="0"/>
+              <a:pPr>
+                <a:defRPr/>
+              </a:pPr>
+              <a:t>13</a:t>
+            </a:fld>
+            <a:endParaRPr lang="en-US" dirty="0"/>
+          </a:p>
+        </p:txBody>
+      </p:sp>
+      <mc:AlternateContent xmlns:mc="http://schemas.openxmlformats.org/markup-compatibility/2006">
+        <mc:Choice xmlns:a14="http://schemas.microsoft.com/office/drawing/2010/main" Requires="a14">
+          <p:sp>
+            <p:nvSpPr>
+              <p:cNvPr id="4" name="Text Placeholder 3">
+                <a:extLst>
+                  <a:ext uri="{FF2B5EF4-FFF2-40B4-BE49-F238E27FC236}">
+                    <a16:creationId xmlns:a16="http://schemas.microsoft.com/office/drawing/2014/main" id="{E5CA33FE-16F9-7F48-BA4D-F8CA50A6E268}"/>
+                  </a:ext>
+                </a:extLst>
+              </p:cNvPr>
+              <p:cNvSpPr>
+                <a:spLocks noGrp="1"/>
+              </p:cNvSpPr>
+              <p:nvPr>
+                <p:ph type="body" sz="quarter" idx="25"/>
+              </p:nvPr>
+            </p:nvSpPr>
+            <p:spPr>
+              <a:xfrm>
+                <a:off x="582660" y="1047750"/>
+                <a:ext cx="7430189" cy="4038600"/>
+              </a:xfrm>
+            </p:spPr>
+            <p:txBody>
+              <a:bodyPr numCol="2">
+                <a:normAutofit/>
+              </a:bodyPr>
+              <a:lstStyle/>
+              <a:p>
+                <a:pPr>
+                  <a:lnSpc>
+                    <a:spcPct val="100000"/>
+                  </a:lnSpc>
+                </a:pPr>
+                <a:endParaRPr lang="en-US" sz="1400" dirty="0"/>
+              </a:p>
+              <a:p>
+                <a:pPr>
+                  <a:lnSpc>
+                    <a:spcPct val="150000"/>
+                  </a:lnSpc>
+                  <a:buClr>
+                    <a:srgbClr val="C00000"/>
+                  </a:buClr>
+                </a:pPr>
+                <a:r>
+                  <a:rPr lang="en-US" sz="1400" dirty="0">
+                    <a:sym typeface="Wingdings" pitchFamily="2" charset="2"/>
+                  </a:rPr>
+                  <a:t>Minimize </a:t>
+                </a:r>
+                <a14:m>
+                  <m:oMath xmlns:m="http://schemas.openxmlformats.org/officeDocument/2006/math">
+                    <m:r>
+                      <m:rPr>
+                        <m:sty m:val="p"/>
+                      </m:rPr>
+                      <a:rPr lang="en-US" sz="1400" b="0" i="0" smtClean="0">
+                        <a:latin typeface="Cambria Math" panose="02040503050406030204" pitchFamily="18" charset="0"/>
+                        <a:sym typeface="Wingdings" pitchFamily="2" charset="2"/>
+                      </a:rPr>
+                      <m:t>E</m:t>
+                    </m:r>
+                    <m:d>
+                      <m:dPr>
+                        <m:begChr m:val="["/>
+                        <m:endChr m:val="]"/>
+                        <m:ctrlPr>
+                          <a:rPr lang="en-US" sz="1400" b="0" i="1" smtClean="0">
+                            <a:latin typeface="Cambria Math" panose="02040503050406030204" pitchFamily="18" charset="0"/>
+                            <a:sym typeface="Wingdings" pitchFamily="2" charset="2"/>
+                          </a:rPr>
+                        </m:ctrlPr>
+                      </m:dPr>
+                      <m:e>
+                        <m:r>
+                          <m:rPr>
+                            <m:sty m:val="p"/>
+                          </m:rPr>
+                          <a:rPr lang="en-US" sz="1400" b="0" i="0" smtClean="0">
+                            <a:latin typeface="Cambria Math" panose="02040503050406030204" pitchFamily="18" charset="0"/>
+                            <a:sym typeface="Wingdings" pitchFamily="2" charset="2"/>
+                          </a:rPr>
+                          <m:t>L</m:t>
+                        </m:r>
+                      </m:e>
+                      <m:e>
+                        <m:r>
+                          <a:rPr lang="en-US" sz="1400" b="0" i="1" smtClean="0">
+                            <a:latin typeface="Cambria Math" panose="02040503050406030204" pitchFamily="18" charset="0"/>
+                            <a:sym typeface="Wingdings" pitchFamily="2" charset="2"/>
+                          </a:rPr>
+                          <m:t>𝑏</m:t>
+                        </m:r>
+                      </m:e>
+                    </m:d>
+                  </m:oMath>
+                </a14:m>
+                <a:r>
+                  <a:rPr lang="en-US" sz="1400" dirty="0">
+                    <a:sym typeface="Wingdings" pitchFamily="2" charset="2"/>
+                  </a:rPr>
+                  <a:t>. --- expected value of loss function --- over all b</a:t>
+                </a:r>
+              </a:p>
+              <a:p>
+                <a:pPr>
+                  <a:lnSpc>
+                    <a:spcPct val="150000"/>
+                  </a:lnSpc>
+                  <a:buClr>
+                    <a:srgbClr val="C00000"/>
+                  </a:buClr>
+                </a:pPr>
+                <a:r>
+                  <a:rPr lang="en-US" sz="1400" dirty="0">
+                    <a:sym typeface="Wingdings" pitchFamily="2" charset="2"/>
+                  </a:rPr>
+                  <a:t>Normal density f</a:t>
+                </a:r>
+              </a:p>
+              <a:p>
+                <a:pPr lvl="1">
+                  <a:lnSpc>
+                    <a:spcPct val="150000"/>
+                  </a:lnSpc>
+                  <a:buClr>
+                    <a:srgbClr val="C00000"/>
+                  </a:buClr>
+                </a:pPr>
+                <a:r>
+                  <a:rPr lang="en-US" sz="1400" dirty="0">
+                    <a:sym typeface="Wingdings" pitchFamily="2" charset="2"/>
+                  </a:rPr>
+                  <a:t>Mean </a:t>
+                </a:r>
+                <a14:m>
+                  <m:oMath xmlns:m="http://schemas.openxmlformats.org/officeDocument/2006/math">
+                    <m:sSub>
+                      <m:sSubPr>
+                        <m:ctrlPr>
+                          <a:rPr lang="en-US" sz="1400" b="0" i="1" smtClean="0">
+                            <a:latin typeface="Cambria Math" panose="02040503050406030204" pitchFamily="18" charset="0"/>
+                            <a:sym typeface="Wingdings" pitchFamily="2" charset="2"/>
+                          </a:rPr>
+                        </m:ctrlPr>
+                      </m:sSubPr>
+                      <m:e>
+                        <m:r>
+                          <a:rPr lang="en-US" sz="1400" b="0" i="1" smtClean="0">
+                            <a:latin typeface="Cambria Math" panose="02040503050406030204" pitchFamily="18" charset="0"/>
+                            <a:sym typeface="Wingdings" pitchFamily="2" charset="2"/>
+                          </a:rPr>
+                          <m:t>𝜇</m:t>
+                        </m:r>
+                      </m:e>
+                      <m:sub>
+                        <m:r>
+                          <a:rPr lang="en-US" sz="1400" b="0" i="1" smtClean="0">
+                            <a:latin typeface="Cambria Math" panose="02040503050406030204" pitchFamily="18" charset="0"/>
+                            <a:sym typeface="Wingdings" pitchFamily="2" charset="2"/>
+                          </a:rPr>
+                          <m:t>0</m:t>
+                        </m:r>
+                      </m:sub>
+                    </m:sSub>
+                  </m:oMath>
+                </a14:m>
+                <a:r>
+                  <a:rPr lang="en-US" sz="1400" dirty="0">
+                    <a:sym typeface="Wingdings" pitchFamily="2" charset="2"/>
+                  </a:rPr>
+                  <a:t> (our prediction)</a:t>
+                </a:r>
+              </a:p>
+              <a:p>
+                <a:pPr lvl="1">
+                  <a:lnSpc>
+                    <a:spcPct val="150000"/>
+                  </a:lnSpc>
+                  <a:buClr>
+                    <a:srgbClr val="C00000"/>
+                  </a:buClr>
+                </a:pPr>
+                <a:r>
+                  <a:rPr lang="en-US" sz="1400" dirty="0">
+                    <a:sym typeface="Wingdings" pitchFamily="2" charset="2"/>
+                  </a:rPr>
+                  <a:t>Confidence-informed </a:t>
+                </a:r>
+                <a14:m>
+                  <m:oMath xmlns:m="http://schemas.openxmlformats.org/officeDocument/2006/math">
+                    <m:sSub>
+                      <m:sSubPr>
+                        <m:ctrlPr>
+                          <a:rPr lang="en-US" sz="1400" b="0" i="1" smtClean="0">
+                            <a:latin typeface="Cambria Math" panose="02040503050406030204" pitchFamily="18" charset="0"/>
+                            <a:sym typeface="Wingdings" pitchFamily="2" charset="2"/>
+                          </a:rPr>
+                        </m:ctrlPr>
+                      </m:sSubPr>
+                      <m:e>
+                        <m:r>
+                          <a:rPr lang="en-US" sz="1400" b="0" i="1" smtClean="0">
+                            <a:latin typeface="Cambria Math" panose="02040503050406030204" pitchFamily="18" charset="0"/>
+                            <a:sym typeface="Wingdings" pitchFamily="2" charset="2"/>
+                          </a:rPr>
+                          <m:t>𝜎</m:t>
+                        </m:r>
+                      </m:e>
+                      <m:sub>
+                        <m:r>
+                          <a:rPr lang="en-US" sz="1400" b="0" i="1" smtClean="0">
+                            <a:latin typeface="Cambria Math" panose="02040503050406030204" pitchFamily="18" charset="0"/>
+                            <a:sym typeface="Wingdings" pitchFamily="2" charset="2"/>
+                          </a:rPr>
+                          <m:t>0</m:t>
+                        </m:r>
+                      </m:sub>
+                    </m:sSub>
+                  </m:oMath>
+                </a14:m>
+                <a:r>
+                  <a:rPr lang="en-US" sz="1400" dirty="0">
+                    <a:sym typeface="Wingdings" pitchFamily="2" charset="2"/>
+                  </a:rPr>
+                  <a:t>, </a:t>
+                </a:r>
+              </a:p>
+              <a:p>
+                <a:pPr>
+                  <a:lnSpc>
+                    <a:spcPct val="150000"/>
+                  </a:lnSpc>
+                  <a:buClr>
+                    <a:srgbClr val="C00000"/>
+                  </a:buClr>
+                </a:pPr>
+                <a:r>
+                  <a:rPr lang="en-US" sz="1400" dirty="0">
+                    <a:sym typeface="Wingdings" pitchFamily="2" charset="2"/>
+                  </a:rPr>
+                  <a:t>Expected value of loss function:</a:t>
+                </a:r>
+              </a:p>
+              <a:p>
+                <a:pPr>
+                  <a:lnSpc>
+                    <a:spcPct val="150000"/>
+                  </a:lnSpc>
+                  <a:buClr>
+                    <a:srgbClr val="C00000"/>
+                  </a:buClr>
+                </a:pPr>
+                <a:endParaRPr lang="en-US" sz="1400" dirty="0">
+                  <a:sym typeface="Wingdings" pitchFamily="2" charset="2"/>
+                </a:endParaRPr>
+              </a:p>
+              <a:p>
+                <a:pPr>
+                  <a:lnSpc>
+                    <a:spcPct val="150000"/>
+                  </a:lnSpc>
+                  <a:buClr>
+                    <a:srgbClr val="C00000"/>
+                  </a:buClr>
+                </a:pPr>
+                <a:endParaRPr lang="en-US" sz="1400" dirty="0">
+                  <a:sym typeface="Wingdings" pitchFamily="2" charset="2"/>
+                </a:endParaRPr>
+              </a:p>
+              <a:p>
+                <a:pPr>
+                  <a:lnSpc>
+                    <a:spcPct val="150000"/>
+                  </a:lnSpc>
+                  <a:buClr>
+                    <a:srgbClr val="C00000"/>
+                  </a:buClr>
+                </a:pPr>
+                <a:r>
+                  <a:rPr lang="en-US" sz="1400" dirty="0">
+                    <a:sym typeface="Wingdings" pitchFamily="2" charset="2"/>
+                  </a:rPr>
+                  <a:t>Minimize over buy quantity </a:t>
+                </a:r>
+                <a14:m>
+                  <m:oMath xmlns:m="http://schemas.openxmlformats.org/officeDocument/2006/math">
+                    <m:sSub>
+                      <m:sSubPr>
+                        <m:ctrlPr>
+                          <a:rPr lang="en-US" sz="1400" b="0" i="1" smtClean="0">
+                            <a:latin typeface="Cambria Math" panose="02040503050406030204" pitchFamily="18" charset="0"/>
+                            <a:sym typeface="Wingdings" pitchFamily="2" charset="2"/>
+                          </a:rPr>
+                        </m:ctrlPr>
+                      </m:sSubPr>
+                      <m:e>
+                        <m:r>
+                          <a:rPr lang="en-US" sz="1400" b="0" i="1" smtClean="0">
+                            <a:latin typeface="Cambria Math" panose="02040503050406030204" pitchFamily="18" charset="0"/>
+                            <a:sym typeface="Wingdings" pitchFamily="2" charset="2"/>
+                          </a:rPr>
+                          <m:t>𝑏</m:t>
+                        </m:r>
+                      </m:e>
+                      <m:sub>
+                        <m:r>
+                          <a:rPr lang="en-US" sz="1400" b="0" i="1" smtClean="0">
+                            <a:latin typeface="Cambria Math" panose="02040503050406030204" pitchFamily="18" charset="0"/>
+                            <a:sym typeface="Wingdings" pitchFamily="2" charset="2"/>
+                          </a:rPr>
+                          <m:t>0</m:t>
+                        </m:r>
+                      </m:sub>
+                    </m:sSub>
+                  </m:oMath>
+                </a14:m>
+                <a:endParaRPr lang="en-US" sz="1400" dirty="0">
+                  <a:sym typeface="Wingdings" pitchFamily="2" charset="2"/>
+                </a:endParaRPr>
+              </a:p>
+            </p:txBody>
+          </p:sp>
+        </mc:Choice>
+        <mc:Fallback>
+          <p:sp>
+            <p:nvSpPr>
+              <p:cNvPr id="4" name="Text Placeholder 3">
+                <a:extLst>
+                  <a:ext uri="{FF2B5EF4-FFF2-40B4-BE49-F238E27FC236}">
+                    <a16:creationId xmlns:a16="http://schemas.microsoft.com/office/drawing/2014/main" id="{E5CA33FE-16F9-7F48-BA4D-F8CA50A6E268}"/>
+                  </a:ext>
+                </a:extLst>
+              </p:cNvPr>
+              <p:cNvSpPr>
+                <a:spLocks noGrp="1" noRot="1" noChangeAspect="1" noMove="1" noResize="1" noEditPoints="1" noAdjustHandles="1" noChangeArrowheads="1" noChangeShapeType="1" noTextEdit="1"/>
+              </p:cNvSpPr>
+              <p:nvPr>
+                <p:ph type="body" sz="quarter" idx="25"/>
+              </p:nvPr>
+            </p:nvSpPr>
+            <p:spPr>
+              <a:xfrm>
+                <a:off x="582660" y="1047750"/>
+                <a:ext cx="7430189" cy="4038600"/>
+              </a:xfrm>
+              <a:blipFill>
+                <a:blip r:embed="rId2"/>
+                <a:stretch>
+                  <a:fillRect l="-683"/>
+                </a:stretch>
+              </a:blipFill>
+            </p:spPr>
+            <p:txBody>
+              <a:bodyPr/>
+              <a:lstStyle/>
+              <a:p>
+                <a:r>
+                  <a:rPr lang="en-US">
+                    <a:noFill/>
+                  </a:rPr>
+                  <a:t> </a:t>
+                </a:r>
+              </a:p>
+            </p:txBody>
+          </p:sp>
+        </mc:Fallback>
+      </mc:AlternateContent>
+      <p:sp>
+        <p:nvSpPr>
+          <p:cNvPr id="5" name="TextBox 4">
+            <a:extLst>
+              <a:ext uri="{FF2B5EF4-FFF2-40B4-BE49-F238E27FC236}">
+                <a16:creationId xmlns:a16="http://schemas.microsoft.com/office/drawing/2014/main" id="{80C9E4D3-A261-AD46-AD50-86C8FF7A981A}"/>
+              </a:ext>
+            </a:extLst>
+          </p:cNvPr>
+          <p:cNvSpPr txBox="1"/>
+          <p:nvPr/>
+        </p:nvSpPr>
+        <p:spPr bwMode="gray">
+          <a:xfrm>
+            <a:off x="1030514" y="493486"/>
+            <a:ext cx="0" cy="0"/>
+          </a:xfrm>
+          <a:prstGeom prst="rect">
+            <a:avLst/>
+          </a:prstGeom>
+          <a:noFill/>
+          <a:ln w="12700" cap="sq">
+            <a:noFill/>
+            <a:miter lim="800000"/>
+          </a:ln>
+        </p:spPr>
+        <p:txBody>
+          <a:bodyPr vert="horz" wrap="none" lIns="0" tIns="0" rIns="0" bIns="0" rtlCol="0" anchor="t" anchorCtr="0">
+            <a:noAutofit/>
+          </a:bodyPr>
+          <a:lstStyle/>
+          <a:p>
+            <a:pPr>
+              <a:lnSpc>
+                <a:spcPct val="90000"/>
+              </a:lnSpc>
+            </a:pPr>
+            <a:endParaRPr lang="en-US" sz="1200" dirty="0">
+              <a:latin typeface="AdihausDIN" panose="020B0504020101020102" pitchFamily="34" charset="0"/>
+              <a:cs typeface="AdihausDIN" panose="020B0504020101020102" pitchFamily="34" charset="0"/>
+            </a:endParaRPr>
+          </a:p>
+        </p:txBody>
+      </p:sp>
+      <p:pic>
+        <p:nvPicPr>
+          <p:cNvPr id="9" name="Picture 8">
+            <a:extLst>
+              <a:ext uri="{FF2B5EF4-FFF2-40B4-BE49-F238E27FC236}">
+                <a16:creationId xmlns:a16="http://schemas.microsoft.com/office/drawing/2014/main" id="{8D034438-E481-DB4C-BC65-6DE6CB2FDDE7}"/>
+              </a:ext>
+            </a:extLst>
+          </p:cNvPr>
+          <p:cNvPicPr>
+            <a:picLocks noChangeAspect="1"/>
+          </p:cNvPicPr>
+          <p:nvPr/>
+        </p:nvPicPr>
+        <p:blipFill>
+          <a:blip r:embed="rId3"/>
+          <a:stretch>
+            <a:fillRect/>
+          </a:stretch>
+        </p:blipFill>
+        <p:spPr>
+          <a:xfrm>
+            <a:off x="914400" y="3562350"/>
+            <a:ext cx="2698750" cy="856600"/>
+          </a:xfrm>
+          <a:prstGeom prst="rect">
+            <a:avLst/>
+          </a:prstGeom>
+        </p:spPr>
+      </p:pic>
+      <p:pic>
+        <p:nvPicPr>
+          <p:cNvPr id="11" name="Picture 10">
+            <a:extLst>
+              <a:ext uri="{FF2B5EF4-FFF2-40B4-BE49-F238E27FC236}">
+                <a16:creationId xmlns:a16="http://schemas.microsoft.com/office/drawing/2014/main" id="{3E91CB83-D636-C94F-B920-4DEFEEB65940}"/>
+              </a:ext>
+            </a:extLst>
+          </p:cNvPr>
+          <p:cNvPicPr>
+            <a:picLocks noChangeAspect="1"/>
+          </p:cNvPicPr>
+          <p:nvPr/>
+        </p:nvPicPr>
+        <p:blipFill>
+          <a:blip r:embed="rId4"/>
+          <a:stretch>
+            <a:fillRect/>
+          </a:stretch>
+        </p:blipFill>
+        <p:spPr>
+          <a:xfrm>
+            <a:off x="4598905" y="1709581"/>
+            <a:ext cx="3733800" cy="2702902"/>
+          </a:xfrm>
+          <a:prstGeom prst="rect">
+            <a:avLst/>
+          </a:prstGeom>
+        </p:spPr>
+      </p:pic>
+    </p:spTree>
+    <p:extLst>
+      <p:ext uri="{BB962C8B-B14F-4D97-AF65-F5344CB8AC3E}">
+        <p14:creationId xmlns:p14="http://schemas.microsoft.com/office/powerpoint/2010/main" val="1229577492"/>
+      </p:ext>
+    </p:extLst>
+  </p:cSld>
+  <p:clrMapOvr>
+    <a:masterClrMapping/>
+  </p:clrMapOvr>
+  <p:transition spd="med">
+    <p:fade/>
+  </p:transition>
+</p:sld>
+</file>
+
+<file path=ppt/slides/slide2.xml><?xml version="1.0" encoding="utf-8"?>
+<p:sld xmlns:a="http://schemas.openxmlformats.org/drawingml/2006/main" xmlns:r="http://schemas.openxmlformats.org/officeDocument/2006/relationships" xmlns:p="http://schemas.openxmlformats.org/presentationml/2006/main">
+  <p:cSld>
+    <p:spTree>
+      <p:nvGrpSpPr>
+        <p:cNvPr id="1" name=""/>
+        <p:cNvGrpSpPr/>
+        <p:nvPr/>
+      </p:nvGrpSpPr>
+      <p:grpSpPr>
+        <a:xfrm>
+          <a:off x="0" y="0"/>
+          <a:ext cx="0" cy="0"/>
+          <a:chOff x="0" y="0"/>
+          <a:chExt cx="0" cy="0"/>
+        </a:xfrm>
+      </p:grpSpPr>
+      <p:sp>
+        <p:nvSpPr>
+          <p:cNvPr id="2" name="Title 1">
+            <a:extLst>
+              <a:ext uri="{FF2B5EF4-FFF2-40B4-BE49-F238E27FC236}">
+                <a16:creationId xmlns:a16="http://schemas.microsoft.com/office/drawing/2014/main" id="{CAF613A6-9041-5F44-BE61-463E01BC016F}"/>
+              </a:ext>
+            </a:extLst>
+          </p:cNvPr>
+          <p:cNvSpPr>
+            <a:spLocks noGrp="1"/>
+          </p:cNvSpPr>
+          <p:nvPr>
+            <p:ph type="title"/>
+          </p:nvPr>
+        </p:nvSpPr>
+        <p:spPr>
+          <a:xfrm>
+            <a:off x="358775" y="303213"/>
+            <a:ext cx="8426450" cy="539750"/>
+          </a:xfrm>
+        </p:spPr>
+        <p:txBody>
+          <a:bodyPr>
+            <a:normAutofit fontScale="90000"/>
+          </a:bodyPr>
+          <a:lstStyle/>
+          <a:p>
+            <a:pPr algn="ctr"/>
+            <a:r>
+              <a:rPr lang="en-US" sz="2400" dirty="0"/>
+              <a:t>Demand forecasting</a:t>
+            </a:r>
+            <a:br>
+              <a:rPr lang="en-US" sz="2400" dirty="0"/>
+            </a:br>
+            <a:r>
+              <a:rPr lang="en-US" sz="2400" dirty="0">
+                <a:solidFill>
+                  <a:srgbClr val="C00000"/>
+                </a:solidFill>
+              </a:rPr>
+              <a:t>optimizing overestimation</a:t>
+            </a:r>
+            <a:br>
+              <a:rPr lang="en-US" sz="2400" dirty="0">
+                <a:solidFill>
+                  <a:schemeClr val="accent6"/>
+                </a:solidFill>
+              </a:rPr>
+            </a:br>
+            <a:endParaRPr lang="en-US" sz="2400" dirty="0">
+              <a:solidFill>
+                <a:schemeClr val="accent6"/>
+              </a:solidFill>
+            </a:endParaRPr>
+          </a:p>
+        </p:txBody>
+      </p:sp>
+      <p:sp>
+        <p:nvSpPr>
+          <p:cNvPr id="3" name="Slide Number Placeholder 2">
+            <a:extLst>
+              <a:ext uri="{FF2B5EF4-FFF2-40B4-BE49-F238E27FC236}">
+                <a16:creationId xmlns:a16="http://schemas.microsoft.com/office/drawing/2014/main" id="{A14C6C5B-4153-C24D-8FD1-BFD92F4AFFFF}"/>
+              </a:ext>
+            </a:extLst>
+          </p:cNvPr>
+          <p:cNvSpPr>
+            <a:spLocks noGrp="1"/>
+          </p:cNvSpPr>
+          <p:nvPr>
+            <p:ph type="sldNum" sz="quarter" idx="24"/>
+          </p:nvPr>
+        </p:nvSpPr>
+        <p:spPr/>
+        <p:txBody>
+          <a:bodyPr/>
+          <a:lstStyle/>
+          <a:p>
+            <a:pPr>
+              <a:defRPr/>
+            </a:pPr>
+            <a:fld id="{66C8B3C2-955F-42B1-8DED-EE47D723596C}" type="slidenum">
+              <a:rPr lang="en-US" smtClean="0"/>
+              <a:pPr>
+                <a:defRPr/>
+              </a:pPr>
+              <a:t>2</a:t>
+            </a:fld>
+            <a:endParaRPr lang="en-US" dirty="0"/>
+          </a:p>
+        </p:txBody>
+      </p:sp>
+      <p:sp>
+        <p:nvSpPr>
+          <p:cNvPr id="4" name="Text Placeholder 3">
+            <a:extLst>
+              <a:ext uri="{FF2B5EF4-FFF2-40B4-BE49-F238E27FC236}">
+                <a16:creationId xmlns:a16="http://schemas.microsoft.com/office/drawing/2014/main" id="{E5CA33FE-16F9-7F48-BA4D-F8CA50A6E268}"/>
+              </a:ext>
+            </a:extLst>
+          </p:cNvPr>
+          <p:cNvSpPr>
+            <a:spLocks noGrp="1"/>
+          </p:cNvSpPr>
+          <p:nvPr>
+            <p:ph type="body" sz="quarter" idx="25"/>
+          </p:nvPr>
+        </p:nvSpPr>
+        <p:spPr>
+          <a:xfrm>
+            <a:off x="582660" y="1047750"/>
+            <a:ext cx="7430189" cy="4038600"/>
+          </a:xfrm>
+        </p:spPr>
+        <p:txBody>
+          <a:bodyPr numCol="1">
+            <a:normAutofit/>
+          </a:bodyPr>
+          <a:lstStyle/>
+          <a:p>
+            <a:pPr>
+              <a:lnSpc>
+                <a:spcPct val="100000"/>
+              </a:lnSpc>
+            </a:pPr>
+            <a:endParaRPr lang="en-US" sz="1400" dirty="0"/>
+          </a:p>
+          <a:p>
+            <a:pPr>
+              <a:lnSpc>
+                <a:spcPct val="150000"/>
+              </a:lnSpc>
+              <a:buClr>
+                <a:srgbClr val="C00000"/>
+              </a:buClr>
+            </a:pPr>
+            <a:r>
+              <a:rPr lang="en-US" sz="1400" dirty="0">
+                <a:sym typeface="Wingdings" pitchFamily="2" charset="2"/>
+              </a:rPr>
+              <a:t>How can we maximize profits per article given cost/margin asymmetry? </a:t>
+            </a:r>
+          </a:p>
+          <a:p>
+            <a:pPr>
+              <a:lnSpc>
+                <a:spcPct val="150000"/>
+              </a:lnSpc>
+              <a:buClr>
+                <a:srgbClr val="C00000"/>
+              </a:buClr>
+            </a:pPr>
+            <a:r>
+              <a:rPr lang="en-US" sz="1400" dirty="0">
+                <a:sym typeface="Wingdings" pitchFamily="2" charset="2"/>
+              </a:rPr>
+              <a:t>I propose a framework and solution </a:t>
+            </a:r>
+          </a:p>
+          <a:p>
+            <a:pPr lvl="1">
+              <a:lnSpc>
+                <a:spcPct val="150000"/>
+              </a:lnSpc>
+              <a:buClr>
+                <a:srgbClr val="C00000"/>
+              </a:buClr>
+            </a:pPr>
+            <a:r>
+              <a:rPr lang="en-US" sz="1400" dirty="0">
+                <a:sym typeface="Wingdings" pitchFamily="2" charset="2"/>
+              </a:rPr>
+              <a:t>Incorporate our prediction </a:t>
+            </a:r>
+            <a:r>
+              <a:rPr lang="en-US" sz="1400" b="1" dirty="0">
+                <a:sym typeface="Wingdings" pitchFamily="2" charset="2"/>
+              </a:rPr>
+              <a:t>and</a:t>
+            </a:r>
+            <a:r>
+              <a:rPr lang="en-US" sz="1400" dirty="0">
+                <a:sym typeface="Wingdings" pitchFamily="2" charset="2"/>
+              </a:rPr>
+              <a:t> uncertainty</a:t>
+            </a:r>
+          </a:p>
+          <a:p>
+            <a:pPr lvl="1">
+              <a:lnSpc>
+                <a:spcPct val="150000"/>
+              </a:lnSpc>
+              <a:buClr>
+                <a:srgbClr val="C00000"/>
+              </a:buClr>
+            </a:pPr>
+            <a:r>
+              <a:rPr lang="en-US" sz="1400" dirty="0">
+                <a:sym typeface="Wingdings" pitchFamily="2" charset="2"/>
+              </a:rPr>
+              <a:t>Incorporate article margin and cost</a:t>
+            </a:r>
+            <a:endParaRPr lang="en-US" sz="1400" dirty="0"/>
+          </a:p>
+        </p:txBody>
+      </p:sp>
+      <p:sp>
+        <p:nvSpPr>
+          <p:cNvPr id="5" name="TextBox 4">
+            <a:extLst>
+              <a:ext uri="{FF2B5EF4-FFF2-40B4-BE49-F238E27FC236}">
+                <a16:creationId xmlns:a16="http://schemas.microsoft.com/office/drawing/2014/main" id="{80C9E4D3-A261-AD46-AD50-86C8FF7A981A}"/>
+              </a:ext>
+            </a:extLst>
+          </p:cNvPr>
+          <p:cNvSpPr txBox="1"/>
+          <p:nvPr/>
+        </p:nvSpPr>
+        <p:spPr bwMode="gray">
+          <a:xfrm>
+            <a:off x="1030514" y="493486"/>
+            <a:ext cx="0" cy="0"/>
+          </a:xfrm>
+          <a:prstGeom prst="rect">
+            <a:avLst/>
+          </a:prstGeom>
+          <a:noFill/>
+          <a:ln w="12700" cap="sq">
+            <a:noFill/>
+            <a:miter lim="800000"/>
+          </a:ln>
+        </p:spPr>
+        <p:txBody>
+          <a:bodyPr vert="horz" wrap="none" lIns="0" tIns="0" rIns="0" bIns="0" rtlCol="0" anchor="t" anchorCtr="0">
+            <a:noAutofit/>
+          </a:bodyPr>
+          <a:lstStyle/>
+          <a:p>
+            <a:pPr>
+              <a:lnSpc>
+                <a:spcPct val="90000"/>
+              </a:lnSpc>
+            </a:pPr>
+            <a:endParaRPr lang="en-US" sz="1200" dirty="0">
+              <a:latin typeface="AdihausDIN" panose="020B0504020101020102" pitchFamily="34" charset="0"/>
+              <a:cs typeface="AdihausDIN" panose="020B0504020101020102" pitchFamily="34" charset="0"/>
+            </a:endParaRPr>
+          </a:p>
+        </p:txBody>
+      </p:sp>
+      <p:pic>
+        <p:nvPicPr>
+          <p:cNvPr id="7" name="Picture 6">
+            <a:extLst>
+              <a:ext uri="{FF2B5EF4-FFF2-40B4-BE49-F238E27FC236}">
+                <a16:creationId xmlns:a16="http://schemas.microsoft.com/office/drawing/2014/main" id="{C260E966-CB3D-CA44-A8D5-0E9D7B0EAFBA}"/>
+              </a:ext>
+            </a:extLst>
+          </p:cNvPr>
+          <p:cNvPicPr>
+            <a:picLocks noChangeAspect="1"/>
+          </p:cNvPicPr>
+          <p:nvPr/>
+        </p:nvPicPr>
+        <p:blipFill>
+          <a:blip r:embed="rId2"/>
+          <a:stretch>
+            <a:fillRect/>
+          </a:stretch>
+        </p:blipFill>
+        <p:spPr>
+          <a:xfrm>
+            <a:off x="4608863" y="2961919"/>
+            <a:ext cx="3790173" cy="1668025"/>
+          </a:xfrm>
+          <a:prstGeom prst="rect">
+            <a:avLst/>
+          </a:prstGeom>
+        </p:spPr>
+      </p:pic>
+    </p:spTree>
+    <p:extLst>
+      <p:ext uri="{BB962C8B-B14F-4D97-AF65-F5344CB8AC3E}">
+        <p14:creationId xmlns:p14="http://schemas.microsoft.com/office/powerpoint/2010/main" val="830774238"/>
+      </p:ext>
+    </p:extLst>
+  </p:cSld>
+  <p:clrMapOvr>
+    <a:masterClrMapping/>
+  </p:clrMapOvr>
+  <p:transition spd="med">
+    <p:fade/>
+  </p:transition>
+</p:sld>
+</file>
+
+<file path=ppt/slides/slide3.xml><?xml version="1.0" encoding="utf-8"?>
+<p:sld xmlns:a="http://schemas.openxmlformats.org/drawingml/2006/main" xmlns:r="http://schemas.openxmlformats.org/officeDocument/2006/relationships" xmlns:p="http://schemas.openxmlformats.org/presentationml/2006/main">
+  <p:cSld>
+    <p:spTree>
+      <p:nvGrpSpPr>
+        <p:cNvPr id="1" name=""/>
+        <p:cNvGrpSpPr/>
+        <p:nvPr/>
+      </p:nvGrpSpPr>
+      <p:grpSpPr>
+        <a:xfrm>
+          <a:off x="0" y="0"/>
+          <a:ext cx="0" cy="0"/>
+          <a:chOff x="0" y="0"/>
+          <a:chExt cx="0" cy="0"/>
+        </a:xfrm>
+      </p:grpSpPr>
+      <p:sp>
+        <p:nvSpPr>
+          <p:cNvPr id="2" name="Title 1">
+            <a:extLst>
+              <a:ext uri="{FF2B5EF4-FFF2-40B4-BE49-F238E27FC236}">
+                <a16:creationId xmlns:a16="http://schemas.microsoft.com/office/drawing/2014/main" id="{CAF613A6-9041-5F44-BE61-463E01BC016F}"/>
+              </a:ext>
+            </a:extLst>
+          </p:cNvPr>
+          <p:cNvSpPr>
+            <a:spLocks noGrp="1"/>
+          </p:cNvSpPr>
+          <p:nvPr>
+            <p:ph type="title"/>
+          </p:nvPr>
+        </p:nvSpPr>
+        <p:spPr>
+          <a:xfrm>
+            <a:off x="358775" y="303213"/>
+            <a:ext cx="8426450" cy="539750"/>
+          </a:xfrm>
+        </p:spPr>
+        <p:txBody>
+          <a:bodyPr>
+            <a:normAutofit fontScale="90000"/>
+          </a:bodyPr>
+          <a:lstStyle/>
+          <a:p>
+            <a:pPr algn="ctr"/>
+            <a:r>
+              <a:rPr lang="en-US" sz="2400" dirty="0"/>
+              <a:t>Optimizing overestimation</a:t>
+            </a:r>
+            <a:br>
+              <a:rPr lang="en-US" sz="2400" dirty="0"/>
+            </a:br>
+            <a:r>
+              <a:rPr lang="en-US" sz="2400" dirty="0">
+                <a:solidFill>
+                  <a:srgbClr val="C00000"/>
+                </a:solidFill>
+              </a:rPr>
+              <a:t>Prediction distribution</a:t>
+            </a:r>
+            <a:br>
+              <a:rPr lang="en-US" sz="2400" dirty="0">
+                <a:solidFill>
+                  <a:schemeClr val="accent6"/>
+                </a:solidFill>
+              </a:rPr>
+            </a:br>
+            <a:endParaRPr lang="en-US" sz="2400" dirty="0">
+              <a:solidFill>
+                <a:schemeClr val="accent6"/>
+              </a:solidFill>
+            </a:endParaRPr>
+          </a:p>
+        </p:txBody>
+      </p:sp>
+      <p:sp>
+        <p:nvSpPr>
+          <p:cNvPr id="3" name="Slide Number Placeholder 2">
+            <a:extLst>
+              <a:ext uri="{FF2B5EF4-FFF2-40B4-BE49-F238E27FC236}">
+                <a16:creationId xmlns:a16="http://schemas.microsoft.com/office/drawing/2014/main" id="{A14C6C5B-4153-C24D-8FD1-BFD92F4AFFFF}"/>
+              </a:ext>
+            </a:extLst>
+          </p:cNvPr>
+          <p:cNvSpPr>
+            <a:spLocks noGrp="1"/>
+          </p:cNvSpPr>
+          <p:nvPr>
+            <p:ph type="sldNum" sz="quarter" idx="24"/>
+          </p:nvPr>
+        </p:nvSpPr>
+        <p:spPr/>
+        <p:txBody>
+          <a:bodyPr/>
+          <a:lstStyle/>
+          <a:p>
+            <a:pPr>
+              <a:defRPr/>
+            </a:pPr>
+            <a:fld id="{66C8B3C2-955F-42B1-8DED-EE47D723596C}" type="slidenum">
+              <a:rPr lang="en-US" smtClean="0"/>
+              <a:pPr>
+                <a:defRPr/>
+              </a:pPr>
+              <a:t>3</a:t>
+            </a:fld>
+            <a:endParaRPr lang="en-US" dirty="0"/>
+          </a:p>
+        </p:txBody>
+      </p:sp>
+      <p:sp>
+        <p:nvSpPr>
+          <p:cNvPr id="4" name="Text Placeholder 3">
+            <a:extLst>
+              <a:ext uri="{FF2B5EF4-FFF2-40B4-BE49-F238E27FC236}">
+                <a16:creationId xmlns:a16="http://schemas.microsoft.com/office/drawing/2014/main" id="{E5CA33FE-16F9-7F48-BA4D-F8CA50A6E268}"/>
+              </a:ext>
+            </a:extLst>
+          </p:cNvPr>
+          <p:cNvSpPr>
+            <a:spLocks noGrp="1"/>
+          </p:cNvSpPr>
+          <p:nvPr>
+            <p:ph type="body" sz="quarter" idx="25"/>
+          </p:nvPr>
+        </p:nvSpPr>
+        <p:spPr>
+          <a:xfrm>
+            <a:off x="582660" y="842963"/>
+            <a:ext cx="7430189" cy="4243387"/>
+          </a:xfrm>
+        </p:spPr>
+        <p:txBody>
+          <a:bodyPr numCol="1">
+            <a:normAutofit/>
+          </a:bodyPr>
+          <a:lstStyle/>
+          <a:p>
+            <a:pPr>
+              <a:lnSpc>
+                <a:spcPct val="100000"/>
+              </a:lnSpc>
+            </a:pPr>
+            <a:endParaRPr lang="en-US" sz="1400" dirty="0"/>
+          </a:p>
+          <a:p>
+            <a:pPr>
+              <a:lnSpc>
+                <a:spcPct val="150000"/>
+              </a:lnSpc>
+              <a:buClr>
+                <a:srgbClr val="C00000"/>
+              </a:buClr>
+            </a:pPr>
+            <a:r>
+              <a:rPr lang="en-US" sz="1400" dirty="0">
+                <a:sym typeface="Wingdings" pitchFamily="2" charset="2"/>
+              </a:rPr>
+              <a:t>Suppose we predict these Stan Smiths (G27706) will sell 38000 units </a:t>
+            </a:r>
+          </a:p>
+          <a:p>
+            <a:pPr>
+              <a:lnSpc>
+                <a:spcPct val="150000"/>
+              </a:lnSpc>
+              <a:buClr>
+                <a:srgbClr val="C00000"/>
+              </a:buClr>
+            </a:pPr>
+            <a:r>
+              <a:rPr lang="en-US" sz="1400" dirty="0">
+                <a:sym typeface="Wingdings" pitchFamily="2" charset="2"/>
+              </a:rPr>
+              <a:t>We make our prediction as a distribution, rather than point estimate</a:t>
+            </a:r>
+          </a:p>
+          <a:p>
+            <a:pPr lvl="1">
+              <a:lnSpc>
+                <a:spcPct val="150000"/>
+              </a:lnSpc>
+              <a:buClr>
+                <a:srgbClr val="C00000"/>
+              </a:buClr>
+            </a:pPr>
+            <a:r>
+              <a:rPr lang="en-US" sz="1400" dirty="0">
+                <a:sym typeface="Wingdings" pitchFamily="2" charset="2"/>
+              </a:rPr>
+              <a:t>This more accurately reflects reality, and statistical modelling</a:t>
+            </a:r>
+          </a:p>
+          <a:p>
+            <a:pPr>
+              <a:lnSpc>
+                <a:spcPct val="150000"/>
+              </a:lnSpc>
+              <a:buClr>
+                <a:srgbClr val="C00000"/>
+              </a:buClr>
+            </a:pPr>
+            <a:r>
+              <a:rPr lang="en-US" sz="1400" dirty="0">
+                <a:sym typeface="Wingdings" pitchFamily="2" charset="2"/>
+              </a:rPr>
+              <a:t>A distribution incorporates a degree of confidence</a:t>
+            </a:r>
+          </a:p>
+          <a:p>
+            <a:pPr lvl="1">
+              <a:lnSpc>
+                <a:spcPct val="150000"/>
+              </a:lnSpc>
+              <a:buClr>
+                <a:srgbClr val="C00000"/>
+              </a:buClr>
+            </a:pPr>
+            <a:r>
+              <a:rPr lang="en-US" sz="1400" dirty="0">
+                <a:sym typeface="Wingdings" pitchFamily="2" charset="2"/>
+              </a:rPr>
+              <a:t>DAA, buyers, tea leaves, crystal ball, Artem</a:t>
+            </a:r>
+          </a:p>
+          <a:p>
+            <a:pPr lvl="1">
+              <a:lnSpc>
+                <a:spcPct val="150000"/>
+              </a:lnSpc>
+            </a:pPr>
+            <a:endParaRPr lang="en-US" sz="1400" dirty="0">
+              <a:sym typeface="Wingdings" pitchFamily="2" charset="2"/>
+            </a:endParaRPr>
+          </a:p>
+          <a:p>
+            <a:pPr marL="40050" indent="0">
+              <a:lnSpc>
+                <a:spcPct val="150000"/>
+              </a:lnSpc>
+              <a:buNone/>
+            </a:pPr>
+            <a:endParaRPr lang="en-US" sz="1400" dirty="0">
+              <a:sym typeface="Wingdings" pitchFamily="2" charset="2"/>
+            </a:endParaRPr>
+          </a:p>
+        </p:txBody>
+      </p:sp>
+      <p:sp>
+        <p:nvSpPr>
+          <p:cNvPr id="5" name="TextBox 4">
+            <a:extLst>
+              <a:ext uri="{FF2B5EF4-FFF2-40B4-BE49-F238E27FC236}">
+                <a16:creationId xmlns:a16="http://schemas.microsoft.com/office/drawing/2014/main" id="{80C9E4D3-A261-AD46-AD50-86C8FF7A981A}"/>
+              </a:ext>
+            </a:extLst>
+          </p:cNvPr>
+          <p:cNvSpPr txBox="1"/>
+          <p:nvPr/>
+        </p:nvSpPr>
+        <p:spPr bwMode="gray">
+          <a:xfrm>
+            <a:off x="1030514" y="493486"/>
+            <a:ext cx="0" cy="0"/>
+          </a:xfrm>
+          <a:prstGeom prst="rect">
+            <a:avLst/>
+          </a:prstGeom>
+          <a:noFill/>
+          <a:ln w="12700" cap="sq">
+            <a:noFill/>
+            <a:miter lim="800000"/>
+          </a:ln>
+        </p:spPr>
+        <p:txBody>
+          <a:bodyPr vert="horz" wrap="none" lIns="0" tIns="0" rIns="0" bIns="0" rtlCol="0" anchor="t" anchorCtr="0">
+            <a:noAutofit/>
+          </a:bodyPr>
+          <a:lstStyle/>
+          <a:p>
+            <a:pPr>
+              <a:lnSpc>
+                <a:spcPct val="90000"/>
+              </a:lnSpc>
+            </a:pPr>
+            <a:endParaRPr lang="en-US" sz="1200" dirty="0">
+              <a:latin typeface="AdihausDIN" panose="020B0504020101020102" pitchFamily="34" charset="0"/>
+              <a:cs typeface="AdihausDIN" panose="020B0504020101020102" pitchFamily="34" charset="0"/>
+            </a:endParaRPr>
+          </a:p>
+        </p:txBody>
+      </p:sp>
+      <p:pic>
+        <p:nvPicPr>
+          <p:cNvPr id="8" name="Picture 7">
+            <a:extLst>
+              <a:ext uri="{FF2B5EF4-FFF2-40B4-BE49-F238E27FC236}">
+                <a16:creationId xmlns:a16="http://schemas.microsoft.com/office/drawing/2014/main" id="{1A893309-A60C-9046-8CA4-A72D701946FC}"/>
+              </a:ext>
+            </a:extLst>
+          </p:cNvPr>
+          <p:cNvPicPr>
+            <a:picLocks noChangeAspect="1"/>
+          </p:cNvPicPr>
+          <p:nvPr/>
+        </p:nvPicPr>
+        <p:blipFill>
+          <a:blip r:embed="rId2"/>
+          <a:stretch>
+            <a:fillRect/>
+          </a:stretch>
+        </p:blipFill>
+        <p:spPr>
+          <a:xfrm>
+            <a:off x="4953000" y="2964656"/>
+            <a:ext cx="3674636" cy="1617178"/>
+          </a:xfrm>
+          <a:prstGeom prst="rect">
+            <a:avLst/>
+          </a:prstGeom>
+        </p:spPr>
+      </p:pic>
+    </p:spTree>
+    <p:extLst>
+      <p:ext uri="{BB962C8B-B14F-4D97-AF65-F5344CB8AC3E}">
+        <p14:creationId xmlns:p14="http://schemas.microsoft.com/office/powerpoint/2010/main" val="1082324226"/>
+      </p:ext>
+    </p:extLst>
+  </p:cSld>
+  <p:clrMapOvr>
+    <a:masterClrMapping/>
+  </p:clrMapOvr>
+  <p:transition spd="med">
+    <p:fade/>
+  </p:transition>
+</p:sld>
+</file>
+
+<file path=ppt/slides/slide4.xml><?xml version="1.0" encoding="utf-8"?>
+<p:sld xmlns:a="http://schemas.openxmlformats.org/drawingml/2006/main" xmlns:r="http://schemas.openxmlformats.org/officeDocument/2006/relationships" xmlns:p="http://schemas.openxmlformats.org/presentationml/2006/main">
+  <p:cSld>
+    <p:spTree>
+      <p:nvGrpSpPr>
+        <p:cNvPr id="1" name=""/>
+        <p:cNvGrpSpPr/>
+        <p:nvPr/>
+      </p:nvGrpSpPr>
+      <p:grpSpPr>
+        <a:xfrm>
+          <a:off x="0" y="0"/>
+          <a:ext cx="0" cy="0"/>
+          <a:chOff x="0" y="0"/>
+          <a:chExt cx="0" cy="0"/>
+        </a:xfrm>
+      </p:grpSpPr>
+      <p:sp>
+        <p:nvSpPr>
+          <p:cNvPr id="2" name="Title 1">
+            <a:extLst>
+              <a:ext uri="{FF2B5EF4-FFF2-40B4-BE49-F238E27FC236}">
+                <a16:creationId xmlns:a16="http://schemas.microsoft.com/office/drawing/2014/main" id="{CAF613A6-9041-5F44-BE61-463E01BC016F}"/>
+              </a:ext>
+            </a:extLst>
+          </p:cNvPr>
+          <p:cNvSpPr>
+            <a:spLocks noGrp="1"/>
+          </p:cNvSpPr>
+          <p:nvPr>
+            <p:ph type="title"/>
+          </p:nvPr>
+        </p:nvSpPr>
+        <p:spPr>
+          <a:xfrm>
+            <a:off x="358775" y="303213"/>
+            <a:ext cx="8426450" cy="539750"/>
+          </a:xfrm>
+        </p:spPr>
+        <p:txBody>
+          <a:bodyPr>
+            <a:normAutofit fontScale="90000"/>
+          </a:bodyPr>
+          <a:lstStyle/>
+          <a:p>
+            <a:pPr algn="ctr"/>
+            <a:r>
+              <a:rPr lang="en-US" sz="2400" dirty="0"/>
+              <a:t>Optimizing overestimation</a:t>
+            </a:r>
+            <a:br>
+              <a:rPr lang="en-US" sz="2400" dirty="0"/>
+            </a:br>
+            <a:r>
+              <a:rPr lang="en-US" sz="2400" dirty="0">
+                <a:solidFill>
+                  <a:srgbClr val="C00000"/>
+                </a:solidFill>
+              </a:rPr>
+              <a:t>Prediction distribution</a:t>
+            </a:r>
+            <a:br>
+              <a:rPr lang="en-US" sz="2400" dirty="0">
+                <a:solidFill>
+                  <a:schemeClr val="accent6"/>
+                </a:solidFill>
+              </a:rPr>
+            </a:br>
+            <a:endParaRPr lang="en-US" sz="2400" dirty="0">
+              <a:solidFill>
+                <a:schemeClr val="accent6"/>
+              </a:solidFill>
+            </a:endParaRPr>
+          </a:p>
+        </p:txBody>
+      </p:sp>
+      <p:sp>
+        <p:nvSpPr>
+          <p:cNvPr id="3" name="Slide Number Placeholder 2">
+            <a:extLst>
+              <a:ext uri="{FF2B5EF4-FFF2-40B4-BE49-F238E27FC236}">
+                <a16:creationId xmlns:a16="http://schemas.microsoft.com/office/drawing/2014/main" id="{A14C6C5B-4153-C24D-8FD1-BFD92F4AFFFF}"/>
+              </a:ext>
+            </a:extLst>
+          </p:cNvPr>
+          <p:cNvSpPr>
+            <a:spLocks noGrp="1"/>
+          </p:cNvSpPr>
+          <p:nvPr>
+            <p:ph type="sldNum" sz="quarter" idx="24"/>
+          </p:nvPr>
+        </p:nvSpPr>
+        <p:spPr/>
+        <p:txBody>
+          <a:bodyPr/>
+          <a:lstStyle/>
+          <a:p>
+            <a:pPr>
+              <a:defRPr/>
+            </a:pPr>
+            <a:fld id="{66C8B3C2-955F-42B1-8DED-EE47D723596C}" type="slidenum">
+              <a:rPr lang="en-US" smtClean="0"/>
+              <a:pPr>
+                <a:defRPr/>
+              </a:pPr>
+              <a:t>4</a:t>
+            </a:fld>
+            <a:endParaRPr lang="en-US" dirty="0"/>
+          </a:p>
+        </p:txBody>
+      </p:sp>
+      <p:sp>
+        <p:nvSpPr>
+          <p:cNvPr id="4" name="Text Placeholder 3">
+            <a:extLst>
+              <a:ext uri="{FF2B5EF4-FFF2-40B4-BE49-F238E27FC236}">
+                <a16:creationId xmlns:a16="http://schemas.microsoft.com/office/drawing/2014/main" id="{E5CA33FE-16F9-7F48-BA4D-F8CA50A6E268}"/>
+              </a:ext>
+            </a:extLst>
+          </p:cNvPr>
+          <p:cNvSpPr>
+            <a:spLocks noGrp="1"/>
+          </p:cNvSpPr>
+          <p:nvPr>
+            <p:ph type="body" sz="quarter" idx="25"/>
+          </p:nvPr>
+        </p:nvSpPr>
+        <p:spPr>
+          <a:xfrm>
+            <a:off x="582660" y="1047750"/>
+            <a:ext cx="7430189" cy="4038600"/>
+          </a:xfrm>
+        </p:spPr>
+        <p:txBody>
+          <a:bodyPr numCol="2">
+            <a:normAutofit/>
+          </a:bodyPr>
+          <a:lstStyle/>
+          <a:p>
+            <a:pPr>
+              <a:lnSpc>
+                <a:spcPct val="100000"/>
+              </a:lnSpc>
+            </a:pPr>
+            <a:endParaRPr lang="en-US" sz="1400" dirty="0"/>
+          </a:p>
+          <a:p>
+            <a:pPr>
+              <a:lnSpc>
+                <a:spcPct val="150000"/>
+              </a:lnSpc>
+              <a:buClr>
+                <a:srgbClr val="C00000"/>
+              </a:buClr>
+            </a:pPr>
+            <a:r>
+              <a:rPr lang="en-US" sz="1400" dirty="0">
+                <a:sym typeface="Wingdings" pitchFamily="2" charset="2"/>
+              </a:rPr>
+              <a:t>Our prediction as the mean.</a:t>
+            </a:r>
+          </a:p>
+          <a:p>
+            <a:pPr>
+              <a:lnSpc>
+                <a:spcPct val="150000"/>
+              </a:lnSpc>
+              <a:buClr>
+                <a:srgbClr val="C00000"/>
+              </a:buClr>
+            </a:pPr>
+            <a:r>
+              <a:rPr lang="en-US" sz="1400" dirty="0">
+                <a:sym typeface="Wingdings" pitchFamily="2" charset="2"/>
+              </a:rPr>
+              <a:t>Standard deviation reflects confidence</a:t>
+            </a:r>
+          </a:p>
+          <a:p>
+            <a:pPr lvl="1">
+              <a:lnSpc>
+                <a:spcPct val="150000"/>
+              </a:lnSpc>
+              <a:buClr>
+                <a:srgbClr val="C00000"/>
+              </a:buClr>
+            </a:pPr>
+            <a:r>
+              <a:rPr lang="en-US" sz="1400" dirty="0">
+                <a:sym typeface="Wingdings" pitchFamily="2" charset="2"/>
+              </a:rPr>
+              <a:t>Base on model, buyers, article, etc.</a:t>
+            </a:r>
+          </a:p>
+          <a:p>
+            <a:pPr>
+              <a:lnSpc>
+                <a:spcPct val="150000"/>
+              </a:lnSpc>
+              <a:buClr>
+                <a:srgbClr val="C00000"/>
+              </a:buClr>
+            </a:pPr>
+            <a:r>
+              <a:rPr lang="en-US" sz="1400" dirty="0">
+                <a:sym typeface="Wingdings" pitchFamily="2" charset="2"/>
+              </a:rPr>
+              <a:t>Here use Normal(38000, 7000)</a:t>
+            </a:r>
+          </a:p>
+          <a:p>
+            <a:pPr lvl="1">
+              <a:lnSpc>
+                <a:spcPct val="150000"/>
+              </a:lnSpc>
+              <a:buClr>
+                <a:srgbClr val="C00000"/>
+              </a:buClr>
+            </a:pPr>
+            <a:r>
+              <a:rPr lang="en-US" sz="1400" dirty="0">
+                <a:sym typeface="Wingdings" pitchFamily="2" charset="2"/>
+              </a:rPr>
+              <a:t> 95% confident net demand qty will be between 24000 and 52000.</a:t>
+            </a:r>
+          </a:p>
+          <a:p>
+            <a:pPr>
+              <a:lnSpc>
+                <a:spcPct val="150000"/>
+              </a:lnSpc>
+              <a:buClr>
+                <a:srgbClr val="C00000"/>
+              </a:buClr>
+            </a:pPr>
+            <a:r>
+              <a:rPr lang="en-US" sz="1400" dirty="0">
+                <a:sym typeface="Wingdings" pitchFamily="2" charset="2"/>
+              </a:rPr>
+              <a:t>Flexibility/versatility in choosing distribution, mean, and variance.</a:t>
+            </a:r>
+          </a:p>
+          <a:p>
+            <a:pPr marL="40050" indent="0">
+              <a:lnSpc>
+                <a:spcPct val="150000"/>
+              </a:lnSpc>
+              <a:buNone/>
+            </a:pPr>
+            <a:endParaRPr lang="en-US" sz="1400" dirty="0">
+              <a:sym typeface="Wingdings" pitchFamily="2" charset="2"/>
+            </a:endParaRPr>
+          </a:p>
+          <a:p>
+            <a:pPr>
+              <a:lnSpc>
+                <a:spcPct val="150000"/>
+              </a:lnSpc>
+            </a:pPr>
+            <a:endParaRPr lang="en-US" sz="1400" dirty="0">
+              <a:sym typeface="Wingdings" pitchFamily="2" charset="2"/>
+            </a:endParaRPr>
+          </a:p>
+          <a:p>
+            <a:pPr marL="40050" indent="0">
+              <a:lnSpc>
+                <a:spcPct val="150000"/>
+              </a:lnSpc>
+              <a:buNone/>
+            </a:pPr>
+            <a:endParaRPr lang="en-US" sz="1400" dirty="0">
+              <a:sym typeface="Wingdings" pitchFamily="2" charset="2"/>
+            </a:endParaRPr>
+          </a:p>
+        </p:txBody>
+      </p:sp>
+      <p:sp>
+        <p:nvSpPr>
+          <p:cNvPr id="5" name="TextBox 4">
+            <a:extLst>
+              <a:ext uri="{FF2B5EF4-FFF2-40B4-BE49-F238E27FC236}">
+                <a16:creationId xmlns:a16="http://schemas.microsoft.com/office/drawing/2014/main" id="{80C9E4D3-A261-AD46-AD50-86C8FF7A981A}"/>
+              </a:ext>
+            </a:extLst>
+          </p:cNvPr>
+          <p:cNvSpPr txBox="1"/>
+          <p:nvPr/>
+        </p:nvSpPr>
+        <p:spPr bwMode="gray">
+          <a:xfrm>
+            <a:off x="1030514" y="493486"/>
+            <a:ext cx="0" cy="0"/>
+          </a:xfrm>
+          <a:prstGeom prst="rect">
+            <a:avLst/>
+          </a:prstGeom>
+          <a:noFill/>
+          <a:ln w="12700" cap="sq">
+            <a:noFill/>
+            <a:miter lim="800000"/>
+          </a:ln>
+        </p:spPr>
+        <p:txBody>
+          <a:bodyPr vert="horz" wrap="none" lIns="0" tIns="0" rIns="0" bIns="0" rtlCol="0" anchor="t" anchorCtr="0">
+            <a:noAutofit/>
+          </a:bodyPr>
+          <a:lstStyle/>
+          <a:p>
+            <a:pPr>
+              <a:lnSpc>
+                <a:spcPct val="90000"/>
+              </a:lnSpc>
+            </a:pPr>
+            <a:endParaRPr lang="en-US" sz="1200" dirty="0">
+              <a:latin typeface="AdihausDIN" panose="020B0504020101020102" pitchFamily="34" charset="0"/>
+              <a:cs typeface="AdihausDIN" panose="020B0504020101020102" pitchFamily="34" charset="0"/>
+            </a:endParaRPr>
+          </a:p>
+        </p:txBody>
+      </p:sp>
+      <p:pic>
+        <p:nvPicPr>
+          <p:cNvPr id="12" name="Picture 11">
+            <a:extLst>
+              <a:ext uri="{FF2B5EF4-FFF2-40B4-BE49-F238E27FC236}">
+                <a16:creationId xmlns:a16="http://schemas.microsoft.com/office/drawing/2014/main" id="{4DB8EEB2-37BA-0944-85B4-FFC06E3838E4}"/>
+              </a:ext>
+            </a:extLst>
+          </p:cNvPr>
+          <p:cNvPicPr>
+            <a:picLocks noChangeAspect="1"/>
+          </p:cNvPicPr>
+          <p:nvPr/>
+        </p:nvPicPr>
+        <p:blipFill>
+          <a:blip r:embed="rId2"/>
+          <a:stretch>
+            <a:fillRect/>
+          </a:stretch>
+        </p:blipFill>
+        <p:spPr>
+          <a:xfrm>
+            <a:off x="4343400" y="1809750"/>
+            <a:ext cx="4537495" cy="2367389"/>
+          </a:xfrm>
+          <a:prstGeom prst="rect">
+            <a:avLst/>
+          </a:prstGeom>
+        </p:spPr>
+      </p:pic>
+    </p:spTree>
+    <p:extLst>
+      <p:ext uri="{BB962C8B-B14F-4D97-AF65-F5344CB8AC3E}">
+        <p14:creationId xmlns:p14="http://schemas.microsoft.com/office/powerpoint/2010/main" val="1382453640"/>
+      </p:ext>
+    </p:extLst>
+  </p:cSld>
+  <p:clrMapOvr>
+    <a:masterClrMapping/>
+  </p:clrMapOvr>
+  <p:transition spd="med">
+    <p:fade/>
+  </p:transition>
+</p:sld>
+</file>
+
+<file path=ppt/slides/slide5.xml><?xml version="1.0" encoding="utf-8"?>
+<p:sld xmlns:a="http://schemas.openxmlformats.org/drawingml/2006/main" xmlns:r="http://schemas.openxmlformats.org/officeDocument/2006/relationships" xmlns:p="http://schemas.openxmlformats.org/presentationml/2006/main">
+  <p:cSld>
+    <p:spTree>
+      <p:nvGrpSpPr>
+        <p:cNvPr id="1" name=""/>
+        <p:cNvGrpSpPr/>
+        <p:nvPr/>
+      </p:nvGrpSpPr>
+      <p:grpSpPr>
+        <a:xfrm>
+          <a:off x="0" y="0"/>
+          <a:ext cx="0" cy="0"/>
+          <a:chOff x="0" y="0"/>
+          <a:chExt cx="0" cy="0"/>
+        </a:xfrm>
+      </p:grpSpPr>
+      <p:sp>
+        <p:nvSpPr>
+          <p:cNvPr id="2" name="Title 1">
+            <a:extLst>
+              <a:ext uri="{FF2B5EF4-FFF2-40B4-BE49-F238E27FC236}">
+                <a16:creationId xmlns:a16="http://schemas.microsoft.com/office/drawing/2014/main" id="{CAF613A6-9041-5F44-BE61-463E01BC016F}"/>
+              </a:ext>
+            </a:extLst>
+          </p:cNvPr>
+          <p:cNvSpPr>
+            <a:spLocks noGrp="1"/>
+          </p:cNvSpPr>
+          <p:nvPr>
+            <p:ph type="title"/>
+          </p:nvPr>
+        </p:nvSpPr>
+        <p:spPr>
+          <a:xfrm>
+            <a:off x="358775" y="246063"/>
+            <a:ext cx="8426450" cy="539750"/>
+          </a:xfrm>
+        </p:spPr>
+        <p:txBody>
+          <a:bodyPr>
+            <a:normAutofit fontScale="90000"/>
+          </a:bodyPr>
+          <a:lstStyle/>
+          <a:p>
+            <a:pPr algn="ctr"/>
+            <a:r>
+              <a:rPr lang="en-US" sz="2400" dirty="0"/>
+              <a:t>Optimizing overestimation</a:t>
+            </a:r>
+            <a:br>
+              <a:rPr lang="en-US" sz="2400" dirty="0"/>
+            </a:br>
+            <a:r>
+              <a:rPr lang="en-US" sz="2400" dirty="0">
+                <a:solidFill>
+                  <a:srgbClr val="C00000"/>
+                </a:solidFill>
+              </a:rPr>
+              <a:t>Loss function</a:t>
+            </a:r>
+            <a:br>
+              <a:rPr lang="en-US" sz="2400" dirty="0">
+                <a:solidFill>
+                  <a:schemeClr val="accent6"/>
+                </a:solidFill>
+              </a:rPr>
+            </a:br>
+            <a:endParaRPr lang="en-US" sz="2400" dirty="0">
+              <a:solidFill>
+                <a:schemeClr val="accent6"/>
+              </a:solidFill>
+            </a:endParaRPr>
+          </a:p>
+        </p:txBody>
+      </p:sp>
+      <p:sp>
+        <p:nvSpPr>
+          <p:cNvPr id="3" name="Slide Number Placeholder 2">
+            <a:extLst>
+              <a:ext uri="{FF2B5EF4-FFF2-40B4-BE49-F238E27FC236}">
+                <a16:creationId xmlns:a16="http://schemas.microsoft.com/office/drawing/2014/main" id="{A14C6C5B-4153-C24D-8FD1-BFD92F4AFFFF}"/>
+              </a:ext>
+            </a:extLst>
+          </p:cNvPr>
+          <p:cNvSpPr>
+            <a:spLocks noGrp="1"/>
+          </p:cNvSpPr>
+          <p:nvPr>
+            <p:ph type="sldNum" sz="quarter" idx="24"/>
+          </p:nvPr>
+        </p:nvSpPr>
+        <p:spPr/>
+        <p:txBody>
+          <a:bodyPr/>
+          <a:lstStyle/>
+          <a:p>
+            <a:pPr>
+              <a:defRPr/>
+            </a:pPr>
+            <a:fld id="{66C8B3C2-955F-42B1-8DED-EE47D723596C}" type="slidenum">
+              <a:rPr lang="en-US" smtClean="0"/>
+              <a:pPr>
+                <a:defRPr/>
+              </a:pPr>
+              <a:t>5</a:t>
+            </a:fld>
+            <a:endParaRPr lang="en-US" dirty="0"/>
+          </a:p>
+        </p:txBody>
+      </p:sp>
+      <p:sp>
+        <p:nvSpPr>
+          <p:cNvPr id="4" name="Text Placeholder 3">
+            <a:extLst>
+              <a:ext uri="{FF2B5EF4-FFF2-40B4-BE49-F238E27FC236}">
+                <a16:creationId xmlns:a16="http://schemas.microsoft.com/office/drawing/2014/main" id="{E5CA33FE-16F9-7F48-BA4D-F8CA50A6E268}"/>
+              </a:ext>
+            </a:extLst>
+          </p:cNvPr>
+          <p:cNvSpPr>
+            <a:spLocks noGrp="1"/>
+          </p:cNvSpPr>
+          <p:nvPr>
+            <p:ph type="body" sz="quarter" idx="25"/>
+          </p:nvPr>
+        </p:nvSpPr>
+        <p:spPr>
+          <a:xfrm>
+            <a:off x="582660" y="842963"/>
+            <a:ext cx="7430189" cy="4243387"/>
+          </a:xfrm>
+        </p:spPr>
+        <p:txBody>
+          <a:bodyPr numCol="2">
+            <a:normAutofit lnSpcReduction="10000"/>
+          </a:bodyPr>
+          <a:lstStyle/>
+          <a:p>
+            <a:pPr>
+              <a:lnSpc>
+                <a:spcPct val="200000"/>
+              </a:lnSpc>
+              <a:buClr>
+                <a:srgbClr val="C00000"/>
+              </a:buClr>
+            </a:pPr>
+            <a:r>
+              <a:rPr lang="en-US" dirty="0">
+                <a:sym typeface="Wingdings" pitchFamily="2" charset="2"/>
+              </a:rPr>
+              <a:t>Buy: b units</a:t>
+            </a:r>
+          </a:p>
+          <a:p>
+            <a:pPr>
+              <a:lnSpc>
+                <a:spcPct val="200000"/>
+              </a:lnSpc>
+              <a:buClr>
+                <a:srgbClr val="C00000"/>
+              </a:buClr>
+            </a:pPr>
+            <a:r>
+              <a:rPr lang="en-US" dirty="0">
+                <a:sym typeface="Wingdings" pitchFamily="2" charset="2"/>
+              </a:rPr>
+              <a:t>Demand: d units</a:t>
+            </a:r>
+          </a:p>
+          <a:p>
+            <a:pPr>
+              <a:lnSpc>
+                <a:spcPct val="200000"/>
+              </a:lnSpc>
+              <a:buClr>
+                <a:srgbClr val="C00000"/>
+              </a:buClr>
+            </a:pPr>
+            <a:r>
+              <a:rPr lang="en-US" dirty="0">
+                <a:sym typeface="Wingdings" pitchFamily="2" charset="2"/>
+              </a:rPr>
+              <a:t>Define Loss function:</a:t>
+            </a:r>
+          </a:p>
+          <a:p>
+            <a:pPr marL="40050" indent="0">
+              <a:lnSpc>
+                <a:spcPct val="200000"/>
+              </a:lnSpc>
+              <a:buClr>
+                <a:srgbClr val="C00000"/>
+              </a:buClr>
+              <a:buNone/>
+            </a:pPr>
+            <a:endParaRPr lang="en-US" dirty="0">
+              <a:sym typeface="Wingdings" pitchFamily="2" charset="2"/>
+            </a:endParaRPr>
+          </a:p>
+          <a:p>
+            <a:pPr>
+              <a:lnSpc>
+                <a:spcPct val="200000"/>
+              </a:lnSpc>
+              <a:buClr>
+                <a:srgbClr val="C00000"/>
+              </a:buClr>
+            </a:pPr>
+            <a:endParaRPr lang="en-US" dirty="0">
+              <a:sym typeface="Wingdings" pitchFamily="2" charset="2"/>
+            </a:endParaRPr>
+          </a:p>
+          <a:p>
+            <a:pPr>
+              <a:lnSpc>
+                <a:spcPct val="200000"/>
+              </a:lnSpc>
+              <a:buClr>
+                <a:srgbClr val="C00000"/>
+              </a:buClr>
+            </a:pPr>
+            <a:r>
+              <a:rPr lang="en-US" dirty="0">
+                <a:sym typeface="Wingdings" pitchFamily="2" charset="2"/>
+              </a:rPr>
+              <a:t>Loss function in words: </a:t>
+            </a:r>
+          </a:p>
+          <a:p>
+            <a:pPr lvl="1">
+              <a:lnSpc>
+                <a:spcPct val="200000"/>
+              </a:lnSpc>
+              <a:buClr>
+                <a:srgbClr val="C00000"/>
+              </a:buClr>
+            </a:pPr>
+            <a:r>
+              <a:rPr lang="en-US" dirty="0">
+                <a:sym typeface="Wingdings" pitchFamily="2" charset="2"/>
+              </a:rPr>
+              <a:t>Underprediction: margin times number of </a:t>
+            </a:r>
+            <a:r>
+              <a:rPr lang="en-US" i="1" dirty="0">
+                <a:sym typeface="Wingdings" pitchFamily="2" charset="2"/>
+              </a:rPr>
+              <a:t>missed </a:t>
+            </a:r>
+            <a:r>
+              <a:rPr lang="en-US" dirty="0">
+                <a:sym typeface="Wingdings" pitchFamily="2" charset="2"/>
+              </a:rPr>
+              <a:t>sales</a:t>
+            </a:r>
+          </a:p>
+          <a:p>
+            <a:pPr lvl="1">
+              <a:lnSpc>
+                <a:spcPct val="200000"/>
+              </a:lnSpc>
+              <a:buClr>
+                <a:srgbClr val="C00000"/>
+              </a:buClr>
+            </a:pPr>
+            <a:r>
+              <a:rPr lang="en-US" dirty="0">
+                <a:sym typeface="Wingdings" pitchFamily="2" charset="2"/>
+              </a:rPr>
+              <a:t>Overprediction: cost times each article leftover</a:t>
+            </a:r>
+          </a:p>
+          <a:p>
+            <a:pPr lvl="1">
+              <a:lnSpc>
+                <a:spcPct val="150000"/>
+              </a:lnSpc>
+            </a:pPr>
+            <a:endParaRPr lang="en-US" sz="1400" dirty="0">
+              <a:sym typeface="Wingdings" pitchFamily="2" charset="2"/>
+            </a:endParaRPr>
+          </a:p>
+          <a:p>
+            <a:pPr lvl="1">
+              <a:lnSpc>
+                <a:spcPct val="150000"/>
+              </a:lnSpc>
+            </a:pPr>
+            <a:endParaRPr lang="en-US" sz="1400" dirty="0">
+              <a:sym typeface="Wingdings" pitchFamily="2" charset="2"/>
+            </a:endParaRPr>
+          </a:p>
+          <a:p>
+            <a:pPr marL="400050" lvl="1" indent="0">
+              <a:lnSpc>
+                <a:spcPct val="150000"/>
+              </a:lnSpc>
+              <a:buNone/>
+            </a:pPr>
+            <a:endParaRPr lang="en-US" sz="1400" dirty="0">
+              <a:sym typeface="Wingdings" pitchFamily="2" charset="2"/>
+            </a:endParaRPr>
+          </a:p>
+          <a:p>
+            <a:pPr marL="40050" indent="0">
+              <a:lnSpc>
+                <a:spcPct val="150000"/>
+              </a:lnSpc>
+              <a:buNone/>
+            </a:pPr>
+            <a:endParaRPr lang="en-US" sz="1400" dirty="0">
+              <a:sym typeface="Wingdings" pitchFamily="2" charset="2"/>
+            </a:endParaRPr>
+          </a:p>
+          <a:p>
+            <a:pPr>
+              <a:lnSpc>
+                <a:spcPct val="150000"/>
+              </a:lnSpc>
+            </a:pPr>
+            <a:endParaRPr lang="en-US" sz="1400" dirty="0">
+              <a:sym typeface="Wingdings" pitchFamily="2" charset="2"/>
+            </a:endParaRPr>
+          </a:p>
+          <a:p>
+            <a:pPr marL="40050" indent="0">
+              <a:lnSpc>
+                <a:spcPct val="150000"/>
+              </a:lnSpc>
+              <a:buNone/>
+            </a:pPr>
+            <a:endParaRPr lang="en-US" sz="1400" dirty="0">
+              <a:sym typeface="Wingdings" pitchFamily="2" charset="2"/>
+            </a:endParaRPr>
+          </a:p>
+          <a:p>
+            <a:pPr marL="40050" indent="0">
+              <a:lnSpc>
+                <a:spcPct val="150000"/>
+              </a:lnSpc>
+              <a:buNone/>
+            </a:pPr>
+            <a:endParaRPr lang="en-US" sz="1400" dirty="0">
+              <a:sym typeface="Wingdings" pitchFamily="2" charset="2"/>
+            </a:endParaRPr>
+          </a:p>
+          <a:p>
+            <a:pPr marL="40050" indent="0">
+              <a:lnSpc>
+                <a:spcPct val="150000"/>
+              </a:lnSpc>
+              <a:buNone/>
+            </a:pPr>
+            <a:endParaRPr lang="en-US" sz="1400" dirty="0">
+              <a:sym typeface="Wingdings" pitchFamily="2" charset="2"/>
+            </a:endParaRPr>
+          </a:p>
+        </p:txBody>
+      </p:sp>
+      <p:sp>
+        <p:nvSpPr>
+          <p:cNvPr id="5" name="TextBox 4">
+            <a:extLst>
+              <a:ext uri="{FF2B5EF4-FFF2-40B4-BE49-F238E27FC236}">
+                <a16:creationId xmlns:a16="http://schemas.microsoft.com/office/drawing/2014/main" id="{80C9E4D3-A261-AD46-AD50-86C8FF7A981A}"/>
+              </a:ext>
+            </a:extLst>
+          </p:cNvPr>
+          <p:cNvSpPr txBox="1"/>
+          <p:nvPr/>
+        </p:nvSpPr>
+        <p:spPr bwMode="gray">
+          <a:xfrm>
+            <a:off x="1030514" y="493486"/>
+            <a:ext cx="0" cy="0"/>
+          </a:xfrm>
+          <a:prstGeom prst="rect">
+            <a:avLst/>
+          </a:prstGeom>
+          <a:noFill/>
+          <a:ln w="12700" cap="sq">
+            <a:noFill/>
+            <a:miter lim="800000"/>
+          </a:ln>
+        </p:spPr>
+        <p:txBody>
+          <a:bodyPr vert="horz" wrap="none" lIns="0" tIns="0" rIns="0" bIns="0" rtlCol="0" anchor="t" anchorCtr="0">
+            <a:noAutofit/>
+          </a:bodyPr>
+          <a:lstStyle/>
+          <a:p>
+            <a:pPr>
+              <a:lnSpc>
+                <a:spcPct val="90000"/>
+              </a:lnSpc>
+            </a:pPr>
+            <a:endParaRPr lang="en-US" sz="1200" dirty="0">
+              <a:latin typeface="AdihausDIN" panose="020B0504020101020102" pitchFamily="34" charset="0"/>
+              <a:cs typeface="AdihausDIN" panose="020B0504020101020102" pitchFamily="34" charset="0"/>
+            </a:endParaRPr>
+          </a:p>
+        </p:txBody>
+      </p:sp>
+      <p:pic>
+        <p:nvPicPr>
+          <p:cNvPr id="8" name="Picture 7">
+            <a:extLst>
+              <a:ext uri="{FF2B5EF4-FFF2-40B4-BE49-F238E27FC236}">
+                <a16:creationId xmlns:a16="http://schemas.microsoft.com/office/drawing/2014/main" id="{EE0A7B3F-29C3-B048-B06D-2B4580640133}"/>
+              </a:ext>
+            </a:extLst>
+          </p:cNvPr>
+          <p:cNvPicPr>
+            <a:picLocks noChangeAspect="1"/>
+          </p:cNvPicPr>
+          <p:nvPr/>
+        </p:nvPicPr>
+        <p:blipFill>
+          <a:blip r:embed="rId2"/>
+          <a:stretch>
+            <a:fillRect/>
+          </a:stretch>
+        </p:blipFill>
+        <p:spPr>
+          <a:xfrm>
+            <a:off x="1131151" y="2232664"/>
+            <a:ext cx="2927718" cy="678171"/>
+          </a:xfrm>
+          <a:prstGeom prst="rect">
+            <a:avLst/>
+          </a:prstGeom>
+        </p:spPr>
+      </p:pic>
+      <p:pic>
+        <p:nvPicPr>
+          <p:cNvPr id="9" name="Picture 8">
+            <a:extLst>
+              <a:ext uri="{FF2B5EF4-FFF2-40B4-BE49-F238E27FC236}">
+                <a16:creationId xmlns:a16="http://schemas.microsoft.com/office/drawing/2014/main" id="{755A420B-30C3-934D-95E2-5D527952DEF2}"/>
+              </a:ext>
+            </a:extLst>
+          </p:cNvPr>
+          <p:cNvPicPr>
+            <a:picLocks noChangeAspect="1"/>
+          </p:cNvPicPr>
+          <p:nvPr/>
+        </p:nvPicPr>
+        <p:blipFill>
+          <a:blip r:embed="rId3"/>
+          <a:stretch>
+            <a:fillRect/>
+          </a:stretch>
+        </p:blipFill>
+        <p:spPr>
+          <a:xfrm>
+            <a:off x="4564406" y="1685447"/>
+            <a:ext cx="4220818" cy="2202166"/>
+          </a:xfrm>
+          <a:prstGeom prst="rect">
+            <a:avLst/>
+          </a:prstGeom>
+        </p:spPr>
+      </p:pic>
+    </p:spTree>
+    <p:extLst>
+      <p:ext uri="{BB962C8B-B14F-4D97-AF65-F5344CB8AC3E}">
+        <p14:creationId xmlns:p14="http://schemas.microsoft.com/office/powerpoint/2010/main" val="778679889"/>
+      </p:ext>
+    </p:extLst>
+  </p:cSld>
+  <p:clrMapOvr>
+    <a:masterClrMapping/>
+  </p:clrMapOvr>
+  <p:transition spd="med">
+    <p:fade/>
+  </p:transition>
+</p:sld>
+</file>
+
+<file path=ppt/slides/slide6.xml><?xml version="1.0" encoding="utf-8"?>
+<p:sld xmlns:a="http://schemas.openxmlformats.org/drawingml/2006/main" xmlns:r="http://schemas.openxmlformats.org/officeDocument/2006/relationships" xmlns:p="http://schemas.openxmlformats.org/presentationml/2006/main">
+  <p:cSld>
+    <p:spTree>
+      <p:nvGrpSpPr>
+        <p:cNvPr id="1" name=""/>
+        <p:cNvGrpSpPr/>
+        <p:nvPr/>
+      </p:nvGrpSpPr>
+      <p:grpSpPr>
+        <a:xfrm>
+          <a:off x="0" y="0"/>
+          <a:ext cx="0" cy="0"/>
+          <a:chOff x="0" y="0"/>
+          <a:chExt cx="0" cy="0"/>
+        </a:xfrm>
+      </p:grpSpPr>
+      <p:sp>
+        <p:nvSpPr>
+          <p:cNvPr id="2" name="Title 1">
+            <a:extLst>
+              <a:ext uri="{FF2B5EF4-FFF2-40B4-BE49-F238E27FC236}">
+                <a16:creationId xmlns:a16="http://schemas.microsoft.com/office/drawing/2014/main" id="{CAF613A6-9041-5F44-BE61-463E01BC016F}"/>
+              </a:ext>
+            </a:extLst>
+          </p:cNvPr>
+          <p:cNvSpPr>
+            <a:spLocks noGrp="1"/>
+          </p:cNvSpPr>
+          <p:nvPr>
+            <p:ph type="title"/>
+          </p:nvPr>
+        </p:nvSpPr>
+        <p:spPr>
+          <a:xfrm>
+            <a:off x="358775" y="246063"/>
+            <a:ext cx="8426450" cy="539750"/>
+          </a:xfrm>
+        </p:spPr>
+        <p:txBody>
+          <a:bodyPr>
+            <a:normAutofit fontScale="90000"/>
+          </a:bodyPr>
+          <a:lstStyle/>
+          <a:p>
+            <a:pPr algn="ctr"/>
+            <a:r>
+              <a:rPr lang="en-US" sz="2400" dirty="0"/>
+              <a:t>Demand prediction distributions</a:t>
+            </a:r>
+            <a:br>
+              <a:rPr lang="en-US" sz="2400" dirty="0"/>
+            </a:br>
+            <a:r>
+              <a:rPr lang="en-US" sz="2400" dirty="0">
+                <a:solidFill>
+                  <a:srgbClr val="C00000"/>
+                </a:solidFill>
+              </a:rPr>
+              <a:t>framework summary</a:t>
+            </a:r>
+            <a:br>
+              <a:rPr lang="en-US" sz="2400" dirty="0">
+                <a:solidFill>
+                  <a:schemeClr val="accent6"/>
+                </a:solidFill>
+              </a:rPr>
+            </a:br>
+            <a:endParaRPr lang="en-US" sz="2400" dirty="0">
+              <a:solidFill>
+                <a:schemeClr val="accent6"/>
+              </a:solidFill>
+            </a:endParaRPr>
+          </a:p>
+        </p:txBody>
+      </p:sp>
+      <p:sp>
+        <p:nvSpPr>
+          <p:cNvPr id="3" name="Slide Number Placeholder 2">
+            <a:extLst>
+              <a:ext uri="{FF2B5EF4-FFF2-40B4-BE49-F238E27FC236}">
+                <a16:creationId xmlns:a16="http://schemas.microsoft.com/office/drawing/2014/main" id="{A14C6C5B-4153-C24D-8FD1-BFD92F4AFFFF}"/>
+              </a:ext>
+            </a:extLst>
+          </p:cNvPr>
+          <p:cNvSpPr>
+            <a:spLocks noGrp="1"/>
+          </p:cNvSpPr>
+          <p:nvPr>
+            <p:ph type="sldNum" sz="quarter" idx="24"/>
+          </p:nvPr>
+        </p:nvSpPr>
+        <p:spPr/>
+        <p:txBody>
+          <a:bodyPr/>
+          <a:lstStyle/>
+          <a:p>
+            <a:pPr>
+              <a:defRPr/>
+            </a:pPr>
+            <a:fld id="{66C8B3C2-955F-42B1-8DED-EE47D723596C}" type="slidenum">
+              <a:rPr lang="en-US" smtClean="0"/>
+              <a:pPr>
+                <a:defRPr/>
+              </a:pPr>
+              <a:t>6</a:t>
+            </a:fld>
+            <a:endParaRPr lang="en-US" dirty="0"/>
+          </a:p>
+        </p:txBody>
+      </p:sp>
+      <p:sp>
+        <p:nvSpPr>
+          <p:cNvPr id="4" name="Text Placeholder 3">
+            <a:extLst>
+              <a:ext uri="{FF2B5EF4-FFF2-40B4-BE49-F238E27FC236}">
+                <a16:creationId xmlns:a16="http://schemas.microsoft.com/office/drawing/2014/main" id="{E5CA33FE-16F9-7F48-BA4D-F8CA50A6E268}"/>
+              </a:ext>
+            </a:extLst>
+          </p:cNvPr>
+          <p:cNvSpPr>
+            <a:spLocks noGrp="1"/>
+          </p:cNvSpPr>
+          <p:nvPr>
+            <p:ph type="body" sz="quarter" idx="25"/>
+          </p:nvPr>
+        </p:nvSpPr>
+        <p:spPr>
+          <a:xfrm>
+            <a:off x="582660" y="1047750"/>
+            <a:ext cx="7430189" cy="4038600"/>
+          </a:xfrm>
+        </p:spPr>
+        <p:txBody>
+          <a:bodyPr numCol="1">
+            <a:normAutofit/>
+          </a:bodyPr>
+          <a:lstStyle/>
+          <a:p>
+            <a:pPr>
+              <a:lnSpc>
+                <a:spcPct val="200000"/>
+              </a:lnSpc>
+              <a:buClr>
+                <a:srgbClr val="C00000"/>
+              </a:buClr>
+              <a:buSzPct val="94000"/>
+            </a:pPr>
+            <a:r>
+              <a:rPr lang="en-US" b="1" dirty="0">
+                <a:sym typeface="Wingdings" pitchFamily="2" charset="2"/>
+              </a:rPr>
+              <a:t>Prediction distribution </a:t>
+            </a:r>
+            <a:r>
+              <a:rPr lang="en-US" dirty="0">
+                <a:sym typeface="Wingdings" pitchFamily="2" charset="2"/>
+              </a:rPr>
+              <a:t>incorporates uncertainty</a:t>
+            </a:r>
+          </a:p>
+          <a:p>
+            <a:pPr lvl="1">
+              <a:lnSpc>
+                <a:spcPct val="200000"/>
+              </a:lnSpc>
+              <a:buClr>
+                <a:srgbClr val="C00000"/>
+              </a:buClr>
+              <a:buSzPct val="94000"/>
+            </a:pPr>
+            <a:r>
+              <a:rPr lang="en-US" dirty="0">
+                <a:sym typeface="Wingdings" pitchFamily="2" charset="2"/>
+              </a:rPr>
+              <a:t>Cannot realistically expect any one outcome</a:t>
+            </a:r>
+          </a:p>
+          <a:p>
+            <a:pPr lvl="1">
+              <a:lnSpc>
+                <a:spcPct val="200000"/>
+              </a:lnSpc>
+              <a:buClr>
+                <a:srgbClr val="C00000"/>
+              </a:buClr>
+              <a:buSzPct val="94000"/>
+            </a:pPr>
+            <a:r>
+              <a:rPr lang="en-US" dirty="0">
+                <a:sym typeface="Wingdings" pitchFamily="2" charset="2"/>
+              </a:rPr>
+              <a:t>Many possible outcomes, with associated *probabilities*</a:t>
+            </a:r>
+          </a:p>
+          <a:p>
+            <a:pPr>
+              <a:lnSpc>
+                <a:spcPct val="200000"/>
+              </a:lnSpc>
+              <a:buClr>
+                <a:srgbClr val="C00000"/>
+              </a:buClr>
+              <a:buSzPct val="94000"/>
+            </a:pPr>
+            <a:r>
+              <a:rPr lang="en-US" b="1" dirty="0">
+                <a:sym typeface="Wingdings" pitchFamily="2" charset="2"/>
+              </a:rPr>
+              <a:t>Loss function </a:t>
+            </a:r>
+            <a:r>
+              <a:rPr lang="en-US" dirty="0">
+                <a:sym typeface="Wingdings" pitchFamily="2" charset="2"/>
+              </a:rPr>
+              <a:t>--</a:t>
+            </a:r>
+            <a:r>
+              <a:rPr lang="en-US" b="1" dirty="0">
+                <a:sym typeface="Wingdings" pitchFamily="2" charset="2"/>
+              </a:rPr>
+              <a:t> </a:t>
+            </a:r>
+            <a:r>
+              <a:rPr lang="en-US" dirty="0">
+                <a:sym typeface="Wingdings" pitchFamily="2" charset="2"/>
+              </a:rPr>
+              <a:t>calculate the cost of under/over prediction for article with cost and margin</a:t>
+            </a:r>
+          </a:p>
+          <a:p>
+            <a:pPr>
+              <a:lnSpc>
+                <a:spcPct val="200000"/>
+              </a:lnSpc>
+              <a:buClr>
+                <a:srgbClr val="C00000"/>
+              </a:buClr>
+              <a:buSzPct val="94000"/>
+            </a:pPr>
+            <a:r>
+              <a:rPr lang="en-US" b="1" dirty="0">
+                <a:solidFill>
+                  <a:srgbClr val="C00000"/>
+                </a:solidFill>
+                <a:sym typeface="Wingdings" pitchFamily="2" charset="2"/>
+              </a:rPr>
+              <a:t>Maximize profit: minimize expected value of loss function</a:t>
+            </a:r>
+          </a:p>
+          <a:p>
+            <a:pPr lvl="1">
+              <a:lnSpc>
+                <a:spcPct val="200000"/>
+              </a:lnSpc>
+              <a:buClr>
+                <a:srgbClr val="C00000"/>
+              </a:buClr>
+              <a:buSzPct val="94000"/>
+            </a:pPr>
+            <a:r>
+              <a:rPr lang="en-US" dirty="0">
+                <a:sym typeface="Wingdings" pitchFamily="2" charset="2"/>
+              </a:rPr>
+              <a:t>Minimize loss function: predict/buy perfectly (with your crystal ball, on your unicorn)</a:t>
+            </a:r>
+          </a:p>
+          <a:p>
+            <a:pPr lvl="1">
+              <a:lnSpc>
+                <a:spcPct val="200000"/>
+              </a:lnSpc>
+              <a:buClr>
+                <a:srgbClr val="C00000"/>
+              </a:buClr>
+              <a:buSzPct val="94000"/>
+            </a:pPr>
+            <a:r>
+              <a:rPr lang="en-US" dirty="0">
+                <a:sym typeface="Wingdings" pitchFamily="2" charset="2"/>
+              </a:rPr>
+              <a:t>Minimize the expected value of the loss function (with your degree) </a:t>
+            </a:r>
+            <a:endParaRPr lang="en-US" sz="1400" dirty="0">
+              <a:sym typeface="Wingdings" pitchFamily="2" charset="2"/>
+            </a:endParaRPr>
+          </a:p>
+          <a:p>
+            <a:pPr lvl="1">
+              <a:lnSpc>
+                <a:spcPct val="150000"/>
+              </a:lnSpc>
+            </a:pPr>
+            <a:endParaRPr lang="en-US" sz="1400" dirty="0">
+              <a:sym typeface="Wingdings" pitchFamily="2" charset="2"/>
+            </a:endParaRPr>
+          </a:p>
+          <a:p>
+            <a:pPr marL="400050" lvl="1" indent="0">
+              <a:lnSpc>
+                <a:spcPct val="150000"/>
+              </a:lnSpc>
+              <a:buNone/>
+            </a:pPr>
+            <a:endParaRPr lang="en-US" sz="1400" dirty="0">
+              <a:sym typeface="Wingdings" pitchFamily="2" charset="2"/>
+            </a:endParaRPr>
+          </a:p>
+          <a:p>
+            <a:pPr marL="40050" indent="0">
+              <a:lnSpc>
+                <a:spcPct val="150000"/>
+              </a:lnSpc>
+              <a:buNone/>
+            </a:pPr>
+            <a:endParaRPr lang="en-US" sz="1400" dirty="0">
+              <a:sym typeface="Wingdings" pitchFamily="2" charset="2"/>
+            </a:endParaRPr>
+          </a:p>
+          <a:p>
+            <a:pPr>
+              <a:lnSpc>
+                <a:spcPct val="150000"/>
+              </a:lnSpc>
+            </a:pPr>
+            <a:endParaRPr lang="en-US" sz="1400" dirty="0">
+              <a:sym typeface="Wingdings" pitchFamily="2" charset="2"/>
+            </a:endParaRPr>
+          </a:p>
+          <a:p>
+            <a:pPr marL="40050" indent="0">
+              <a:lnSpc>
+                <a:spcPct val="150000"/>
+              </a:lnSpc>
+              <a:buNone/>
+            </a:pPr>
+            <a:endParaRPr lang="en-US" sz="1400" dirty="0">
+              <a:sym typeface="Wingdings" pitchFamily="2" charset="2"/>
+            </a:endParaRPr>
+          </a:p>
+          <a:p>
+            <a:pPr marL="40050" indent="0">
+              <a:lnSpc>
+                <a:spcPct val="150000"/>
+              </a:lnSpc>
+              <a:buNone/>
+            </a:pPr>
+            <a:endParaRPr lang="en-US" sz="1400" dirty="0">
+              <a:sym typeface="Wingdings" pitchFamily="2" charset="2"/>
+            </a:endParaRPr>
+          </a:p>
+          <a:p>
+            <a:pPr marL="40050" indent="0">
+              <a:lnSpc>
+                <a:spcPct val="150000"/>
+              </a:lnSpc>
+              <a:buNone/>
+            </a:pPr>
+            <a:endParaRPr lang="en-US" sz="1400" dirty="0">
+              <a:sym typeface="Wingdings" pitchFamily="2" charset="2"/>
+            </a:endParaRPr>
+          </a:p>
+        </p:txBody>
+      </p:sp>
+      <p:sp>
+        <p:nvSpPr>
+          <p:cNvPr id="5" name="TextBox 4">
+            <a:extLst>
+              <a:ext uri="{FF2B5EF4-FFF2-40B4-BE49-F238E27FC236}">
+                <a16:creationId xmlns:a16="http://schemas.microsoft.com/office/drawing/2014/main" id="{80C9E4D3-A261-AD46-AD50-86C8FF7A981A}"/>
+              </a:ext>
+            </a:extLst>
+          </p:cNvPr>
+          <p:cNvSpPr txBox="1"/>
+          <p:nvPr/>
+        </p:nvSpPr>
+        <p:spPr bwMode="gray">
+          <a:xfrm>
+            <a:off x="1030514" y="493486"/>
+            <a:ext cx="0" cy="0"/>
+          </a:xfrm>
+          <a:prstGeom prst="rect">
+            <a:avLst/>
+          </a:prstGeom>
+          <a:noFill/>
+          <a:ln w="12700" cap="sq">
+            <a:noFill/>
+            <a:miter lim="800000"/>
+          </a:ln>
+        </p:spPr>
+        <p:txBody>
+          <a:bodyPr vert="horz" wrap="none" lIns="0" tIns="0" rIns="0" bIns="0" rtlCol="0" anchor="t" anchorCtr="0">
+            <a:noAutofit/>
+          </a:bodyPr>
+          <a:lstStyle/>
+          <a:p>
+            <a:pPr>
+              <a:lnSpc>
+                <a:spcPct val="90000"/>
+              </a:lnSpc>
+            </a:pPr>
+            <a:endParaRPr lang="en-US" sz="1200" dirty="0">
+              <a:latin typeface="AdihausDIN" panose="020B0504020101020102" pitchFamily="34" charset="0"/>
+              <a:cs typeface="AdihausDIN" panose="020B0504020101020102" pitchFamily="34" charset="0"/>
+            </a:endParaRPr>
+          </a:p>
+        </p:txBody>
+      </p:sp>
+    </p:spTree>
+    <p:extLst>
+      <p:ext uri="{BB962C8B-B14F-4D97-AF65-F5344CB8AC3E}">
+        <p14:creationId xmlns:p14="http://schemas.microsoft.com/office/powerpoint/2010/main" val="2358804374"/>
+      </p:ext>
+    </p:extLst>
+  </p:cSld>
+  <p:clrMapOvr>
+    <a:masterClrMapping/>
+  </p:clrMapOvr>
+  <p:transition spd="med">
+    <p:fade/>
+  </p:transition>
+</p:sld>
+</file>
+
+<file path=ppt/slides/slide7.xml><?xml version="1.0" encoding="utf-8"?>
+<p:sld xmlns:a="http://schemas.openxmlformats.org/drawingml/2006/main" xmlns:r="http://schemas.openxmlformats.org/officeDocument/2006/relationships" xmlns:p="http://schemas.openxmlformats.org/presentationml/2006/main">
+  <p:cSld>
+    <p:spTree>
+      <p:nvGrpSpPr>
+        <p:cNvPr id="1" name=""/>
+        <p:cNvGrpSpPr/>
+        <p:nvPr/>
+      </p:nvGrpSpPr>
+      <p:grpSpPr>
+        <a:xfrm>
+          <a:off x="0" y="0"/>
+          <a:ext cx="0" cy="0"/>
+          <a:chOff x="0" y="0"/>
+          <a:chExt cx="0" cy="0"/>
+        </a:xfrm>
+      </p:grpSpPr>
+      <p:sp>
+        <p:nvSpPr>
+          <p:cNvPr id="2" name="Title 1">
+            <a:extLst>
+              <a:ext uri="{FF2B5EF4-FFF2-40B4-BE49-F238E27FC236}">
+                <a16:creationId xmlns:a16="http://schemas.microsoft.com/office/drawing/2014/main" id="{CAF613A6-9041-5F44-BE61-463E01BC016F}"/>
+              </a:ext>
+            </a:extLst>
+          </p:cNvPr>
+          <p:cNvSpPr>
+            <a:spLocks noGrp="1"/>
+          </p:cNvSpPr>
+          <p:nvPr>
+            <p:ph type="title"/>
+          </p:nvPr>
+        </p:nvSpPr>
+        <p:spPr>
+          <a:xfrm>
+            <a:off x="358775" y="246063"/>
+            <a:ext cx="8426450" cy="539750"/>
+          </a:xfrm>
+        </p:spPr>
+        <p:txBody>
+          <a:bodyPr>
+            <a:normAutofit fontScale="90000"/>
+          </a:bodyPr>
+          <a:lstStyle/>
+          <a:p>
+            <a:pPr algn="ctr"/>
+            <a:r>
+              <a:rPr lang="en-US" sz="2400" dirty="0"/>
+              <a:t>Demand prediction distributions</a:t>
+            </a:r>
+            <a:br>
+              <a:rPr lang="en-US" sz="2400" dirty="0"/>
+            </a:br>
+            <a:r>
+              <a:rPr lang="en-US" sz="2400" dirty="0">
+                <a:solidFill>
+                  <a:srgbClr val="C00000"/>
+                </a:solidFill>
+              </a:rPr>
+              <a:t>framework summary</a:t>
+            </a:r>
+            <a:br>
+              <a:rPr lang="en-US" sz="2400" dirty="0">
+                <a:solidFill>
+                  <a:schemeClr val="accent6"/>
+                </a:solidFill>
+              </a:rPr>
+            </a:br>
+            <a:endParaRPr lang="en-US" sz="2400" dirty="0">
+              <a:solidFill>
+                <a:schemeClr val="accent6"/>
+              </a:solidFill>
+            </a:endParaRPr>
+          </a:p>
+        </p:txBody>
+      </p:sp>
+      <p:sp>
+        <p:nvSpPr>
+          <p:cNvPr id="3" name="Slide Number Placeholder 2">
+            <a:extLst>
+              <a:ext uri="{FF2B5EF4-FFF2-40B4-BE49-F238E27FC236}">
+                <a16:creationId xmlns:a16="http://schemas.microsoft.com/office/drawing/2014/main" id="{A14C6C5B-4153-C24D-8FD1-BFD92F4AFFFF}"/>
+              </a:ext>
+            </a:extLst>
+          </p:cNvPr>
+          <p:cNvSpPr>
+            <a:spLocks noGrp="1"/>
+          </p:cNvSpPr>
+          <p:nvPr>
+            <p:ph type="sldNum" sz="quarter" idx="24"/>
+          </p:nvPr>
+        </p:nvSpPr>
+        <p:spPr/>
+        <p:txBody>
+          <a:bodyPr/>
+          <a:lstStyle/>
+          <a:p>
+            <a:pPr>
+              <a:defRPr/>
+            </a:pPr>
+            <a:fld id="{66C8B3C2-955F-42B1-8DED-EE47D723596C}" type="slidenum">
+              <a:rPr lang="en-US" smtClean="0"/>
+              <a:pPr>
+                <a:defRPr/>
+              </a:pPr>
+              <a:t>7</a:t>
+            </a:fld>
+            <a:endParaRPr lang="en-US" dirty="0"/>
+          </a:p>
+        </p:txBody>
+      </p:sp>
+      <p:sp>
+        <p:nvSpPr>
+          <p:cNvPr id="4" name="Text Placeholder 3">
+            <a:extLst>
+              <a:ext uri="{FF2B5EF4-FFF2-40B4-BE49-F238E27FC236}">
+                <a16:creationId xmlns:a16="http://schemas.microsoft.com/office/drawing/2014/main" id="{E5CA33FE-16F9-7F48-BA4D-F8CA50A6E268}"/>
+              </a:ext>
+            </a:extLst>
+          </p:cNvPr>
+          <p:cNvSpPr>
+            <a:spLocks noGrp="1"/>
+          </p:cNvSpPr>
+          <p:nvPr>
+            <p:ph type="body" sz="quarter" idx="25"/>
+          </p:nvPr>
+        </p:nvSpPr>
+        <p:spPr>
+          <a:xfrm>
+            <a:off x="582660" y="1276350"/>
+            <a:ext cx="7430189" cy="3810000"/>
+          </a:xfrm>
+        </p:spPr>
+        <p:txBody>
+          <a:bodyPr numCol="1">
+            <a:normAutofit/>
+          </a:bodyPr>
+          <a:lstStyle/>
+          <a:p>
+            <a:pPr>
+              <a:lnSpc>
+                <a:spcPct val="200000"/>
+              </a:lnSpc>
+              <a:buClr>
+                <a:srgbClr val="C00000"/>
+              </a:buClr>
+            </a:pPr>
+            <a:r>
+              <a:rPr lang="en-US" sz="1600" dirty="0">
+                <a:sym typeface="Wingdings" pitchFamily="2" charset="2"/>
+              </a:rPr>
+              <a:t>Expected value is an integral  sum of losses weighted by their probability</a:t>
+            </a:r>
+          </a:p>
+          <a:p>
+            <a:pPr>
+              <a:lnSpc>
+                <a:spcPct val="200000"/>
+              </a:lnSpc>
+              <a:buClr>
+                <a:srgbClr val="C00000"/>
+              </a:buClr>
+            </a:pPr>
+            <a:r>
+              <a:rPr lang="en-US" sz="1600" dirty="0">
+                <a:sym typeface="Wingdings" pitchFamily="2" charset="2"/>
+              </a:rPr>
+              <a:t>Each buy has an associated expected loss</a:t>
+            </a:r>
+          </a:p>
+          <a:p>
+            <a:pPr lvl="1">
+              <a:lnSpc>
+                <a:spcPct val="200000"/>
+              </a:lnSpc>
+              <a:buClr>
+                <a:srgbClr val="C00000"/>
+              </a:buClr>
+            </a:pPr>
+            <a:r>
+              <a:rPr lang="en-US" sz="1600" dirty="0">
+                <a:sym typeface="Wingdings" pitchFamily="2" charset="2"/>
+              </a:rPr>
+              <a:t>“Expected” -- on average, in the long run, if history repeated many times</a:t>
+            </a:r>
+          </a:p>
+          <a:p>
+            <a:pPr>
+              <a:lnSpc>
+                <a:spcPct val="200000"/>
+              </a:lnSpc>
+              <a:buClr>
+                <a:srgbClr val="C00000"/>
+              </a:buClr>
+            </a:pPr>
+            <a:r>
+              <a:rPr lang="en-US" sz="1600" dirty="0">
+                <a:sym typeface="Wingdings" pitchFamily="2" charset="2"/>
+              </a:rPr>
+              <a:t>Buy the number of units that minimizes expected losses </a:t>
+            </a:r>
+            <a:endParaRPr lang="en-US" sz="1400" dirty="0">
+              <a:sym typeface="Wingdings" pitchFamily="2" charset="2"/>
+            </a:endParaRPr>
+          </a:p>
+          <a:p>
+            <a:pPr lvl="1">
+              <a:lnSpc>
+                <a:spcPct val="150000"/>
+              </a:lnSpc>
+            </a:pPr>
+            <a:endParaRPr lang="en-US" sz="1400" dirty="0">
+              <a:sym typeface="Wingdings" pitchFamily="2" charset="2"/>
+            </a:endParaRPr>
+          </a:p>
+          <a:p>
+            <a:pPr marL="400050" lvl="1" indent="0">
+              <a:lnSpc>
+                <a:spcPct val="150000"/>
+              </a:lnSpc>
+              <a:buNone/>
+            </a:pPr>
+            <a:endParaRPr lang="en-US" sz="1400" dirty="0">
+              <a:sym typeface="Wingdings" pitchFamily="2" charset="2"/>
+            </a:endParaRPr>
+          </a:p>
+          <a:p>
+            <a:pPr marL="40050" indent="0">
+              <a:lnSpc>
+                <a:spcPct val="150000"/>
+              </a:lnSpc>
+              <a:buNone/>
+            </a:pPr>
+            <a:endParaRPr lang="en-US" sz="1400" dirty="0">
+              <a:sym typeface="Wingdings" pitchFamily="2" charset="2"/>
+            </a:endParaRPr>
+          </a:p>
+          <a:p>
+            <a:pPr>
+              <a:lnSpc>
+                <a:spcPct val="150000"/>
+              </a:lnSpc>
+            </a:pPr>
+            <a:endParaRPr lang="en-US" sz="1400" dirty="0">
+              <a:sym typeface="Wingdings" pitchFamily="2" charset="2"/>
+            </a:endParaRPr>
+          </a:p>
+          <a:p>
+            <a:pPr marL="40050" indent="0">
+              <a:lnSpc>
+                <a:spcPct val="150000"/>
+              </a:lnSpc>
+              <a:buNone/>
+            </a:pPr>
+            <a:endParaRPr lang="en-US" sz="1400" dirty="0">
+              <a:sym typeface="Wingdings" pitchFamily="2" charset="2"/>
+            </a:endParaRPr>
+          </a:p>
+          <a:p>
+            <a:pPr marL="40050" indent="0">
+              <a:lnSpc>
+                <a:spcPct val="150000"/>
+              </a:lnSpc>
+              <a:buNone/>
+            </a:pPr>
+            <a:endParaRPr lang="en-US" sz="1400" dirty="0">
+              <a:sym typeface="Wingdings" pitchFamily="2" charset="2"/>
+            </a:endParaRPr>
+          </a:p>
+          <a:p>
+            <a:pPr marL="40050" indent="0">
+              <a:lnSpc>
+                <a:spcPct val="150000"/>
+              </a:lnSpc>
+              <a:buNone/>
+            </a:pPr>
+            <a:endParaRPr lang="en-US" sz="1400" dirty="0">
+              <a:sym typeface="Wingdings" pitchFamily="2" charset="2"/>
+            </a:endParaRPr>
+          </a:p>
+        </p:txBody>
+      </p:sp>
+      <p:sp>
+        <p:nvSpPr>
+          <p:cNvPr id="5" name="TextBox 4">
+            <a:extLst>
+              <a:ext uri="{FF2B5EF4-FFF2-40B4-BE49-F238E27FC236}">
+                <a16:creationId xmlns:a16="http://schemas.microsoft.com/office/drawing/2014/main" id="{80C9E4D3-A261-AD46-AD50-86C8FF7A981A}"/>
+              </a:ext>
+            </a:extLst>
+          </p:cNvPr>
+          <p:cNvSpPr txBox="1"/>
+          <p:nvPr/>
+        </p:nvSpPr>
+        <p:spPr bwMode="gray">
+          <a:xfrm>
+            <a:off x="1030514" y="493486"/>
+            <a:ext cx="0" cy="0"/>
+          </a:xfrm>
+          <a:prstGeom prst="rect">
+            <a:avLst/>
+          </a:prstGeom>
+          <a:noFill/>
+          <a:ln w="12700" cap="sq">
+            <a:noFill/>
+            <a:miter lim="800000"/>
+          </a:ln>
+        </p:spPr>
+        <p:txBody>
+          <a:bodyPr vert="horz" wrap="none" lIns="0" tIns="0" rIns="0" bIns="0" rtlCol="0" anchor="t" anchorCtr="0">
+            <a:noAutofit/>
+          </a:bodyPr>
+          <a:lstStyle/>
+          <a:p>
+            <a:pPr>
+              <a:lnSpc>
+                <a:spcPct val="90000"/>
+              </a:lnSpc>
+            </a:pPr>
+            <a:endParaRPr lang="en-US" sz="1200" dirty="0">
+              <a:latin typeface="AdihausDIN" panose="020B0504020101020102" pitchFamily="34" charset="0"/>
+              <a:cs typeface="AdihausDIN" panose="020B0504020101020102" pitchFamily="34" charset="0"/>
+            </a:endParaRPr>
+          </a:p>
+        </p:txBody>
+      </p:sp>
+    </p:spTree>
+    <p:extLst>
+      <p:ext uri="{BB962C8B-B14F-4D97-AF65-F5344CB8AC3E}">
+        <p14:creationId xmlns:p14="http://schemas.microsoft.com/office/powerpoint/2010/main" val="951755067"/>
+      </p:ext>
+    </p:extLst>
+  </p:cSld>
+  <p:clrMapOvr>
+    <a:masterClrMapping/>
+  </p:clrMapOvr>
+  <p:transition spd="med">
+    <p:fade/>
+  </p:transition>
+</p:sld>
+</file>
+
+<file path=ppt/slides/slide8.xml><?xml version="1.0" encoding="utf-8"?>
+<p:sld xmlns:a="http://schemas.openxmlformats.org/drawingml/2006/main" xmlns:r="http://schemas.openxmlformats.org/officeDocument/2006/relationships" xmlns:p="http://schemas.openxmlformats.org/presentationml/2006/main">
+  <p:cSld>
+    <p:spTree>
+      <p:nvGrpSpPr>
+        <p:cNvPr id="1" name=""/>
+        <p:cNvGrpSpPr/>
+        <p:nvPr/>
+      </p:nvGrpSpPr>
+      <p:grpSpPr>
+        <a:xfrm>
+          <a:off x="0" y="0"/>
+          <a:ext cx="0" cy="0"/>
+          <a:chOff x="0" y="0"/>
+          <a:chExt cx="0" cy="0"/>
+        </a:xfrm>
+      </p:grpSpPr>
+      <p:sp>
+        <p:nvSpPr>
+          <p:cNvPr id="2" name="Title 1">
+            <a:extLst>
+              <a:ext uri="{FF2B5EF4-FFF2-40B4-BE49-F238E27FC236}">
+                <a16:creationId xmlns:a16="http://schemas.microsoft.com/office/drawing/2014/main" id="{CAF613A6-9041-5F44-BE61-463E01BC016F}"/>
+              </a:ext>
+            </a:extLst>
+          </p:cNvPr>
+          <p:cNvSpPr>
+            <a:spLocks noGrp="1"/>
+          </p:cNvSpPr>
+          <p:nvPr>
+            <p:ph type="title"/>
+          </p:nvPr>
+        </p:nvSpPr>
+        <p:spPr>
+          <a:xfrm>
+            <a:off x="358775" y="303213"/>
+            <a:ext cx="8426450" cy="539750"/>
+          </a:xfrm>
+        </p:spPr>
+        <p:txBody>
+          <a:bodyPr>
+            <a:normAutofit fontScale="90000"/>
+          </a:bodyPr>
+          <a:lstStyle/>
+          <a:p>
+            <a:pPr algn="ctr"/>
+            <a:r>
+              <a:rPr lang="en-US" sz="2400" dirty="0"/>
+              <a:t>Optimizing overestimation</a:t>
+            </a:r>
+            <a:br>
+              <a:rPr lang="en-US" sz="2400" dirty="0"/>
+            </a:br>
+            <a:r>
+              <a:rPr lang="en-US" sz="2400" dirty="0">
+                <a:solidFill>
+                  <a:srgbClr val="C00000"/>
+                </a:solidFill>
+              </a:rPr>
+              <a:t>Minimize Expected loss</a:t>
+            </a:r>
+            <a:br>
+              <a:rPr lang="en-US" sz="2400" dirty="0">
+                <a:solidFill>
+                  <a:schemeClr val="accent6"/>
+                </a:solidFill>
+              </a:rPr>
+            </a:br>
+            <a:endParaRPr lang="en-US" sz="2400" dirty="0">
+              <a:solidFill>
+                <a:schemeClr val="accent6"/>
+              </a:solidFill>
+            </a:endParaRPr>
+          </a:p>
+        </p:txBody>
+      </p:sp>
+      <p:sp>
+        <p:nvSpPr>
+          <p:cNvPr id="3" name="Slide Number Placeholder 2">
+            <a:extLst>
+              <a:ext uri="{FF2B5EF4-FFF2-40B4-BE49-F238E27FC236}">
+                <a16:creationId xmlns:a16="http://schemas.microsoft.com/office/drawing/2014/main" id="{A14C6C5B-4153-C24D-8FD1-BFD92F4AFFFF}"/>
+              </a:ext>
+            </a:extLst>
+          </p:cNvPr>
+          <p:cNvSpPr>
+            <a:spLocks noGrp="1"/>
+          </p:cNvSpPr>
+          <p:nvPr>
+            <p:ph type="sldNum" sz="quarter" idx="24"/>
+          </p:nvPr>
+        </p:nvSpPr>
+        <p:spPr/>
+        <p:txBody>
+          <a:bodyPr/>
+          <a:lstStyle/>
+          <a:p>
+            <a:pPr>
+              <a:defRPr/>
+            </a:pPr>
+            <a:fld id="{66C8B3C2-955F-42B1-8DED-EE47D723596C}" type="slidenum">
+              <a:rPr lang="en-US" smtClean="0"/>
+              <a:pPr>
+                <a:defRPr/>
+              </a:pPr>
+              <a:t>8</a:t>
+            </a:fld>
+            <a:endParaRPr lang="en-US" dirty="0"/>
+          </a:p>
+        </p:txBody>
+      </p:sp>
+      <p:sp>
+        <p:nvSpPr>
+          <p:cNvPr id="4" name="Text Placeholder 3">
+            <a:extLst>
+              <a:ext uri="{FF2B5EF4-FFF2-40B4-BE49-F238E27FC236}">
+                <a16:creationId xmlns:a16="http://schemas.microsoft.com/office/drawing/2014/main" id="{E5CA33FE-16F9-7F48-BA4D-F8CA50A6E268}"/>
+              </a:ext>
+            </a:extLst>
+          </p:cNvPr>
+          <p:cNvSpPr>
+            <a:spLocks noGrp="1"/>
+          </p:cNvSpPr>
+          <p:nvPr>
+            <p:ph type="body" sz="quarter" idx="25"/>
+          </p:nvPr>
+        </p:nvSpPr>
+        <p:spPr>
+          <a:xfrm>
+            <a:off x="582660" y="1047750"/>
+            <a:ext cx="7430189" cy="4038600"/>
+          </a:xfrm>
+        </p:spPr>
+        <p:txBody>
+          <a:bodyPr numCol="2">
+            <a:normAutofit/>
+          </a:bodyPr>
+          <a:lstStyle/>
+          <a:p>
+            <a:pPr>
+              <a:lnSpc>
+                <a:spcPct val="150000"/>
+              </a:lnSpc>
+            </a:pPr>
+            <a:r>
+              <a:rPr lang="en-US" sz="1400" dirty="0">
+                <a:sym typeface="Wingdings" pitchFamily="2" charset="2"/>
+              </a:rPr>
+              <a:t>Recall, Stan Smith prediction distribution: </a:t>
+            </a:r>
+          </a:p>
+          <a:p>
+            <a:pPr lvl="1">
+              <a:lnSpc>
+                <a:spcPct val="150000"/>
+              </a:lnSpc>
+            </a:pPr>
+            <a:r>
+              <a:rPr lang="en-US" sz="1400" dirty="0" err="1">
+                <a:sym typeface="Wingdings" pitchFamily="2" charset="2"/>
+              </a:rPr>
+              <a:t>net_qty</a:t>
+            </a:r>
+            <a:r>
+              <a:rPr lang="en-US" sz="1400" dirty="0">
+                <a:sym typeface="Wingdings" pitchFamily="2" charset="2"/>
+              </a:rPr>
+              <a:t> ~ N(38000, 7000)</a:t>
+            </a:r>
+          </a:p>
+          <a:p>
+            <a:pPr>
+              <a:lnSpc>
+                <a:spcPct val="150000"/>
+              </a:lnSpc>
+            </a:pPr>
+            <a:r>
+              <a:rPr lang="en-US" sz="1400" dirty="0">
+                <a:sym typeface="Wingdings" pitchFamily="2" charset="2"/>
+              </a:rPr>
+              <a:t>Margin = €65.80, cost = €4.20.</a:t>
+            </a:r>
+          </a:p>
+          <a:p>
+            <a:pPr>
+              <a:lnSpc>
+                <a:spcPct val="150000"/>
+              </a:lnSpc>
+            </a:pPr>
+            <a:r>
+              <a:rPr lang="en-US" sz="1400" dirty="0">
+                <a:sym typeface="Wingdings" pitchFamily="2" charset="2"/>
+              </a:rPr>
+              <a:t>Buying 48900 units maximizes expected profits</a:t>
+            </a:r>
+          </a:p>
+          <a:p>
+            <a:pPr>
+              <a:lnSpc>
+                <a:spcPct val="150000"/>
+              </a:lnSpc>
+            </a:pPr>
+            <a:r>
+              <a:rPr lang="en-US" sz="1400" dirty="0">
+                <a:sym typeface="Wingdings" pitchFamily="2" charset="2"/>
+              </a:rPr>
+              <a:t>Current approach: “20% buffer”</a:t>
+            </a:r>
+          </a:p>
+          <a:p>
+            <a:pPr>
+              <a:lnSpc>
+                <a:spcPct val="150000"/>
+              </a:lnSpc>
+            </a:pPr>
+            <a:r>
+              <a:rPr lang="en-US" sz="1400" dirty="0">
+                <a:sym typeface="Wingdings" pitchFamily="2" charset="2"/>
+              </a:rPr>
+              <a:t> €8127 expected increase in profit for this article</a:t>
+            </a:r>
+          </a:p>
+          <a:p>
+            <a:pPr marL="40050" indent="0">
+              <a:lnSpc>
+                <a:spcPct val="150000"/>
+              </a:lnSpc>
+              <a:buNone/>
+            </a:pPr>
+            <a:endParaRPr lang="en-US" sz="1400" dirty="0">
+              <a:sym typeface="Wingdings" pitchFamily="2" charset="2"/>
+            </a:endParaRPr>
+          </a:p>
+          <a:p>
+            <a:pPr>
+              <a:lnSpc>
+                <a:spcPct val="150000"/>
+              </a:lnSpc>
+            </a:pPr>
+            <a:endParaRPr lang="en-US" sz="1400" dirty="0">
+              <a:sym typeface="Wingdings" pitchFamily="2" charset="2"/>
+            </a:endParaRPr>
+          </a:p>
+        </p:txBody>
+      </p:sp>
+      <p:sp>
+        <p:nvSpPr>
+          <p:cNvPr id="5" name="TextBox 4">
+            <a:extLst>
+              <a:ext uri="{FF2B5EF4-FFF2-40B4-BE49-F238E27FC236}">
+                <a16:creationId xmlns:a16="http://schemas.microsoft.com/office/drawing/2014/main" id="{80C9E4D3-A261-AD46-AD50-86C8FF7A981A}"/>
+              </a:ext>
+            </a:extLst>
+          </p:cNvPr>
+          <p:cNvSpPr txBox="1"/>
+          <p:nvPr/>
+        </p:nvSpPr>
+        <p:spPr bwMode="gray">
+          <a:xfrm>
+            <a:off x="1030514" y="493486"/>
+            <a:ext cx="0" cy="0"/>
+          </a:xfrm>
+          <a:prstGeom prst="rect">
+            <a:avLst/>
+          </a:prstGeom>
+          <a:noFill/>
+          <a:ln w="12700" cap="sq">
+            <a:noFill/>
+            <a:miter lim="800000"/>
+          </a:ln>
+        </p:spPr>
+        <p:txBody>
+          <a:bodyPr vert="horz" wrap="none" lIns="0" tIns="0" rIns="0" bIns="0" rtlCol="0" anchor="t" anchorCtr="0">
+            <a:noAutofit/>
+          </a:bodyPr>
+          <a:lstStyle/>
+          <a:p>
+            <a:pPr>
+              <a:lnSpc>
+                <a:spcPct val="90000"/>
+              </a:lnSpc>
+            </a:pPr>
+            <a:endParaRPr lang="en-US" sz="1200" dirty="0">
+              <a:latin typeface="AdihausDIN" panose="020B0504020101020102" pitchFamily="34" charset="0"/>
+              <a:cs typeface="AdihausDIN" panose="020B0504020101020102" pitchFamily="34" charset="0"/>
+            </a:endParaRPr>
+          </a:p>
+        </p:txBody>
+      </p:sp>
+      <p:pic>
+        <p:nvPicPr>
+          <p:cNvPr id="7" name="Picture 6">
+            <a:extLst>
+              <a:ext uri="{FF2B5EF4-FFF2-40B4-BE49-F238E27FC236}">
+                <a16:creationId xmlns:a16="http://schemas.microsoft.com/office/drawing/2014/main" id="{AA0BF24C-A8D6-6742-B3DB-39D8D7100435}"/>
+              </a:ext>
+            </a:extLst>
+          </p:cNvPr>
+          <p:cNvPicPr>
+            <a:picLocks noChangeAspect="1"/>
+          </p:cNvPicPr>
+          <p:nvPr/>
+        </p:nvPicPr>
+        <p:blipFill>
+          <a:blip r:embed="rId2"/>
+          <a:stretch>
+            <a:fillRect/>
+          </a:stretch>
+        </p:blipFill>
+        <p:spPr>
+          <a:xfrm>
+            <a:off x="5215885" y="2742944"/>
+            <a:ext cx="3434109" cy="2238303"/>
+          </a:xfrm>
+          <a:prstGeom prst="rect">
+            <a:avLst/>
+          </a:prstGeom>
+        </p:spPr>
+      </p:pic>
+      <p:pic>
+        <p:nvPicPr>
+          <p:cNvPr id="9" name="Picture 8">
+            <a:extLst>
+              <a:ext uri="{FF2B5EF4-FFF2-40B4-BE49-F238E27FC236}">
+                <a16:creationId xmlns:a16="http://schemas.microsoft.com/office/drawing/2014/main" id="{CDCD217C-FB78-0343-9ADD-502791943ED1}"/>
+              </a:ext>
+            </a:extLst>
+          </p:cNvPr>
+          <p:cNvPicPr>
+            <a:picLocks noChangeAspect="1"/>
+          </p:cNvPicPr>
+          <p:nvPr/>
+        </p:nvPicPr>
+        <p:blipFill>
+          <a:blip r:embed="rId3"/>
+          <a:stretch>
+            <a:fillRect/>
+          </a:stretch>
+        </p:blipFill>
+        <p:spPr>
+          <a:xfrm>
+            <a:off x="5284431" y="873612"/>
+            <a:ext cx="3379740" cy="1763343"/>
+          </a:xfrm>
+          <a:prstGeom prst="rect">
+            <a:avLst/>
+          </a:prstGeom>
+        </p:spPr>
+      </p:pic>
+    </p:spTree>
+    <p:extLst>
+      <p:ext uri="{BB962C8B-B14F-4D97-AF65-F5344CB8AC3E}">
+        <p14:creationId xmlns:p14="http://schemas.microsoft.com/office/powerpoint/2010/main" val="3518833007"/>
+      </p:ext>
+    </p:extLst>
+  </p:cSld>
+  <p:clrMapOvr>
+    <a:masterClrMapping/>
+  </p:clrMapOvr>
+  <p:transition spd="med">
+    <p:fade/>
+  </p:transition>
+</p:sld>
+</file>
+
 <file path=ppt/slides/slide9.xml><?xml version="1.0" encoding="utf-8"?>
 <p:sld xmlns:a="http://schemas.openxmlformats.org/drawingml/2006/main" xmlns:r="http://schemas.openxmlformats.org/officeDocument/2006/relationships" xmlns:p="http://schemas.openxmlformats.org/presentationml/2006/main">
   <p:cSld>
@@ -10435,7 +11520,11 @@
           </a:bodyPr>
           <a:lstStyle/>
           <a:p>
-            <a:pPr algn="ctr"/>
+            <a:pPr algn="ctr">
+              <a:buClr>
+                <a:srgbClr val="C00000"/>
+              </a:buClr>
+            </a:pPr>
             <a:r>
               <a:rPr lang="en-US" sz="2400" dirty="0"/>
               <a:t>Demand forecasting</a:t>
@@ -10446,7 +11535,7 @@
             <a:r>
               <a:rPr lang="en-US" sz="2400" dirty="0">
                 <a:solidFill>
-                  <a:schemeClr val="accent6"/>
+                  <a:srgbClr val="C00000"/>
                 </a:solidFill>
               </a:rPr>
               <a:t>Distribution framework</a:t>
@@ -10488,11 +11577,17 @@
           <a:lstStyle/>
           <a:p>
             <a:pPr>
+              <a:buClr>
+                <a:srgbClr val="C00000"/>
+              </a:buClr>
               <a:defRPr/>
             </a:pPr>
             <a:fld id="{66C8B3C2-955F-42B1-8DED-EE47D723596C}" type="slidenum">
               <a:rPr lang="en-US" smtClean="0"/>
               <a:pPr>
+                <a:buClr>
+                  <a:srgbClr val="C00000"/>
+                </a:buClr>
                 <a:defRPr/>
               </a:pPr>
               <a:t>9</a:t>
@@ -10519,8 +11614,8 @@
         </p:nvSpPr>
         <p:spPr>
           <a:xfrm>
-            <a:off x="582660" y="971550"/>
-            <a:ext cx="7430189" cy="4114800"/>
+            <a:off x="582660" y="1047750"/>
+            <a:ext cx="7430189" cy="4038600"/>
           </a:xfrm>
         </p:spPr>
         <p:txBody>
@@ -10533,20 +11628,138 @@
               <a:lnSpc>
                 <a:spcPct val="100000"/>
               </a:lnSpc>
+              <a:buClr>
+                <a:srgbClr val="C00000"/>
+              </a:buClr>
             </a:pPr>
             <a:endParaRPr lang="en-US" sz="1400" dirty="0"/>
           </a:p>
           <a:p>
-            <a:pPr lvl="1">
+            <a:pPr>
               <a:lnSpc>
                 <a:spcPct val="150000"/>
               </a:lnSpc>
+              <a:buClr>
+                <a:srgbClr val="C00000"/>
+              </a:buClr>
             </a:pPr>
             <a:r>
               <a:rPr lang="en-US" sz="1400" dirty="0">
                 <a:sym typeface="Wingdings" pitchFamily="2" charset="2"/>
               </a:rPr>
-              <a:t>Easier to incorporate disparate information into single distribution than prediction, and that translates probabilistically into a buy number</a:t>
+              <a:t>What if we adopt this framework more broadly?</a:t>
+            </a:r>
+          </a:p>
+          <a:p>
+            <a:pPr lvl="1">
+              <a:lnSpc>
+                <a:spcPct val="150000"/>
+              </a:lnSpc>
+              <a:buClr>
+                <a:srgbClr val="C00000"/>
+              </a:buClr>
+            </a:pPr>
+            <a:r>
+              <a:rPr lang="en-US" sz="1400" dirty="0">
+                <a:sym typeface="Wingdings" pitchFamily="2" charset="2"/>
+              </a:rPr>
+              <a:t>All predictions as distributions</a:t>
+            </a:r>
+          </a:p>
+          <a:p>
+            <a:pPr>
+              <a:lnSpc>
+                <a:spcPct val="150000"/>
+              </a:lnSpc>
+              <a:buClr>
+                <a:srgbClr val="C00000"/>
+              </a:buClr>
+            </a:pPr>
+            <a:r>
+              <a:rPr lang="en-US" sz="1400" dirty="0">
+                <a:sym typeface="Wingdings" pitchFamily="2" charset="2"/>
+              </a:rPr>
+              <a:t>Additional benefits</a:t>
+            </a:r>
+          </a:p>
+          <a:p>
+            <a:pPr lvl="1">
+              <a:lnSpc>
+                <a:spcPct val="150000"/>
+              </a:lnSpc>
+              <a:buClr>
+                <a:srgbClr val="C00000"/>
+              </a:buClr>
+            </a:pPr>
+            <a:r>
+              <a:rPr lang="en-US" sz="1400" dirty="0">
+                <a:sym typeface="Wingdings" pitchFamily="2" charset="2"/>
+              </a:rPr>
+              <a:t>Asymmetric/skewed distributions</a:t>
+            </a:r>
+          </a:p>
+          <a:p>
+            <a:pPr lvl="2">
+              <a:lnSpc>
+                <a:spcPct val="150000"/>
+              </a:lnSpc>
+              <a:buClr>
+                <a:srgbClr val="C00000"/>
+              </a:buClr>
+            </a:pPr>
+            <a:r>
+              <a:rPr lang="en-US" sz="1400" dirty="0">
+                <a:sym typeface="Wingdings" pitchFamily="2" charset="2"/>
+              </a:rPr>
+              <a:t>e.g. marketing campaigns with large upside</a:t>
+            </a:r>
+          </a:p>
+          <a:p>
+            <a:pPr lvl="1">
+              <a:lnSpc>
+                <a:spcPct val="150000"/>
+              </a:lnSpc>
+              <a:buClr>
+                <a:srgbClr val="C00000"/>
+              </a:buClr>
+            </a:pPr>
+            <a:r>
+              <a:rPr lang="en-US" sz="1400" dirty="0">
+                <a:sym typeface="Wingdings" pitchFamily="2" charset="2"/>
+              </a:rPr>
+              <a:t>Easier to incorporate disparate information into single distribution than prediction, and that translates probabilistically into a buy number to maximize profits</a:t>
+            </a:r>
+          </a:p>
+          <a:p>
+            <a:pPr lvl="1">
+              <a:lnSpc>
+                <a:spcPct val="150000"/>
+              </a:lnSpc>
+              <a:buClr>
+                <a:srgbClr val="C00000"/>
+              </a:buClr>
+            </a:pPr>
+            <a:r>
+              <a:rPr lang="en-US" sz="1400" dirty="0">
+                <a:sym typeface="Wingdings" pitchFamily="2" charset="2"/>
+              </a:rPr>
+              <a:t>Evaluate predictions: comparing distributions is easy </a:t>
+            </a:r>
+          </a:p>
+          <a:p>
+            <a:pPr lvl="2">
+              <a:lnSpc>
+                <a:spcPct val="150000"/>
+              </a:lnSpc>
+              <a:buClr>
+                <a:srgbClr val="C00000"/>
+              </a:buClr>
+            </a:pPr>
+            <a:r>
+              <a:rPr lang="en-US" sz="1400" dirty="0">
+                <a:sym typeface="Wingdings" pitchFamily="2" charset="2"/>
+              </a:rPr>
+              <a:t>predictions vs. empirical</a:t>
             </a:r>
           </a:p>
         </p:txBody>
@@ -10587,6 +11800,9 @@
               <a:lnSpc>
                 <a:spcPct val="90000"/>
               </a:lnSpc>
+              <a:buClr>
+                <a:srgbClr val="C00000"/>
+              </a:buClr>
             </a:pPr>
             <a:endParaRPr lang="en-US" sz="1200" dirty="0">
               <a:latin typeface="AdihausDIN" panose="020B0504020101020102" pitchFamily="34" charset="0"/>
@@ -10595,40 +11811,10 @@
           </a:p>
         </p:txBody>
       </p:sp>
-      <p:pic>
-        <p:nvPicPr>
-          <p:cNvPr id="9" name="Picture 8">
-            <a:extLst>
-              <a:ext uri="{FF2B5EF4-FFF2-40B4-BE49-F238E27FC236}">
-                <a16:creationId xmlns:a16="http://schemas.microsoft.com/office/drawing/2014/main" id="{2E8B2AA4-4914-E146-91C0-989B1C204359}"/>
-              </a:ext>
-            </a:extLst>
-          </p:cNvPr>
-          <p:cNvPicPr>
-            <a:picLocks noChangeAspect="1"/>
-          </p:cNvPicPr>
-          <p:nvPr/>
-        </p:nvPicPr>
-        <p:blipFill>
-          <a:blip r:embed="rId2"/>
-          <a:stretch>
-            <a:fillRect/>
-          </a:stretch>
-        </p:blipFill>
-        <p:spPr>
-          <a:xfrm>
-            <a:off x="2286000" y="1962150"/>
-            <a:ext cx="4407141" cy="3124200"/>
-          </a:xfrm>
-          <a:prstGeom prst="rect">
-            <a:avLst/>
-          </a:prstGeom>
-        </p:spPr>
-      </p:pic>
     </p:spTree>
     <p:extLst>
       <p:ext uri="{BB962C8B-B14F-4D97-AF65-F5344CB8AC3E}">
-        <p14:creationId xmlns:p14="http://schemas.microsoft.com/office/powerpoint/2010/main" val="2068027882"/>
+        <p14:creationId xmlns:p14="http://schemas.microsoft.com/office/powerpoint/2010/main" val="1712575972"/>
       </p:ext>
     </p:extLst>
   </p:cSld>
